--- a/tutorial06/More Details About API's.pptx
+++ b/tutorial06/More Details About API's.pptx
@@ -23,20 +23,21 @@
     <p:sldId id="267" r:id="rId17"/>
     <p:sldId id="268" r:id="rId18"/>
     <p:sldId id="269" r:id="rId19"/>
+    <p:sldId id="270" r:id="rId20"/>
   </p:sldIdLst>
   <p:sldSz cy="6858000" cx="12192000"/>
   <p:notesSz cx="6858000" cy="9144000"/>
   <p:embeddedFontLst>
     <p:embeddedFont>
       <p:font typeface="Abril Fatface"/>
-      <p:regular r:id="rId20"/>
+      <p:regular r:id="rId21"/>
     </p:embeddedFont>
     <p:embeddedFont>
       <p:font typeface="Century Gothic"/>
-      <p:regular r:id="rId21"/>
-      <p:bold r:id="rId22"/>
-      <p:italic r:id="rId23"/>
-      <p:boldItalic r:id="rId24"/>
+      <p:regular r:id="rId22"/>
+      <p:bold r:id="rId23"/>
+      <p:italic r:id="rId24"/>
+      <p:boldItalic r:id="rId25"/>
     </p:embeddedFont>
   </p:embeddedFontLst>
   <p:defaultTextStyle>
@@ -270,7 +271,7 @@
   </p:defaultTextStyle>
   <p:extLst>
     <p:ext uri="http://customooxmlschemas.google.com/">
-      <go:slidesCustomData xmlns:go="http://customooxmlschemas.google.com/" r:id="rId25" roundtripDataSignature="AMtx7mimhhUlOiMNvMY/P+A8fadhbzAcNQ=="/>
+      <go:slidesCustomData xmlns:go="http://customooxmlschemas.google.com/" r:id="rId26" roundtripDataSignature="AMtx7mhAZyVhYgDdNi993bWjmW20FSREeg=="/>
     </p:ext>
   </p:extLst>
 </p:presentation>
@@ -721,7 +722,42 @@
       </p:grpSpPr>
       <p:sp>
         <p:nvSpPr>
-          <p:cNvPr id="107" name="Google Shape;107;p1:notes"/>
+          <p:cNvPr id="107" name="Google Shape;107;g7a3baedec7_0_0:notes"/>
+          <p:cNvSpPr/>
+          <p:nvPr>
+            <p:ph idx="2" type="sldImg"/>
+          </p:nvPr>
+        </p:nvSpPr>
+        <p:spPr>
+          <a:xfrm>
+            <a:off x="1143225" y="685800"/>
+            <a:ext cx="4572300" cy="3429000"/>
+          </a:xfrm>
+          <a:custGeom>
+            <a:rect b="b" l="l" r="r" t="t"/>
+            <a:pathLst>
+              <a:path extrusionOk="0" h="120000" w="120000">
+                <a:moveTo>
+                  <a:pt x="0" y="0"/>
+                </a:moveTo>
+                <a:lnTo>
+                  <a:pt x="120000" y="0"/>
+                </a:lnTo>
+                <a:lnTo>
+                  <a:pt x="120000" y="120000"/>
+                </a:lnTo>
+                <a:lnTo>
+                  <a:pt x="0" y="120000"/>
+                </a:lnTo>
+                <a:close/>
+              </a:path>
+            </a:pathLst>
+          </a:custGeom>
+        </p:spPr>
+      </p:sp>
+      <p:sp>
+        <p:nvSpPr>
+          <p:cNvPr id="108" name="Google Shape;108;g7a3baedec7_0_0:notes"/>
           <p:cNvSpPr txBox="1"/>
           <p:nvPr>
             <p:ph idx="1" type="body"/>
@@ -758,9 +794,73 @@
           </a:p>
         </p:txBody>
       </p:sp>
+    </p:spTree>
+  </p:cSld>
+  <p:clrMapOvr>
+    <a:masterClrMapping/>
+  </p:clrMapOvr>
+</p:notes>
+</file>
+
+<file path=ppt/notesSlides/notesSlide10.xml><?xml version="1.0" encoding="utf-8"?>
+<p:notes xmlns:a="http://schemas.openxmlformats.org/drawingml/2006/main" xmlns:r="http://schemas.openxmlformats.org/officeDocument/2006/relationships" xmlns:mc="http://schemas.openxmlformats.org/markup-compatibility/2006" xmlns:mv="urn:schemas-microsoft-com:mac:vml" xmlns:p="http://schemas.openxmlformats.org/presentationml/2006/main" xmlns:c="http://schemas.openxmlformats.org/drawingml/2006/chart" xmlns:dgm="http://schemas.openxmlformats.org/drawingml/2006/diagram" xmlns:o="urn:schemas-microsoft-com:office:office" xmlns:v="urn:schemas-microsoft-com:vml" xmlns:pvml="urn:schemas-microsoft-com:office:powerpoint" xmlns:com="http://schemas.openxmlformats.org/drawingml/2006/compatibility" xmlns:p14="http://schemas.microsoft.com/office/powerpoint/2010/main" xmlns:p15="http://schemas.microsoft.com/office/powerpoint/2012/main" xmlns:ahyp="http://schemas.microsoft.com/office/drawing/2018/hyperlinkcolor" showMasterPhAnim="0" showMasterSp="0">
+  <p:cSld>
+    <p:spTree>
+      <p:nvGrpSpPr>
+        <p:cNvPr id="167" name="Shape 167"/>
+        <p:cNvGrpSpPr/>
+        <p:nvPr/>
+      </p:nvGrpSpPr>
+      <p:grpSpPr>
+        <a:xfrm>
+          <a:off x="0" y="0"/>
+          <a:ext cx="0" cy="0"/>
+          <a:chOff x="0" y="0"/>
+          <a:chExt cx="0" cy="0"/>
+        </a:xfrm>
+      </p:grpSpPr>
       <p:sp>
         <p:nvSpPr>
-          <p:cNvPr id="108" name="Google Shape;108;p1:notes"/>
+          <p:cNvPr id="168" name="Google Shape;168;p8:notes"/>
+          <p:cNvSpPr txBox="1"/>
+          <p:nvPr>
+            <p:ph idx="1" type="body"/>
+          </p:nvPr>
+        </p:nvSpPr>
+        <p:spPr>
+          <a:xfrm>
+            <a:off x="685800" y="4343400"/>
+            <a:ext cx="5486400" cy="4114800"/>
+          </a:xfrm>
+          <a:prstGeom prst="rect">
+            <a:avLst/>
+          </a:prstGeom>
+        </p:spPr>
+        <p:txBody>
+          <a:bodyPr anchorCtr="0" anchor="t" bIns="91425" lIns="91425" spcFirstLastPara="1" rIns="91425" wrap="square" tIns="91425">
+            <a:noAutofit/>
+          </a:bodyPr>
+          <a:lstStyle/>
+          <a:p>
+            <a:pPr indent="0" lvl="0" marL="0" rtl="0" algn="l">
+              <a:spcBef>
+                <a:spcPts val="0"/>
+              </a:spcBef>
+              <a:spcAft>
+                <a:spcPts val="0"/>
+              </a:spcAft>
+              <a:buNone/>
+            </a:pPr>
+            <a:r>
+              <a:t/>
+            </a:r>
+            <a:endParaRPr/>
+          </a:p>
+        </p:txBody>
+      </p:sp>
+      <p:sp>
+        <p:nvSpPr>
+          <p:cNvPr id="169" name="Google Shape;169;p8:notes"/>
           <p:cNvSpPr/>
           <p:nvPr>
             <p:ph idx="2" type="sldImg"/>
@@ -801,12 +901,12 @@
 </p:notes>
 </file>
 
-<file path=ppt/notesSlides/notesSlide10.xml><?xml version="1.0" encoding="utf-8"?>
+<file path=ppt/notesSlides/notesSlide11.xml><?xml version="1.0" encoding="utf-8"?>
 <p:notes xmlns:a="http://schemas.openxmlformats.org/drawingml/2006/main" xmlns:r="http://schemas.openxmlformats.org/officeDocument/2006/relationships" xmlns:mc="http://schemas.openxmlformats.org/markup-compatibility/2006" xmlns:mv="urn:schemas-microsoft-com:mac:vml" xmlns:p="http://schemas.openxmlformats.org/presentationml/2006/main" xmlns:c="http://schemas.openxmlformats.org/drawingml/2006/chart" xmlns:dgm="http://schemas.openxmlformats.org/drawingml/2006/diagram" xmlns:o="urn:schemas-microsoft-com:office:office" xmlns:v="urn:schemas-microsoft-com:vml" xmlns:pvml="urn:schemas-microsoft-com:office:powerpoint" xmlns:com="http://schemas.openxmlformats.org/drawingml/2006/compatibility" xmlns:p14="http://schemas.microsoft.com/office/powerpoint/2010/main" xmlns:p15="http://schemas.microsoft.com/office/powerpoint/2012/main" xmlns:ahyp="http://schemas.microsoft.com/office/drawing/2018/hyperlinkcolor" showMasterPhAnim="0" showMasterSp="0">
   <p:cSld>
     <p:spTree>
       <p:nvGrpSpPr>
-        <p:cNvPr id="168" name="Shape 168"/>
+        <p:cNvPr id="174" name="Shape 174"/>
         <p:cNvGrpSpPr/>
         <p:nvPr/>
       </p:nvGrpSpPr>
@@ -820,7 +920,7 @@
       </p:grpSpPr>
       <p:sp>
         <p:nvSpPr>
-          <p:cNvPr id="169" name="Google Shape;169;g7a3baecf54_0_18:notes"/>
+          <p:cNvPr id="175" name="Google Shape;175;g7a3baecf54_0_18:notes"/>
           <p:cNvSpPr/>
           <p:nvPr>
             <p:ph idx="2" type="sldImg"/>
@@ -855,7 +955,7 @@
       </p:sp>
       <p:sp>
         <p:nvSpPr>
-          <p:cNvPr id="170" name="Google Shape;170;g7a3baecf54_0_18:notes"/>
+          <p:cNvPr id="176" name="Google Shape;176;g7a3baecf54_0_18:notes"/>
           <p:cNvSpPr txBox="1"/>
           <p:nvPr>
             <p:ph idx="1" type="body"/>
@@ -900,12 +1000,12 @@
 </p:notes>
 </file>
 
-<file path=ppt/notesSlides/notesSlide11.xml><?xml version="1.0" encoding="utf-8"?>
+<file path=ppt/notesSlides/notesSlide12.xml><?xml version="1.0" encoding="utf-8"?>
 <p:notes xmlns:a="http://schemas.openxmlformats.org/drawingml/2006/main" xmlns:r="http://schemas.openxmlformats.org/officeDocument/2006/relationships" xmlns:mc="http://schemas.openxmlformats.org/markup-compatibility/2006" xmlns:mv="urn:schemas-microsoft-com:mac:vml" xmlns:p="http://schemas.openxmlformats.org/presentationml/2006/main" xmlns:c="http://schemas.openxmlformats.org/drawingml/2006/chart" xmlns:dgm="http://schemas.openxmlformats.org/drawingml/2006/diagram" xmlns:o="urn:schemas-microsoft-com:office:office" xmlns:v="urn:schemas-microsoft-com:vml" xmlns:pvml="urn:schemas-microsoft-com:office:powerpoint" xmlns:com="http://schemas.openxmlformats.org/drawingml/2006/compatibility" xmlns:p14="http://schemas.microsoft.com/office/powerpoint/2010/main" xmlns:p15="http://schemas.microsoft.com/office/powerpoint/2012/main" xmlns:ahyp="http://schemas.microsoft.com/office/drawing/2018/hyperlinkcolor" showMasterPhAnim="0" showMasterSp="0">
   <p:cSld>
     <p:spTree>
       <p:nvGrpSpPr>
-        <p:cNvPr id="175" name="Shape 175"/>
+        <p:cNvPr id="181" name="Shape 181"/>
         <p:cNvGrpSpPr/>
         <p:nvPr/>
       </p:nvGrpSpPr>
@@ -919,7 +1019,7 @@
       </p:grpSpPr>
       <p:sp>
         <p:nvSpPr>
-          <p:cNvPr id="176" name="Google Shape;176;g7a3baecf54_0_23:notes"/>
+          <p:cNvPr id="182" name="Google Shape;182;g7a3baecf54_0_23:notes"/>
           <p:cNvSpPr/>
           <p:nvPr>
             <p:ph idx="2" type="sldImg"/>
@@ -954,7 +1054,7 @@
       </p:sp>
       <p:sp>
         <p:nvSpPr>
-          <p:cNvPr id="177" name="Google Shape;177;g7a3baecf54_0_23:notes"/>
+          <p:cNvPr id="183" name="Google Shape;183;g7a3baecf54_0_23:notes"/>
           <p:cNvSpPr txBox="1"/>
           <p:nvPr>
             <p:ph idx="1" type="body"/>
@@ -999,12 +1099,12 @@
 </p:notes>
 </file>
 
-<file path=ppt/notesSlides/notesSlide12.xml><?xml version="1.0" encoding="utf-8"?>
+<file path=ppt/notesSlides/notesSlide13.xml><?xml version="1.0" encoding="utf-8"?>
 <p:notes xmlns:a="http://schemas.openxmlformats.org/drawingml/2006/main" xmlns:r="http://schemas.openxmlformats.org/officeDocument/2006/relationships" xmlns:mc="http://schemas.openxmlformats.org/markup-compatibility/2006" xmlns:mv="urn:schemas-microsoft-com:mac:vml" xmlns:p="http://schemas.openxmlformats.org/presentationml/2006/main" xmlns:c="http://schemas.openxmlformats.org/drawingml/2006/chart" xmlns:dgm="http://schemas.openxmlformats.org/drawingml/2006/diagram" xmlns:o="urn:schemas-microsoft-com:office:office" xmlns:v="urn:schemas-microsoft-com:vml" xmlns:pvml="urn:schemas-microsoft-com:office:powerpoint" xmlns:com="http://schemas.openxmlformats.org/drawingml/2006/compatibility" xmlns:p14="http://schemas.microsoft.com/office/powerpoint/2010/main" xmlns:p15="http://schemas.microsoft.com/office/powerpoint/2012/main" xmlns:ahyp="http://schemas.microsoft.com/office/drawing/2018/hyperlinkcolor" showMasterPhAnim="0" showMasterSp="0">
   <p:cSld>
     <p:spTree>
       <p:nvGrpSpPr>
-        <p:cNvPr id="182" name="Shape 182"/>
+        <p:cNvPr id="188" name="Shape 188"/>
         <p:cNvGrpSpPr/>
         <p:nvPr/>
       </p:nvGrpSpPr>
@@ -1018,7 +1118,7 @@
       </p:grpSpPr>
       <p:sp>
         <p:nvSpPr>
-          <p:cNvPr id="183" name="Google Shape;183;p9:notes"/>
+          <p:cNvPr id="189" name="Google Shape;189;p9:notes"/>
           <p:cNvSpPr txBox="1"/>
           <p:nvPr>
             <p:ph idx="1" type="body"/>
@@ -1057,7 +1157,7 @@
       </p:sp>
       <p:sp>
         <p:nvSpPr>
-          <p:cNvPr id="184" name="Google Shape;184;p9:notes"/>
+          <p:cNvPr id="190" name="Google Shape;190;p9:notes"/>
           <p:cNvSpPr/>
           <p:nvPr>
             <p:ph idx="2" type="sldImg"/>
@@ -1098,12 +1198,12 @@
 </p:notes>
 </file>
 
-<file path=ppt/notesSlides/notesSlide13.xml><?xml version="1.0" encoding="utf-8"?>
+<file path=ppt/notesSlides/notesSlide14.xml><?xml version="1.0" encoding="utf-8"?>
 <p:notes xmlns:a="http://schemas.openxmlformats.org/drawingml/2006/main" xmlns:r="http://schemas.openxmlformats.org/officeDocument/2006/relationships" xmlns:mc="http://schemas.openxmlformats.org/markup-compatibility/2006" xmlns:mv="urn:schemas-microsoft-com:mac:vml" xmlns:p="http://schemas.openxmlformats.org/presentationml/2006/main" xmlns:c="http://schemas.openxmlformats.org/drawingml/2006/chart" xmlns:dgm="http://schemas.openxmlformats.org/drawingml/2006/diagram" xmlns:o="urn:schemas-microsoft-com:office:office" xmlns:v="urn:schemas-microsoft-com:vml" xmlns:pvml="urn:schemas-microsoft-com:office:powerpoint" xmlns:com="http://schemas.openxmlformats.org/drawingml/2006/compatibility" xmlns:p14="http://schemas.microsoft.com/office/powerpoint/2010/main" xmlns:p15="http://schemas.microsoft.com/office/powerpoint/2012/main" xmlns:ahyp="http://schemas.microsoft.com/office/drawing/2018/hyperlinkcolor" showMasterPhAnim="0" showMasterSp="0">
   <p:cSld>
     <p:spTree>
       <p:nvGrpSpPr>
-        <p:cNvPr id="188" name="Shape 188"/>
+        <p:cNvPr id="194" name="Shape 194"/>
         <p:cNvGrpSpPr/>
         <p:nvPr/>
       </p:nvGrpSpPr>
@@ -1117,7 +1217,7 @@
       </p:grpSpPr>
       <p:sp>
         <p:nvSpPr>
-          <p:cNvPr id="189" name="Google Shape;189;g7a3baecf54_0_5:notes"/>
+          <p:cNvPr id="195" name="Google Shape;195;g7a3baecf54_0_5:notes"/>
           <p:cNvSpPr/>
           <p:nvPr>
             <p:ph idx="2" type="sldImg"/>
@@ -1152,7 +1252,7 @@
       </p:sp>
       <p:sp>
         <p:nvSpPr>
-          <p:cNvPr id="190" name="Google Shape;190;g7a3baecf54_0_5:notes"/>
+          <p:cNvPr id="196" name="Google Shape;196;g7a3baecf54_0_5:notes"/>
           <p:cNvSpPr txBox="1"/>
           <p:nvPr>
             <p:ph idx="1" type="body"/>
@@ -1197,12 +1297,12 @@
 </p:notes>
 </file>
 
-<file path=ppt/notesSlides/notesSlide14.xml><?xml version="1.0" encoding="utf-8"?>
+<file path=ppt/notesSlides/notesSlide15.xml><?xml version="1.0" encoding="utf-8"?>
 <p:notes xmlns:a="http://schemas.openxmlformats.org/drawingml/2006/main" xmlns:r="http://schemas.openxmlformats.org/officeDocument/2006/relationships" xmlns:mc="http://schemas.openxmlformats.org/markup-compatibility/2006" xmlns:mv="urn:schemas-microsoft-com:mac:vml" xmlns:p="http://schemas.openxmlformats.org/presentationml/2006/main" xmlns:c="http://schemas.openxmlformats.org/drawingml/2006/chart" xmlns:dgm="http://schemas.openxmlformats.org/drawingml/2006/diagram" xmlns:o="urn:schemas-microsoft-com:office:office" xmlns:v="urn:schemas-microsoft-com:vml" xmlns:pvml="urn:schemas-microsoft-com:office:powerpoint" xmlns:com="http://schemas.openxmlformats.org/drawingml/2006/compatibility" xmlns:p14="http://schemas.microsoft.com/office/powerpoint/2010/main" xmlns:p15="http://schemas.microsoft.com/office/powerpoint/2012/main" xmlns:ahyp="http://schemas.microsoft.com/office/drawing/2018/hyperlinkcolor" showMasterPhAnim="0" showMasterSp="0">
   <p:cSld>
     <p:spTree>
       <p:nvGrpSpPr>
-        <p:cNvPr id="194" name="Shape 194"/>
+        <p:cNvPr id="200" name="Shape 200"/>
         <p:cNvGrpSpPr/>
         <p:nvPr/>
       </p:nvGrpSpPr>
@@ -1216,7 +1316,7 @@
       </p:grpSpPr>
       <p:sp>
         <p:nvSpPr>
-          <p:cNvPr id="195" name="Google Shape;195;g7a3baecf54_0_0:notes"/>
+          <p:cNvPr id="201" name="Google Shape;201;g7a3baecf54_0_0:notes"/>
           <p:cNvSpPr/>
           <p:nvPr>
             <p:ph idx="2" type="sldImg"/>
@@ -1251,7 +1351,7 @@
       </p:sp>
       <p:sp>
         <p:nvSpPr>
-          <p:cNvPr id="196" name="Google Shape;196;g7a3baecf54_0_0:notes"/>
+          <p:cNvPr id="202" name="Google Shape;202;g7a3baecf54_0_0:notes"/>
           <p:cNvSpPr txBox="1"/>
           <p:nvPr>
             <p:ph idx="1" type="body"/>
@@ -1301,7 +1401,7 @@
   <p:cSld>
     <p:spTree>
       <p:nvGrpSpPr>
-        <p:cNvPr id="115" name="Shape 115"/>
+        <p:cNvPr id="112" name="Shape 112"/>
         <p:cNvGrpSpPr/>
         <p:nvPr/>
       </p:nvGrpSpPr>
@@ -1315,7 +1415,7 @@
       </p:grpSpPr>
       <p:sp>
         <p:nvSpPr>
-          <p:cNvPr id="116" name="Google Shape;116;p2:notes"/>
+          <p:cNvPr id="113" name="Google Shape;113;p1:notes"/>
           <p:cNvSpPr txBox="1"/>
           <p:nvPr>
             <p:ph idx="1" type="body"/>
@@ -1354,7 +1454,7 @@
       </p:sp>
       <p:sp>
         <p:nvSpPr>
-          <p:cNvPr id="117" name="Google Shape;117;p2:notes"/>
+          <p:cNvPr id="114" name="Google Shape;114;p1:notes"/>
           <p:cNvSpPr/>
           <p:nvPr>
             <p:ph idx="2" type="sldImg"/>
@@ -1400,7 +1500,7 @@
   <p:cSld>
     <p:spTree>
       <p:nvGrpSpPr>
-        <p:cNvPr id="123" name="Shape 123"/>
+        <p:cNvPr id="121" name="Shape 121"/>
         <p:cNvGrpSpPr/>
         <p:nvPr/>
       </p:nvGrpSpPr>
@@ -1414,42 +1514,7 @@
       </p:grpSpPr>
       <p:sp>
         <p:nvSpPr>
-          <p:cNvPr id="124" name="Google Shape;124;g7a3baecf54_0_10:notes"/>
-          <p:cNvSpPr/>
-          <p:nvPr>
-            <p:ph idx="2" type="sldImg"/>
-          </p:nvPr>
-        </p:nvSpPr>
-        <p:spPr>
-          <a:xfrm>
-            <a:off x="1143225" y="685800"/>
-            <a:ext cx="4572300" cy="3429000"/>
-          </a:xfrm>
-          <a:custGeom>
-            <a:rect b="b" l="l" r="r" t="t"/>
-            <a:pathLst>
-              <a:path extrusionOk="0" h="120000" w="120000">
-                <a:moveTo>
-                  <a:pt x="0" y="0"/>
-                </a:moveTo>
-                <a:lnTo>
-                  <a:pt x="120000" y="0"/>
-                </a:lnTo>
-                <a:lnTo>
-                  <a:pt x="120000" y="120000"/>
-                </a:lnTo>
-                <a:lnTo>
-                  <a:pt x="0" y="120000"/>
-                </a:lnTo>
-                <a:close/>
-              </a:path>
-            </a:pathLst>
-          </a:custGeom>
-        </p:spPr>
-      </p:sp>
-      <p:sp>
-        <p:nvSpPr>
-          <p:cNvPr id="125" name="Google Shape;125;g7a3baecf54_0_10:notes"/>
+          <p:cNvPr id="122" name="Google Shape;122;p2:notes"/>
           <p:cNvSpPr txBox="1"/>
           <p:nvPr>
             <p:ph idx="1" type="body"/>
@@ -1486,73 +1551,9 @@
           </a:p>
         </p:txBody>
       </p:sp>
-    </p:spTree>
-  </p:cSld>
-  <p:clrMapOvr>
-    <a:masterClrMapping/>
-  </p:clrMapOvr>
-</p:notes>
-</file>
-
-<file path=ppt/notesSlides/notesSlide4.xml><?xml version="1.0" encoding="utf-8"?>
-<p:notes xmlns:a="http://schemas.openxmlformats.org/drawingml/2006/main" xmlns:r="http://schemas.openxmlformats.org/officeDocument/2006/relationships" xmlns:mc="http://schemas.openxmlformats.org/markup-compatibility/2006" xmlns:mv="urn:schemas-microsoft-com:mac:vml" xmlns:p="http://schemas.openxmlformats.org/presentationml/2006/main" xmlns:c="http://schemas.openxmlformats.org/drawingml/2006/chart" xmlns:dgm="http://schemas.openxmlformats.org/drawingml/2006/diagram" xmlns:o="urn:schemas-microsoft-com:office:office" xmlns:v="urn:schemas-microsoft-com:vml" xmlns:pvml="urn:schemas-microsoft-com:office:powerpoint" xmlns:com="http://schemas.openxmlformats.org/drawingml/2006/compatibility" xmlns:p14="http://schemas.microsoft.com/office/powerpoint/2010/main" xmlns:p15="http://schemas.microsoft.com/office/powerpoint/2012/main" xmlns:ahyp="http://schemas.microsoft.com/office/drawing/2018/hyperlinkcolor" showMasterPhAnim="0" showMasterSp="0">
-  <p:cSld>
-    <p:spTree>
-      <p:nvGrpSpPr>
-        <p:cNvPr id="129" name="Shape 129"/>
-        <p:cNvGrpSpPr/>
-        <p:nvPr/>
-      </p:nvGrpSpPr>
-      <p:grpSpPr>
-        <a:xfrm>
-          <a:off x="0" y="0"/>
-          <a:ext cx="0" cy="0"/>
-          <a:chOff x="0" y="0"/>
-          <a:chExt cx="0" cy="0"/>
-        </a:xfrm>
-      </p:grpSpPr>
       <p:sp>
         <p:nvSpPr>
-          <p:cNvPr id="130" name="Google Shape;130;p3:notes"/>
-          <p:cNvSpPr txBox="1"/>
-          <p:nvPr>
-            <p:ph idx="1" type="body"/>
-          </p:nvPr>
-        </p:nvSpPr>
-        <p:spPr>
-          <a:xfrm>
-            <a:off x="685800" y="4343400"/>
-            <a:ext cx="5486400" cy="4114800"/>
-          </a:xfrm>
-          <a:prstGeom prst="rect">
-            <a:avLst/>
-          </a:prstGeom>
-        </p:spPr>
-        <p:txBody>
-          <a:bodyPr anchorCtr="0" anchor="t" bIns="91425" lIns="91425" spcFirstLastPara="1" rIns="91425" wrap="square" tIns="91425">
-            <a:noAutofit/>
-          </a:bodyPr>
-          <a:lstStyle/>
-          <a:p>
-            <a:pPr indent="0" lvl="0" marL="0" rtl="0" algn="l">
-              <a:spcBef>
-                <a:spcPts val="0"/>
-              </a:spcBef>
-              <a:spcAft>
-                <a:spcPts val="0"/>
-              </a:spcAft>
-              <a:buNone/>
-            </a:pPr>
-            <a:r>
-              <a:t/>
-            </a:r>
-            <a:endParaRPr/>
-          </a:p>
-        </p:txBody>
-      </p:sp>
-      <p:sp>
-        <p:nvSpPr>
-          <p:cNvPr id="131" name="Google Shape;131;p3:notes"/>
+          <p:cNvPr id="123" name="Google Shape;123;p2:notes"/>
           <p:cNvSpPr/>
           <p:nvPr>
             <p:ph idx="2" type="sldImg"/>
@@ -1593,12 +1594,12 @@
 </p:notes>
 </file>
 
-<file path=ppt/notesSlides/notesSlide5.xml><?xml version="1.0" encoding="utf-8"?>
+<file path=ppt/notesSlides/notesSlide4.xml><?xml version="1.0" encoding="utf-8"?>
 <p:notes xmlns:a="http://schemas.openxmlformats.org/drawingml/2006/main" xmlns:r="http://schemas.openxmlformats.org/officeDocument/2006/relationships" xmlns:mc="http://schemas.openxmlformats.org/markup-compatibility/2006" xmlns:mv="urn:schemas-microsoft-com:mac:vml" xmlns:p="http://schemas.openxmlformats.org/presentationml/2006/main" xmlns:c="http://schemas.openxmlformats.org/drawingml/2006/chart" xmlns:dgm="http://schemas.openxmlformats.org/drawingml/2006/diagram" xmlns:o="urn:schemas-microsoft-com:office:office" xmlns:v="urn:schemas-microsoft-com:vml" xmlns:pvml="urn:schemas-microsoft-com:office:powerpoint" xmlns:com="http://schemas.openxmlformats.org/drawingml/2006/compatibility" xmlns:p14="http://schemas.microsoft.com/office/powerpoint/2010/main" xmlns:p15="http://schemas.microsoft.com/office/powerpoint/2012/main" xmlns:ahyp="http://schemas.microsoft.com/office/drawing/2018/hyperlinkcolor" showMasterPhAnim="0" showMasterSp="0">
   <p:cSld>
     <p:spTree>
       <p:nvGrpSpPr>
-        <p:cNvPr id="136" name="Shape 136"/>
+        <p:cNvPr id="129" name="Shape 129"/>
         <p:cNvGrpSpPr/>
         <p:nvPr/>
       </p:nvGrpSpPr>
@@ -1612,7 +1613,42 @@
       </p:grpSpPr>
       <p:sp>
         <p:nvSpPr>
-          <p:cNvPr id="137" name="Google Shape;137;p4:notes"/>
+          <p:cNvPr id="130" name="Google Shape;130;g7a3baecf54_0_10:notes"/>
+          <p:cNvSpPr/>
+          <p:nvPr>
+            <p:ph idx="2" type="sldImg"/>
+          </p:nvPr>
+        </p:nvSpPr>
+        <p:spPr>
+          <a:xfrm>
+            <a:off x="1143225" y="685800"/>
+            <a:ext cx="4572300" cy="3429000"/>
+          </a:xfrm>
+          <a:custGeom>
+            <a:rect b="b" l="l" r="r" t="t"/>
+            <a:pathLst>
+              <a:path extrusionOk="0" h="120000" w="120000">
+                <a:moveTo>
+                  <a:pt x="0" y="0"/>
+                </a:moveTo>
+                <a:lnTo>
+                  <a:pt x="120000" y="0"/>
+                </a:lnTo>
+                <a:lnTo>
+                  <a:pt x="120000" y="120000"/>
+                </a:lnTo>
+                <a:lnTo>
+                  <a:pt x="0" y="120000"/>
+                </a:lnTo>
+                <a:close/>
+              </a:path>
+            </a:pathLst>
+          </a:custGeom>
+        </p:spPr>
+      </p:sp>
+      <p:sp>
+        <p:nvSpPr>
+          <p:cNvPr id="131" name="Google Shape;131;g7a3baecf54_0_10:notes"/>
           <p:cNvSpPr txBox="1"/>
           <p:nvPr>
             <p:ph idx="1" type="body"/>
@@ -1649,9 +1685,73 @@
           </a:p>
         </p:txBody>
       </p:sp>
+    </p:spTree>
+  </p:cSld>
+  <p:clrMapOvr>
+    <a:masterClrMapping/>
+  </p:clrMapOvr>
+</p:notes>
+</file>
+
+<file path=ppt/notesSlides/notesSlide5.xml><?xml version="1.0" encoding="utf-8"?>
+<p:notes xmlns:a="http://schemas.openxmlformats.org/drawingml/2006/main" xmlns:r="http://schemas.openxmlformats.org/officeDocument/2006/relationships" xmlns:mc="http://schemas.openxmlformats.org/markup-compatibility/2006" xmlns:mv="urn:schemas-microsoft-com:mac:vml" xmlns:p="http://schemas.openxmlformats.org/presentationml/2006/main" xmlns:c="http://schemas.openxmlformats.org/drawingml/2006/chart" xmlns:dgm="http://schemas.openxmlformats.org/drawingml/2006/diagram" xmlns:o="urn:schemas-microsoft-com:office:office" xmlns:v="urn:schemas-microsoft-com:vml" xmlns:pvml="urn:schemas-microsoft-com:office:powerpoint" xmlns:com="http://schemas.openxmlformats.org/drawingml/2006/compatibility" xmlns:p14="http://schemas.microsoft.com/office/powerpoint/2010/main" xmlns:p15="http://schemas.microsoft.com/office/powerpoint/2012/main" xmlns:ahyp="http://schemas.microsoft.com/office/drawing/2018/hyperlinkcolor" showMasterPhAnim="0" showMasterSp="0">
+  <p:cSld>
+    <p:spTree>
+      <p:nvGrpSpPr>
+        <p:cNvPr id="135" name="Shape 135"/>
+        <p:cNvGrpSpPr/>
+        <p:nvPr/>
+      </p:nvGrpSpPr>
+      <p:grpSpPr>
+        <a:xfrm>
+          <a:off x="0" y="0"/>
+          <a:ext cx="0" cy="0"/>
+          <a:chOff x="0" y="0"/>
+          <a:chExt cx="0" cy="0"/>
+        </a:xfrm>
+      </p:grpSpPr>
       <p:sp>
         <p:nvSpPr>
-          <p:cNvPr id="138" name="Google Shape;138;p4:notes"/>
+          <p:cNvPr id="136" name="Google Shape;136;p3:notes"/>
+          <p:cNvSpPr txBox="1"/>
+          <p:nvPr>
+            <p:ph idx="1" type="body"/>
+          </p:nvPr>
+        </p:nvSpPr>
+        <p:spPr>
+          <a:xfrm>
+            <a:off x="685800" y="4343400"/>
+            <a:ext cx="5486400" cy="4114800"/>
+          </a:xfrm>
+          <a:prstGeom prst="rect">
+            <a:avLst/>
+          </a:prstGeom>
+        </p:spPr>
+        <p:txBody>
+          <a:bodyPr anchorCtr="0" anchor="t" bIns="91425" lIns="91425" spcFirstLastPara="1" rIns="91425" wrap="square" tIns="91425">
+            <a:noAutofit/>
+          </a:bodyPr>
+          <a:lstStyle/>
+          <a:p>
+            <a:pPr indent="0" lvl="0" marL="0" rtl="0" algn="l">
+              <a:spcBef>
+                <a:spcPts val="0"/>
+              </a:spcBef>
+              <a:spcAft>
+                <a:spcPts val="0"/>
+              </a:spcAft>
+              <a:buNone/>
+            </a:pPr>
+            <a:r>
+              <a:t/>
+            </a:r>
+            <a:endParaRPr/>
+          </a:p>
+        </p:txBody>
+      </p:sp>
+      <p:sp>
+        <p:nvSpPr>
+          <p:cNvPr id="137" name="Google Shape;137;p3:notes"/>
           <p:cNvSpPr/>
           <p:nvPr>
             <p:ph idx="2" type="sldImg"/>
@@ -1711,7 +1811,7 @@
       </p:grpSpPr>
       <p:sp>
         <p:nvSpPr>
-          <p:cNvPr id="143" name="Google Shape;143;p5:notes"/>
+          <p:cNvPr id="143" name="Google Shape;143;p4:notes"/>
           <p:cNvSpPr txBox="1"/>
           <p:nvPr>
             <p:ph idx="1" type="body"/>
@@ -1750,7 +1850,7 @@
       </p:sp>
       <p:sp>
         <p:nvSpPr>
-          <p:cNvPr id="144" name="Google Shape;144;p5:notes"/>
+          <p:cNvPr id="144" name="Google Shape;144;p4:notes"/>
           <p:cNvSpPr/>
           <p:nvPr>
             <p:ph idx="2" type="sldImg"/>
@@ -1810,7 +1910,7 @@
       </p:grpSpPr>
       <p:sp>
         <p:nvSpPr>
-          <p:cNvPr id="149" name="Google Shape;149;p6:notes"/>
+          <p:cNvPr id="149" name="Google Shape;149;p5:notes"/>
           <p:cNvSpPr txBox="1"/>
           <p:nvPr>
             <p:ph idx="1" type="body"/>
@@ -1849,7 +1949,7 @@
       </p:sp>
       <p:sp>
         <p:nvSpPr>
-          <p:cNvPr id="150" name="Google Shape;150;p6:notes"/>
+          <p:cNvPr id="150" name="Google Shape;150;p5:notes"/>
           <p:cNvSpPr/>
           <p:nvPr>
             <p:ph idx="2" type="sldImg"/>
@@ -1909,7 +2009,7 @@
       </p:grpSpPr>
       <p:sp>
         <p:nvSpPr>
-          <p:cNvPr id="155" name="Google Shape;155;p7:notes"/>
+          <p:cNvPr id="155" name="Google Shape;155;p6:notes"/>
           <p:cNvSpPr txBox="1"/>
           <p:nvPr>
             <p:ph idx="1" type="body"/>
@@ -1948,7 +2048,7 @@
       </p:sp>
       <p:sp>
         <p:nvSpPr>
-          <p:cNvPr id="156" name="Google Shape;156;p7:notes"/>
+          <p:cNvPr id="156" name="Google Shape;156;p6:notes"/>
           <p:cNvSpPr/>
           <p:nvPr>
             <p:ph idx="2" type="sldImg"/>
@@ -1994,7 +2094,7 @@
   <p:cSld>
     <p:spTree>
       <p:nvGrpSpPr>
-        <p:cNvPr id="161" name="Shape 161"/>
+        <p:cNvPr id="160" name="Shape 160"/>
         <p:cNvGrpSpPr/>
         <p:nvPr/>
       </p:nvGrpSpPr>
@@ -2008,7 +2108,7 @@
       </p:grpSpPr>
       <p:sp>
         <p:nvSpPr>
-          <p:cNvPr id="162" name="Google Shape;162;p8:notes"/>
+          <p:cNvPr id="161" name="Google Shape;161;p7:notes"/>
           <p:cNvSpPr txBox="1"/>
           <p:nvPr>
             <p:ph idx="1" type="body"/>
@@ -2047,7 +2147,7 @@
       </p:sp>
       <p:sp>
         <p:nvSpPr>
-          <p:cNvPr id="163" name="Google Shape;163;p8:notes"/>
+          <p:cNvPr id="162" name="Google Shape;162;p7:notes"/>
           <p:cNvSpPr/>
           <p:nvPr>
             <p:ph idx="2" type="sldImg"/>
@@ -21500,13 +21600,6 @@
 <file path=ppt/slides/slide1.xml><?xml version="1.0" encoding="utf-8"?>
 <p:sld xmlns:a="http://schemas.openxmlformats.org/drawingml/2006/main" xmlns:r="http://schemas.openxmlformats.org/officeDocument/2006/relationships" xmlns:mc="http://schemas.openxmlformats.org/markup-compatibility/2006" xmlns:mv="urn:schemas-microsoft-com:mac:vml" xmlns:p="http://schemas.openxmlformats.org/presentationml/2006/main" xmlns:c="http://schemas.openxmlformats.org/drawingml/2006/chart" xmlns:dgm="http://schemas.openxmlformats.org/drawingml/2006/diagram" xmlns:o="urn:schemas-microsoft-com:office:office" xmlns:v="urn:schemas-microsoft-com:vml" xmlns:pvml="urn:schemas-microsoft-com:office:powerpoint" xmlns:com="http://schemas.openxmlformats.org/drawingml/2006/compatibility" xmlns:p14="http://schemas.microsoft.com/office/powerpoint/2010/main" xmlns:p15="http://schemas.microsoft.com/office/powerpoint/2012/main" xmlns:ahyp="http://schemas.microsoft.com/office/drawing/2018/hyperlinkcolor">
   <p:cSld>
-    <p:bg>
-      <p:bgPr>
-        <a:solidFill>
-          <a:schemeClr val="dk1"/>
-        </a:solidFill>
-      </p:bgPr>
-    </p:bg>
     <p:spTree>
       <p:nvGrpSpPr>
         <p:cNvPr id="109" name="Shape 109"/>
@@ -21523,1214 +21616,7 @@
       </p:grpSpPr>
       <p:sp>
         <p:nvSpPr>
-          <p:cNvPr id="110" name="Google Shape;110;p1"/>
-          <p:cNvSpPr/>
-          <p:nvPr/>
-        </p:nvSpPr>
-        <p:spPr>
-          <a:xfrm>
-            <a:off x="0" y="0"/>
-            <a:ext cx="12188952" cy="6858000"/>
-          </a:xfrm>
-          <a:prstGeom prst="rect">
-            <a:avLst/>
-          </a:prstGeom>
-          <a:solidFill>
-            <a:schemeClr val="dk1"/>
-          </a:solidFill>
-          <a:ln>
-            <a:noFill/>
-          </a:ln>
-        </p:spPr>
-        <p:txBody>
-          <a:bodyPr anchorCtr="0" anchor="ctr" bIns="45700" lIns="91425" spcFirstLastPara="1" rIns="91425" wrap="square" tIns="45700">
-            <a:noAutofit/>
-          </a:bodyPr>
-          <a:lstStyle/>
-          <a:p>
-            <a:pPr indent="0" lvl="0" marL="0" marR="0" rtl="0" algn="ctr">
-              <a:spcBef>
-                <a:spcPts val="0"/>
-              </a:spcBef>
-              <a:spcAft>
-                <a:spcPts val="0"/>
-              </a:spcAft>
-              <a:buNone/>
-            </a:pPr>
-            <a:r>
-              <a:t/>
-            </a:r>
-            <a:endParaRPr sz="1800">
-              <a:solidFill>
-                <a:schemeClr val="lt1"/>
-              </a:solidFill>
-              <a:latin typeface="Century Gothic"/>
-              <a:ea typeface="Century Gothic"/>
-              <a:cs typeface="Century Gothic"/>
-              <a:sym typeface="Century Gothic"/>
-            </a:endParaRPr>
-          </a:p>
-        </p:txBody>
-      </p:sp>
-      <p:pic>
-        <p:nvPicPr>
-          <p:cNvPr descr="Colorful 3D rendering of triangles" id="111" name="Google Shape;111;p1"/>
-          <p:cNvPicPr preferRelativeResize="0"/>
-          <p:nvPr/>
-        </p:nvPicPr>
-        <p:blipFill rotWithShape="1">
-          <a:blip r:embed="rId3">
-            <a:alphaModFix/>
-          </a:blip>
-          <a:srcRect b="2286" l="0" r="0" t="13443"/>
-          <a:stretch/>
-        </p:blipFill>
-        <p:spPr>
-          <a:xfrm>
-            <a:off x="20" y="0"/>
-            <a:ext cx="12191980" cy="6857990"/>
-          </a:xfrm>
-          <a:prstGeom prst="rect">
-            <a:avLst/>
-          </a:prstGeom>
-          <a:noFill/>
-          <a:ln>
-            <a:noFill/>
-          </a:ln>
-        </p:spPr>
-      </p:pic>
-      <p:sp>
-        <p:nvSpPr>
-          <p:cNvPr id="112" name="Google Shape;112;p1"/>
-          <p:cNvSpPr/>
-          <p:nvPr/>
-        </p:nvSpPr>
-        <p:spPr>
-          <a:xfrm flipH="1">
-            <a:off x="1969639" y="181596"/>
-            <a:ext cx="8252722" cy="6022258"/>
-          </a:xfrm>
-          <a:custGeom>
-            <a:rect b="b" l="l" r="r" t="t"/>
-            <a:pathLst>
-              <a:path extrusionOk="0" h="5025119" w="6886274">
-                <a:moveTo>
-                  <a:pt x="5458905" y="754119"/>
-                </a:moveTo>
-                <a:cubicBezTo>
-                  <a:pt x="5417216" y="775336"/>
-                  <a:pt x="4594585" y="1111088"/>
-                  <a:pt x="3455557" y="1027709"/>
-                </a:cubicBezTo>
-                <a:cubicBezTo>
-                  <a:pt x="3415356" y="1024731"/>
-                  <a:pt x="3377389" y="1022869"/>
-                  <a:pt x="3338677" y="1021381"/>
-                </a:cubicBezTo>
-                <a:cubicBezTo>
-                  <a:pt x="2996224" y="1006119"/>
-                  <a:pt x="2660100" y="998674"/>
-                  <a:pt x="2518280" y="980435"/>
-                </a:cubicBezTo>
-                <a:cubicBezTo>
-                  <a:pt x="2407355" y="965918"/>
-                  <a:pt x="1840075" y="843082"/>
-                  <a:pt x="1673687" y="739229"/>
-                </a:cubicBezTo>
-                <a:cubicBezTo>
-                  <a:pt x="1503578" y="632771"/>
-                  <a:pt x="1343146" y="515146"/>
-                  <a:pt x="1183459" y="397149"/>
-                </a:cubicBezTo>
-                <a:cubicBezTo>
-                  <a:pt x="1114224" y="346153"/>
-                  <a:pt x="1040522" y="299624"/>
-                  <a:pt x="977987" y="241184"/>
-                </a:cubicBezTo>
-                <a:cubicBezTo>
-                  <a:pt x="915453" y="182372"/>
-                  <a:pt x="855896" y="121326"/>
-                  <a:pt x="788150" y="66980"/>
-                </a:cubicBezTo>
-                <a:cubicBezTo>
-                  <a:pt x="768794" y="51346"/>
-                  <a:pt x="749438" y="34596"/>
-                  <a:pt x="721148" y="31990"/>
-                </a:cubicBezTo>
-                <a:cubicBezTo>
-                  <a:pt x="714820" y="31246"/>
-                  <a:pt x="708120" y="31618"/>
-                  <a:pt x="701792" y="32362"/>
-                </a:cubicBezTo>
-                <a:cubicBezTo>
-                  <a:pt x="694720" y="33107"/>
-                  <a:pt x="689136" y="36829"/>
-                  <a:pt x="686530" y="43157"/>
-                </a:cubicBezTo>
-                <a:cubicBezTo>
-                  <a:pt x="683925" y="50230"/>
-                  <a:pt x="688392" y="54324"/>
-                  <a:pt x="693603" y="58046"/>
-                </a:cubicBezTo>
-                <a:cubicBezTo>
-                  <a:pt x="697325" y="60652"/>
-                  <a:pt x="701047" y="64747"/>
-                  <a:pt x="705886" y="65491"/>
-                </a:cubicBezTo>
-                <a:cubicBezTo>
-                  <a:pt x="736782" y="69958"/>
-                  <a:pt x="748321" y="92664"/>
-                  <a:pt x="762838" y="112764"/>
-                </a:cubicBezTo>
-                <a:cubicBezTo>
-                  <a:pt x="769166" y="121326"/>
-                  <a:pt x="775866" y="128026"/>
-                  <a:pt x="764327" y="140309"/>
-                </a:cubicBezTo>
-                <a:cubicBezTo>
-                  <a:pt x="754277" y="151104"/>
-                  <a:pt x="764699" y="156688"/>
-                  <a:pt x="775121" y="159666"/>
-                </a:cubicBezTo>
-                <a:cubicBezTo>
-                  <a:pt x="789638" y="163760"/>
-                  <a:pt x="806761" y="163016"/>
-                  <a:pt x="823139" y="176416"/>
-                </a:cubicBezTo>
-                <a:cubicBezTo>
-                  <a:pt x="761721" y="177533"/>
-                  <a:pt x="735665" y="142171"/>
-                  <a:pt x="707748" y="109414"/>
-                </a:cubicBezTo>
-                <a:cubicBezTo>
-                  <a:pt x="697325" y="97503"/>
-                  <a:pt x="690253" y="83358"/>
-                  <a:pt x="681319" y="69958"/>
-                </a:cubicBezTo>
-                <a:cubicBezTo>
-                  <a:pt x="670152" y="53580"/>
-                  <a:pt x="657124" y="52835"/>
-                  <a:pt x="640746" y="67352"/>
-                </a:cubicBezTo>
-                <a:cubicBezTo>
-                  <a:pt x="626229" y="80380"/>
-                  <a:pt x="619157" y="79264"/>
-                  <a:pt x="614318" y="61396"/>
-                </a:cubicBezTo>
-                <a:cubicBezTo>
-                  <a:pt x="606873" y="33479"/>
-                  <a:pt x="589750" y="13751"/>
-                  <a:pt x="560716" y="3701"/>
-                </a:cubicBezTo>
-                <a:cubicBezTo>
-                  <a:pt x="554388" y="1467"/>
-                  <a:pt x="546572" y="-3372"/>
-                  <a:pt x="540616" y="3701"/>
-                </a:cubicBezTo>
-                <a:cubicBezTo>
-                  <a:pt x="535405" y="9656"/>
-                  <a:pt x="539871" y="16729"/>
-                  <a:pt x="543594" y="21940"/>
-                </a:cubicBezTo>
-                <a:cubicBezTo>
-                  <a:pt x="550294" y="31246"/>
-                  <a:pt x="556250" y="40179"/>
-                  <a:pt x="558855" y="51346"/>
-                </a:cubicBezTo>
-                <a:cubicBezTo>
-                  <a:pt x="560716" y="58791"/>
-                  <a:pt x="562578" y="66980"/>
-                  <a:pt x="557366" y="72563"/>
-                </a:cubicBezTo>
-                <a:cubicBezTo>
-                  <a:pt x="535777" y="96386"/>
-                  <a:pt x="551411" y="107553"/>
-                  <a:pt x="570022" y="120209"/>
-                </a:cubicBezTo>
-                <a:cubicBezTo>
-                  <a:pt x="595706" y="137332"/>
-                  <a:pt x="605756" y="162643"/>
-                  <a:pt x="599801" y="192794"/>
-                </a:cubicBezTo>
-                <a:cubicBezTo>
-                  <a:pt x="597567" y="205078"/>
-                  <a:pt x="599056" y="212522"/>
-                  <a:pt x="614318" y="212150"/>
-                </a:cubicBezTo>
-                <a:cubicBezTo>
-                  <a:pt x="620273" y="212150"/>
-                  <a:pt x="621762" y="216245"/>
-                  <a:pt x="623996" y="220711"/>
-                </a:cubicBezTo>
-                <a:cubicBezTo>
-                  <a:pt x="671641" y="326053"/>
-                  <a:pt x="740504" y="418366"/>
-                  <a:pt x="821278" y="503235"/>
-                </a:cubicBezTo>
-                <a:cubicBezTo>
-                  <a:pt x="886791" y="572098"/>
-                  <a:pt x="959004" y="634260"/>
-                  <a:pt x="1033822" y="694562"/>
-                </a:cubicBezTo>
-                <a:cubicBezTo>
-                  <a:pt x="1036055" y="696423"/>
-                  <a:pt x="1038289" y="698656"/>
-                  <a:pt x="1039406" y="702378"/>
-                </a:cubicBezTo>
-                <a:cubicBezTo>
-                  <a:pt x="1004044" y="694934"/>
-                  <a:pt x="973521" y="679672"/>
-                  <a:pt x="944114" y="662550"/>
-                </a:cubicBezTo>
-                <a:cubicBezTo>
-                  <a:pt x="865946" y="617138"/>
-                  <a:pt x="800061" y="558325"/>
-                  <a:pt x="733432" y="500629"/>
-                </a:cubicBezTo>
-                <a:cubicBezTo>
-                  <a:pt x="692858" y="465267"/>
-                  <a:pt x="651169" y="431022"/>
-                  <a:pt x="606501" y="399755"/>
-                </a:cubicBezTo>
-                <a:cubicBezTo>
-                  <a:pt x="599056" y="394543"/>
-                  <a:pt x="593845" y="387843"/>
-                  <a:pt x="588634" y="381143"/>
-                </a:cubicBezTo>
-                <a:cubicBezTo>
-                  <a:pt x="585656" y="377421"/>
-                  <a:pt x="581934" y="374071"/>
-                  <a:pt x="575978" y="375560"/>
-                </a:cubicBezTo>
-                <a:cubicBezTo>
-                  <a:pt x="568533" y="377421"/>
-                  <a:pt x="567789" y="383004"/>
-                  <a:pt x="567044" y="388588"/>
-                </a:cubicBezTo>
-                <a:cubicBezTo>
-                  <a:pt x="564811" y="406455"/>
-                  <a:pt x="569650" y="422461"/>
-                  <a:pt x="578956" y="437722"/>
-                </a:cubicBezTo>
-                <a:cubicBezTo>
-                  <a:pt x="603151" y="476806"/>
-                  <a:pt x="638885" y="506957"/>
-                  <a:pt x="675736" y="535619"/>
-                </a:cubicBezTo>
-                <a:cubicBezTo>
-                  <a:pt x="723381" y="572470"/>
-                  <a:pt x="769538" y="610810"/>
-                  <a:pt x="811600" y="652872"/>
-                </a:cubicBezTo>
-                <a:cubicBezTo>
-                  <a:pt x="814578" y="655850"/>
-                  <a:pt x="820161" y="657711"/>
-                  <a:pt x="818300" y="666272"/>
-                </a:cubicBezTo>
-                <a:cubicBezTo>
-                  <a:pt x="791872" y="646544"/>
-                  <a:pt x="766932" y="627188"/>
-                  <a:pt x="741621" y="608576"/>
-                </a:cubicBezTo>
-                <a:cubicBezTo>
-                  <a:pt x="716681" y="589965"/>
-                  <a:pt x="691369" y="571353"/>
-                  <a:pt x="666430" y="553114"/>
-                </a:cubicBezTo>
-                <a:cubicBezTo>
-                  <a:pt x="660474" y="548647"/>
-                  <a:pt x="654146" y="542319"/>
-                  <a:pt x="645585" y="547903"/>
-                </a:cubicBezTo>
-                <a:cubicBezTo>
-                  <a:pt x="636652" y="553486"/>
-                  <a:pt x="637768" y="562792"/>
-                  <a:pt x="640002" y="570236"/>
-                </a:cubicBezTo>
-                <a:cubicBezTo>
-                  <a:pt x="647074" y="592198"/>
-                  <a:pt x="659358" y="611554"/>
-                  <a:pt x="675736" y="628677"/>
-                </a:cubicBezTo>
-                <a:cubicBezTo>
-                  <a:pt x="731570" y="685256"/>
-                  <a:pt x="795966" y="734018"/>
-                  <a:pt x="855896" y="786875"/>
-                </a:cubicBezTo>
-                <a:cubicBezTo>
-                  <a:pt x="888280" y="815537"/>
-                  <a:pt x="918058" y="846060"/>
-                  <a:pt x="946348" y="877699"/>
-                </a:cubicBezTo>
-                <a:cubicBezTo>
-                  <a:pt x="952676" y="884772"/>
-                  <a:pt x="952303" y="891472"/>
-                  <a:pt x="950442" y="899661"/>
-                </a:cubicBezTo>
-                <a:cubicBezTo>
-                  <a:pt x="942998" y="932790"/>
-                  <a:pt x="954537" y="943957"/>
-                  <a:pt x="991760" y="937629"/>
-                </a:cubicBezTo>
-                <a:cubicBezTo>
-                  <a:pt x="1003299" y="935767"/>
-                  <a:pt x="1011116" y="937629"/>
-                  <a:pt x="1018188" y="945445"/>
-                </a:cubicBezTo>
-                <a:cubicBezTo>
-                  <a:pt x="1103802" y="1042225"/>
-                  <a:pt x="1205048" y="1123744"/>
-                  <a:pt x="1315601" y="1196329"/>
-                </a:cubicBezTo>
-                <a:cubicBezTo>
-                  <a:pt x="1360641" y="1225735"/>
-                  <a:pt x="1407170" y="1253653"/>
-                  <a:pt x="1454443" y="1279709"/>
-                </a:cubicBezTo>
-                <a:cubicBezTo>
-                  <a:pt x="1454443" y="1281570"/>
-                  <a:pt x="1454443" y="1283804"/>
-                  <a:pt x="1454443" y="1285665"/>
-                </a:cubicBezTo>
-                <a:cubicBezTo>
-                  <a:pt x="1454071" y="1288270"/>
-                  <a:pt x="1453699" y="1289759"/>
-                  <a:pt x="1453327" y="1291993"/>
-                </a:cubicBezTo>
-                <a:cubicBezTo>
-                  <a:pt x="1386697" y="1251792"/>
-                  <a:pt x="1320812" y="1210474"/>
-                  <a:pt x="1256416" y="1166923"/>
-                </a:cubicBezTo>
-                <a:cubicBezTo>
-                  <a:pt x="1081840" y="1048926"/>
-                  <a:pt x="915080" y="922367"/>
-                  <a:pt x="745715" y="798786"/>
-                </a:cubicBezTo>
-                <a:cubicBezTo>
-                  <a:pt x="688764" y="757096"/>
-                  <a:pt x="643724" y="703867"/>
-                  <a:pt x="592356" y="656966"/>
-                </a:cubicBezTo>
-                <a:cubicBezTo>
-                  <a:pt x="558111" y="625699"/>
-                  <a:pt x="525354" y="592943"/>
-                  <a:pt x="485526" y="567259"/>
-                </a:cubicBezTo>
-                <a:cubicBezTo>
-                  <a:pt x="469148" y="556836"/>
-                  <a:pt x="452025" y="547530"/>
-                  <a:pt x="430063" y="550136"/>
-                </a:cubicBezTo>
-                <a:cubicBezTo>
-                  <a:pt x="421502" y="551253"/>
-                  <a:pt x="411824" y="553486"/>
-                  <a:pt x="408846" y="563164"/>
-                </a:cubicBezTo>
-                <a:cubicBezTo>
-                  <a:pt x="406240" y="572842"/>
-                  <a:pt x="414057" y="577309"/>
-                  <a:pt x="421130" y="581403"/>
-                </a:cubicBezTo>
-                <a:cubicBezTo>
-                  <a:pt x="422991" y="582520"/>
-                  <a:pt x="424852" y="584009"/>
-                  <a:pt x="426713" y="584009"/>
-                </a:cubicBezTo>
-                <a:cubicBezTo>
-                  <a:pt x="462075" y="586242"/>
-                  <a:pt x="470264" y="614532"/>
-                  <a:pt x="487015" y="635005"/>
-                </a:cubicBezTo>
-                <a:cubicBezTo>
-                  <a:pt x="492226" y="641333"/>
-                  <a:pt x="492598" y="647661"/>
-                  <a:pt x="487015" y="655105"/>
-                </a:cubicBezTo>
-                <a:cubicBezTo>
-                  <a:pt x="476964" y="668505"/>
-                  <a:pt x="484037" y="674461"/>
-                  <a:pt x="497437" y="678183"/>
-                </a:cubicBezTo>
-                <a:cubicBezTo>
-                  <a:pt x="510837" y="681906"/>
-                  <a:pt x="525354" y="683022"/>
-                  <a:pt x="539871" y="691584"/>
-                </a:cubicBezTo>
-                <a:cubicBezTo>
-                  <a:pt x="516793" y="698656"/>
-                  <a:pt x="500787" y="691212"/>
-                  <a:pt x="485898" y="681906"/>
-                </a:cubicBezTo>
-                <a:cubicBezTo>
-                  <a:pt x="452397" y="661433"/>
-                  <a:pt x="430808" y="631282"/>
-                  <a:pt x="410335" y="600387"/>
-                </a:cubicBezTo>
-                <a:cubicBezTo>
-                  <a:pt x="406240" y="594431"/>
-                  <a:pt x="402890" y="587731"/>
-                  <a:pt x="397307" y="582892"/>
-                </a:cubicBezTo>
-                <a:cubicBezTo>
-                  <a:pt x="386884" y="573214"/>
-                  <a:pt x="375717" y="572098"/>
-                  <a:pt x="363062" y="584009"/>
-                </a:cubicBezTo>
-                <a:cubicBezTo>
-                  <a:pt x="346311" y="599643"/>
-                  <a:pt x="340356" y="598526"/>
-                  <a:pt x="334772" y="578426"/>
-                </a:cubicBezTo>
-                <a:cubicBezTo>
-                  <a:pt x="327327" y="551253"/>
-                  <a:pt x="310577" y="532269"/>
-                  <a:pt x="281915" y="522219"/>
-                </a:cubicBezTo>
-                <a:cubicBezTo>
-                  <a:pt x="275960" y="519985"/>
-                  <a:pt x="269632" y="517007"/>
-                  <a:pt x="263304" y="521846"/>
-                </a:cubicBezTo>
-                <a:cubicBezTo>
-                  <a:pt x="256604" y="527430"/>
-                  <a:pt x="261070" y="533013"/>
-                  <a:pt x="263676" y="538225"/>
-                </a:cubicBezTo>
-                <a:cubicBezTo>
-                  <a:pt x="267398" y="546414"/>
-                  <a:pt x="271865" y="554603"/>
-                  <a:pt x="275215" y="563164"/>
-                </a:cubicBezTo>
-                <a:cubicBezTo>
-                  <a:pt x="281171" y="576937"/>
-                  <a:pt x="282288" y="591454"/>
-                  <a:pt x="271121" y="604854"/>
-                </a:cubicBezTo>
-                <a:cubicBezTo>
-                  <a:pt x="262931" y="614532"/>
-                  <a:pt x="263676" y="620860"/>
-                  <a:pt x="274471" y="627560"/>
-                </a:cubicBezTo>
-                <a:cubicBezTo>
-                  <a:pt x="309088" y="648405"/>
-                  <a:pt x="331050" y="675578"/>
-                  <a:pt x="319138" y="718012"/>
-                </a:cubicBezTo>
-                <a:cubicBezTo>
-                  <a:pt x="317277" y="723968"/>
-                  <a:pt x="319511" y="729924"/>
-                  <a:pt x="326583" y="729551"/>
-                </a:cubicBezTo>
-                <a:cubicBezTo>
-                  <a:pt x="342217" y="728435"/>
-                  <a:pt x="344822" y="738113"/>
-                  <a:pt x="349289" y="748163"/>
-                </a:cubicBezTo>
-                <a:cubicBezTo>
-                  <a:pt x="392840" y="844571"/>
-                  <a:pt x="455747" y="928695"/>
-                  <a:pt x="528332" y="1007608"/>
-                </a:cubicBezTo>
-                <a:cubicBezTo>
-                  <a:pt x="600173" y="1085777"/>
-                  <a:pt x="680947" y="1155756"/>
-                  <a:pt x="766932" y="1222758"/>
-                </a:cubicBezTo>
-                <a:cubicBezTo>
-                  <a:pt x="742737" y="1220524"/>
-                  <a:pt x="711470" y="1206752"/>
-                  <a:pt x="681319" y="1190746"/>
-                </a:cubicBezTo>
-                <a:cubicBezTo>
-                  <a:pt x="601662" y="1147939"/>
-                  <a:pt x="536149" y="1089871"/>
-                  <a:pt x="469520" y="1032920"/>
-                </a:cubicBezTo>
-                <a:cubicBezTo>
-                  <a:pt x="422991" y="993091"/>
-                  <a:pt x="377579" y="952146"/>
-                  <a:pt x="325466" y="917900"/>
-                </a:cubicBezTo>
-                <a:cubicBezTo>
-                  <a:pt x="319511" y="914178"/>
-                  <a:pt x="315416" y="909339"/>
-                  <a:pt x="312066" y="903383"/>
-                </a:cubicBezTo>
-                <a:cubicBezTo>
-                  <a:pt x="309088" y="898172"/>
-                  <a:pt x="304621" y="893333"/>
-                  <a:pt x="296805" y="895566"/>
-                </a:cubicBezTo>
-                <a:cubicBezTo>
-                  <a:pt x="288988" y="898172"/>
-                  <a:pt x="288243" y="904872"/>
-                  <a:pt x="288243" y="910828"/>
-                </a:cubicBezTo>
-                <a:cubicBezTo>
-                  <a:pt x="289360" y="933162"/>
-                  <a:pt x="295688" y="953262"/>
-                  <a:pt x="309460" y="971129"/>
-                </a:cubicBezTo>
-                <a:cubicBezTo>
-                  <a:pt x="336261" y="1006864"/>
-                  <a:pt x="371995" y="1034781"/>
-                  <a:pt x="407729" y="1062698"/>
-                </a:cubicBezTo>
-                <a:cubicBezTo>
-                  <a:pt x="457236" y="1101038"/>
-                  <a:pt x="503021" y="1142728"/>
-                  <a:pt x="544338" y="1189257"/>
-                </a:cubicBezTo>
-                <a:cubicBezTo>
-                  <a:pt x="514560" y="1166551"/>
-                  <a:pt x="484781" y="1143472"/>
-                  <a:pt x="454630" y="1120766"/>
-                </a:cubicBezTo>
-                <a:cubicBezTo>
-                  <a:pt x="431924" y="1103644"/>
-                  <a:pt x="408474" y="1087265"/>
-                  <a:pt x="385396" y="1070515"/>
-                </a:cubicBezTo>
-                <a:cubicBezTo>
-                  <a:pt x="379812" y="1066421"/>
-                  <a:pt x="373856" y="1061954"/>
-                  <a:pt x="366040" y="1067537"/>
-                </a:cubicBezTo>
-                <a:cubicBezTo>
-                  <a:pt x="358967" y="1072376"/>
-                  <a:pt x="360084" y="1079449"/>
-                  <a:pt x="361573" y="1086149"/>
-                </a:cubicBezTo>
-                <a:cubicBezTo>
-                  <a:pt x="367156" y="1112577"/>
-                  <a:pt x="382790" y="1133794"/>
-                  <a:pt x="402146" y="1152778"/>
-                </a:cubicBezTo>
-                <a:cubicBezTo>
-                  <a:pt x="425596" y="1175484"/>
-                  <a:pt x="450164" y="1197074"/>
-                  <a:pt x="475475" y="1218663"/>
-                </a:cubicBezTo>
-                <a:cubicBezTo>
-                  <a:pt x="448303" y="1212707"/>
-                  <a:pt x="421130" y="1206752"/>
-                  <a:pt x="393957" y="1201913"/>
-                </a:cubicBezTo>
-                <a:cubicBezTo>
-                  <a:pt x="406240" y="1245091"/>
-                  <a:pt x="434902" y="1253653"/>
-                  <a:pt x="460586" y="1260353"/>
-                </a:cubicBezTo>
-                <a:cubicBezTo>
-                  <a:pt x="495204" y="1268914"/>
-                  <a:pt x="528332" y="1279709"/>
-                  <a:pt x="561089" y="1291993"/>
-                </a:cubicBezTo>
-                <a:cubicBezTo>
-                  <a:pt x="574861" y="1304276"/>
-                  <a:pt x="588634" y="1316188"/>
-                  <a:pt x="602034" y="1328843"/>
-                </a:cubicBezTo>
-                <a:cubicBezTo>
-                  <a:pt x="615807" y="1341872"/>
-                  <a:pt x="628835" y="1354900"/>
-                  <a:pt x="641863" y="1368672"/>
-                </a:cubicBezTo>
-                <a:cubicBezTo>
-                  <a:pt x="651169" y="1378722"/>
-                  <a:pt x="662335" y="1387284"/>
-                  <a:pt x="651541" y="1404406"/>
-                </a:cubicBezTo>
-                <a:cubicBezTo>
-                  <a:pt x="646702" y="1412223"/>
-                  <a:pt x="678341" y="1454658"/>
-                  <a:pt x="688392" y="1457263"/>
-                </a:cubicBezTo>
-                <a:cubicBezTo>
-                  <a:pt x="689881" y="1457635"/>
-                  <a:pt x="691369" y="1458008"/>
-                  <a:pt x="692486" y="1458008"/>
-                </a:cubicBezTo>
-                <a:cubicBezTo>
-                  <a:pt x="714076" y="1456519"/>
-                  <a:pt x="718915" y="1469175"/>
-                  <a:pt x="719287" y="1485181"/>
-                </a:cubicBezTo>
-                <a:cubicBezTo>
-                  <a:pt x="719659" y="1500814"/>
-                  <a:pt x="715937" y="1520170"/>
-                  <a:pt x="745343" y="1512353"/>
-                </a:cubicBezTo>
-                <a:cubicBezTo>
-                  <a:pt x="748693" y="1511609"/>
-                  <a:pt x="749438" y="1513842"/>
-                  <a:pt x="750926" y="1516448"/>
-                </a:cubicBezTo>
-                <a:cubicBezTo>
-                  <a:pt x="782938" y="1583077"/>
-                  <a:pt x="836912" y="1634445"/>
-                  <a:pt x="890141" y="1685813"/>
-                </a:cubicBezTo>
-                <a:cubicBezTo>
-                  <a:pt x="893119" y="1688419"/>
-                  <a:pt x="896097" y="1691024"/>
-                  <a:pt x="899074" y="1693630"/>
-                </a:cubicBezTo>
-                <a:cubicBezTo>
-                  <a:pt x="843240" y="1680602"/>
-                  <a:pt x="658985" y="1663851"/>
-                  <a:pt x="605012" y="1669435"/>
-                </a:cubicBezTo>
-                <a:cubicBezTo>
-                  <a:pt x="556994" y="1674274"/>
-                  <a:pt x="285638" y="1593128"/>
-                  <a:pt x="229431" y="1545110"/>
-                </a:cubicBezTo>
-                <a:cubicBezTo>
-                  <a:pt x="221614" y="1582705"/>
-                  <a:pt x="238364" y="1597594"/>
-                  <a:pt x="251765" y="1614717"/>
-                </a:cubicBezTo>
-                <a:cubicBezTo>
-                  <a:pt x="270748" y="1638912"/>
-                  <a:pt x="273726" y="1656035"/>
-                  <a:pt x="237992" y="1675391"/>
-                </a:cubicBezTo>
-                <a:cubicBezTo>
-                  <a:pt x="135628" y="1730481"/>
-                  <a:pt x="136745" y="1732342"/>
-                  <a:pt x="232781" y="1807160"/>
-                </a:cubicBezTo>
-                <a:cubicBezTo>
-                  <a:pt x="237248" y="1810511"/>
-                  <a:pt x="235014" y="1821305"/>
-                  <a:pt x="236131" y="1828750"/>
-                </a:cubicBezTo>
-                <a:cubicBezTo>
-                  <a:pt x="211191" y="1839917"/>
-                  <a:pt x="181785" y="1810883"/>
-                  <a:pt x="152007" y="1842150"/>
-                </a:cubicBezTo>
-                <a:cubicBezTo>
-                  <a:pt x="280426" y="1979503"/>
-                  <a:pt x="475848" y="2110157"/>
-                  <a:pt x="653030" y="2213265"/>
-                </a:cubicBezTo>
-                <a:cubicBezTo>
-                  <a:pt x="509721" y="2247138"/>
-                  <a:pt x="423735" y="2128024"/>
-                  <a:pt x="318394" y="2143285"/>
-                </a:cubicBezTo>
-                <a:cubicBezTo>
-                  <a:pt x="265909" y="2180508"/>
-                  <a:pt x="422246" y="2240810"/>
-                  <a:pt x="272982" y="2258305"/>
-                </a:cubicBezTo>
-                <a:cubicBezTo>
-                  <a:pt x="337750" y="2291061"/>
-                  <a:pt x="385768" y="2323073"/>
-                  <a:pt x="430435" y="2360668"/>
-                </a:cubicBezTo>
-                <a:cubicBezTo>
-                  <a:pt x="509721" y="2428042"/>
-                  <a:pt x="525354" y="2472710"/>
-                  <a:pt x="488876" y="2563162"/>
-                </a:cubicBezTo>
-                <a:cubicBezTo>
-                  <a:pt x="464681" y="2622719"/>
-                  <a:pt x="429691" y="2677437"/>
-                  <a:pt x="460586" y="2748533"/>
-                </a:cubicBezTo>
-                <a:cubicBezTo>
-                  <a:pt x="481803" y="2797295"/>
-                  <a:pt x="473614" y="2829307"/>
-                  <a:pt x="393212" y="2807345"/>
-                </a:cubicBezTo>
-                <a:cubicBezTo>
-                  <a:pt x="306483" y="2783895"/>
-                  <a:pt x="273726" y="2827818"/>
-                  <a:pt x="295688" y="2913059"/>
-                </a:cubicBezTo>
-                <a:cubicBezTo>
-                  <a:pt x="309833" y="2967777"/>
-                  <a:pt x="294943" y="2984900"/>
-                  <a:pt x="235386" y="2978572"/>
-                </a:cubicBezTo>
-                <a:cubicBezTo>
-                  <a:pt x="169501" y="2971499"/>
-                  <a:pt x="106967" y="2935765"/>
-                  <a:pt x="25448" y="2952888"/>
-                </a:cubicBezTo>
-                <a:cubicBezTo>
-                  <a:pt x="90588" y="3052646"/>
-                  <a:pt x="229803" y="3024356"/>
-                  <a:pt x="305738" y="3119275"/>
-                </a:cubicBezTo>
-                <a:cubicBezTo>
-                  <a:pt x="215286" y="3119647"/>
-                  <a:pt x="146051" y="3119275"/>
-                  <a:pt x="79049" y="3098430"/>
-                </a:cubicBezTo>
-                <a:cubicBezTo>
-                  <a:pt x="51132" y="3089869"/>
-                  <a:pt x="20609" y="3081308"/>
-                  <a:pt x="4975" y="3109969"/>
-                </a:cubicBezTo>
-                <a:cubicBezTo>
-                  <a:pt x="-13636" y="3144587"/>
-                  <a:pt x="24331" y="3157615"/>
-                  <a:pt x="47037" y="3163943"/>
-                </a:cubicBezTo>
-                <a:cubicBezTo>
-                  <a:pt x="111061" y="3181438"/>
-                  <a:pt x="160196" y="3222755"/>
-                  <a:pt x="213425" y="3255139"/>
-                </a:cubicBezTo>
-                <a:cubicBezTo>
-                  <a:pt x="329933" y="3326236"/>
-                  <a:pt x="457981" y="3385420"/>
-                  <a:pt x="556622" y="3502301"/>
-                </a:cubicBezTo>
-                <a:cubicBezTo>
-                  <a:pt x="432669" y="3472523"/>
-                  <a:pt x="339983" y="3402915"/>
-                  <a:pt x="224592" y="3388771"/>
-                </a:cubicBezTo>
-                <a:cubicBezTo>
-                  <a:pt x="324722" y="3495601"/>
-                  <a:pt x="453142" y="3565208"/>
-                  <a:pt x="574861" y="3643004"/>
-                </a:cubicBezTo>
-                <a:cubicBezTo>
-                  <a:pt x="609479" y="3664966"/>
-                  <a:pt x="644841" y="3679855"/>
-                  <a:pt x="652657" y="3727501"/>
-                </a:cubicBezTo>
-                <a:cubicBezTo>
-                  <a:pt x="667919" y="3819814"/>
-                  <a:pt x="712959" y="3896494"/>
-                  <a:pt x="810111" y="3937067"/>
-                </a:cubicBezTo>
-                <a:cubicBezTo>
-                  <a:pt x="810856" y="3937439"/>
-                  <a:pt x="805644" y="3951212"/>
-                  <a:pt x="802294" y="3960890"/>
-                </a:cubicBezTo>
-                <a:cubicBezTo>
-                  <a:pt x="743110" y="3963868"/>
-                  <a:pt x="696581" y="3909149"/>
-                  <a:pt x="620646" y="3927017"/>
-                </a:cubicBezTo>
-                <a:cubicBezTo>
-                  <a:pt x="692858" y="4001091"/>
-                  <a:pt x="753532" y="4067720"/>
-                  <a:pt x="856268" y="4103082"/>
-                </a:cubicBezTo>
-                <a:cubicBezTo>
-                  <a:pt x="938531" y="4131372"/>
-                  <a:pt x="1040150" y="4147377"/>
-                  <a:pt x="1099707" y="4238574"/>
-                </a:cubicBezTo>
-                <a:cubicBezTo>
-                  <a:pt x="1030472" y="4256441"/>
-                  <a:pt x="978732" y="4234107"/>
-                  <a:pt x="926992" y="4218102"/>
-                </a:cubicBezTo>
-                <a:cubicBezTo>
-                  <a:pt x="847334" y="4193534"/>
-                  <a:pt x="769166" y="4165617"/>
-                  <a:pt x="689508" y="4140677"/>
-                </a:cubicBezTo>
-                <a:cubicBezTo>
-                  <a:pt x="659358" y="4131372"/>
-                  <a:pt x="626229" y="4124299"/>
-                  <a:pt x="606873" y="4169711"/>
-                </a:cubicBezTo>
-                <a:cubicBezTo>
-                  <a:pt x="707748" y="4179389"/>
-                  <a:pt x="768421" y="4240435"/>
-                  <a:pt x="831701" y="4297759"/>
-                </a:cubicBezTo>
-                <a:cubicBezTo>
-                  <a:pt x="867435" y="4330143"/>
-                  <a:pt x="896469" y="4373322"/>
-                  <a:pt x="960493" y="4356944"/>
-                </a:cubicBezTo>
-                <a:cubicBezTo>
-                  <a:pt x="994366" y="4348382"/>
-                  <a:pt x="1015955" y="4372578"/>
-                  <a:pt x="1012233" y="4402356"/>
-                </a:cubicBezTo>
-                <a:cubicBezTo>
-                  <a:pt x="999577" y="4507325"/>
-                  <a:pt x="1078118" y="4544176"/>
-                  <a:pt x="1159636" y="4564276"/>
-                </a:cubicBezTo>
-                <a:cubicBezTo>
-                  <a:pt x="1313740" y="4602616"/>
-                  <a:pt x="1442160" y="4692324"/>
-                  <a:pt x="1592169" y="4741458"/>
-                </a:cubicBezTo>
-                <a:cubicBezTo>
-                  <a:pt x="1738083" y="4789104"/>
-                  <a:pt x="2833187" y="5010209"/>
-                  <a:pt x="3110499" y="5032171"/>
-                </a:cubicBezTo>
-                <a:cubicBezTo>
-                  <a:pt x="4807501" y="5166546"/>
-                  <a:pt x="6028047" y="4106432"/>
-                  <a:pt x="6033630" y="4091915"/>
-                </a:cubicBezTo>
-                <a:cubicBezTo>
-                  <a:pt x="6059314" y="4023797"/>
-                  <a:pt x="6122965" y="3994390"/>
-                  <a:pt x="6180661" y="3957912"/>
-                </a:cubicBezTo>
-                <a:cubicBezTo>
-                  <a:pt x="6230913" y="3925900"/>
-                  <a:pt x="6284514" y="3892027"/>
-                  <a:pt x="6305359" y="3837309"/>
-                </a:cubicBezTo>
-                <a:cubicBezTo>
-                  <a:pt x="6332904" y="3764724"/>
-                  <a:pt x="6254735" y="3824281"/>
-                  <a:pt x="6240218" y="3796364"/>
-                </a:cubicBezTo>
-                <a:cubicBezTo>
-                  <a:pt x="6269997" y="3758768"/>
-                  <a:pt x="6316153" y="3724151"/>
-                  <a:pt x="6328437" y="3681344"/>
-                </a:cubicBezTo>
-                <a:cubicBezTo>
-                  <a:pt x="6372361" y="3526496"/>
-                  <a:pt x="6466907" y="3413710"/>
-                  <a:pt x="6608355" y="3326236"/>
-                </a:cubicBezTo>
-                <a:cubicBezTo>
-                  <a:pt x="6648928" y="3300924"/>
-                  <a:pt x="6675729" y="3255512"/>
-                  <a:pt x="6731191" y="3248067"/>
-                </a:cubicBezTo>
-                <a:cubicBezTo>
-                  <a:pt x="6854400" y="3232061"/>
-                  <a:pt x="6815315" y="3106992"/>
-                  <a:pt x="6880456" y="3051529"/>
-                </a:cubicBezTo>
-                <a:cubicBezTo>
-                  <a:pt x="6892739" y="3041107"/>
-                  <a:pt x="6903907" y="2777939"/>
-                  <a:pt x="6901673" y="2763795"/>
-                </a:cubicBezTo>
-                <a:cubicBezTo>
-                  <a:pt x="6898323" y="2743322"/>
-                  <a:pt x="6883806" y="2966288"/>
-                  <a:pt x="6871150" y="2948421"/>
-                </a:cubicBezTo>
-                <a:cubicBezTo>
-                  <a:pt x="6858494" y="2930182"/>
-                  <a:pt x="6839138" y="2914176"/>
-                  <a:pt x="6848444" y="2890353"/>
-                </a:cubicBezTo>
-                <a:cubicBezTo>
-                  <a:pt x="6852166" y="2880303"/>
-                  <a:pt x="6849561" y="2846058"/>
-                  <a:pt x="6878223" y="2873230"/>
-                </a:cubicBezTo>
-                <a:cubicBezTo>
-                  <a:pt x="6956763" y="2946932"/>
-                  <a:pt x="6870778" y="2578051"/>
-                  <a:pt x="6762459" y="2568745"/>
-                </a:cubicBezTo>
-                <a:cubicBezTo>
-                  <a:pt x="6801915" y="2465637"/>
-                  <a:pt x="6801915" y="2465637"/>
-                  <a:pt x="6673123" y="2451493"/>
-                </a:cubicBezTo>
-                <a:cubicBezTo>
-                  <a:pt x="6722630" y="2385980"/>
-                  <a:pt x="6722630" y="2369229"/>
-                  <a:pt x="6662700" y="2346896"/>
-                </a:cubicBezTo>
-                <a:cubicBezTo>
-                  <a:pt x="6605005" y="2325306"/>
-                  <a:pt x="6540981" y="2318234"/>
-                  <a:pt x="6487752" y="2285105"/>
-                </a:cubicBezTo>
-                <a:cubicBezTo>
-                  <a:pt x="6536887" y="2201353"/>
-                  <a:pt x="6550659" y="2104573"/>
-                  <a:pt x="6652278" y="2063628"/>
-                </a:cubicBezTo>
-                <a:cubicBezTo>
-                  <a:pt x="6668284" y="2057300"/>
-                  <a:pt x="6679079" y="2031988"/>
-                  <a:pt x="6668656" y="2017843"/>
-                </a:cubicBezTo>
-                <a:cubicBezTo>
-                  <a:pt x="6631805" y="1965359"/>
-                  <a:pt x="6684662" y="1864856"/>
-                  <a:pt x="6570015" y="1854062"/>
-                </a:cubicBezTo>
-                <a:cubicBezTo>
-                  <a:pt x="6555870" y="1852573"/>
-                  <a:pt x="6542842" y="1842150"/>
-                  <a:pt x="6554009" y="1827633"/>
-                </a:cubicBezTo>
-                <a:cubicBezTo>
-                  <a:pt x="6592349" y="1778126"/>
-                  <a:pt x="6545820" y="1781476"/>
-                  <a:pt x="6517531" y="1775149"/>
-                </a:cubicBezTo>
-                <a:cubicBezTo>
-                  <a:pt x="6483285" y="1767704"/>
-                  <a:pt x="6444573" y="1789293"/>
-                  <a:pt x="6412934" y="1762493"/>
-                </a:cubicBezTo>
-                <a:cubicBezTo>
-                  <a:pt x="6420378" y="1734203"/>
-                  <a:pt x="6447923" y="1734575"/>
-                  <a:pt x="6467279" y="1725642"/>
-                </a:cubicBezTo>
-                <a:cubicBezTo>
-                  <a:pt x="6523858" y="1699213"/>
-                  <a:pt x="6570015" y="1667946"/>
-                  <a:pt x="6572621" y="1600200"/>
-                </a:cubicBezTo>
-                <a:cubicBezTo>
-                  <a:pt x="6574854" y="1545482"/>
-                  <a:pt x="6580810" y="1497092"/>
-                  <a:pt x="6502641" y="1480341"/>
-                </a:cubicBezTo>
-                <a:cubicBezTo>
-                  <a:pt x="6490358" y="1477736"/>
-                  <a:pt x="6484030" y="1470664"/>
-                  <a:pt x="6481796" y="1461358"/>
-                </a:cubicBezTo>
-                <a:cubicBezTo>
-                  <a:pt x="6490730" y="1452424"/>
-                  <a:pt x="6499291" y="1443118"/>
-                  <a:pt x="6509713" y="1436418"/>
-                </a:cubicBezTo>
-                <a:cubicBezTo>
-                  <a:pt x="6544703" y="1414457"/>
-                  <a:pt x="6556615" y="1382072"/>
-                  <a:pt x="6567037" y="1348199"/>
-                </a:cubicBezTo>
-                <a:cubicBezTo>
-                  <a:pt x="6573737" y="1326610"/>
-                  <a:pt x="6581554" y="1305393"/>
-                  <a:pt x="6596816" y="1286781"/>
-                </a:cubicBezTo>
-                <a:cubicBezTo>
-                  <a:pt x="6606122" y="1275242"/>
-                  <a:pt x="6617661" y="1266681"/>
-                  <a:pt x="6632178" y="1261842"/>
-                </a:cubicBezTo>
-                <a:cubicBezTo>
-                  <a:pt x="6644833" y="1257375"/>
-                  <a:pt x="6648556" y="1251419"/>
-                  <a:pt x="6639994" y="1240625"/>
-                </a:cubicBezTo>
-                <a:cubicBezTo>
-                  <a:pt x="6615799" y="1209729"/>
-                  <a:pt x="6606122" y="1175856"/>
-                  <a:pt x="6622127" y="1136400"/>
-                </a:cubicBezTo>
-                <a:cubicBezTo>
-                  <a:pt x="6626967" y="1124489"/>
-                  <a:pt x="6623617" y="1114066"/>
-                  <a:pt x="6612077" y="1109599"/>
-                </a:cubicBezTo>
-                <a:cubicBezTo>
-                  <a:pt x="6564059" y="1090616"/>
-                  <a:pt x="6552148" y="1046692"/>
-                  <a:pt x="6531675" y="1009469"/>
-                </a:cubicBezTo>
-                <a:cubicBezTo>
-                  <a:pt x="6502641" y="956612"/>
-                  <a:pt x="6476213" y="902639"/>
-                  <a:pt x="6456113" y="845315"/>
-                </a:cubicBezTo>
-                <a:cubicBezTo>
-                  <a:pt x="6444201" y="811070"/>
-                  <a:pt x="6432662" y="777197"/>
-                  <a:pt x="6440851" y="739229"/>
-                </a:cubicBezTo>
-                <a:cubicBezTo>
-                  <a:pt x="6442712" y="729924"/>
-                  <a:pt x="6439362" y="722107"/>
-                  <a:pt x="6434523" y="715034"/>
-                </a:cubicBezTo>
-                <a:cubicBezTo>
-                  <a:pt x="6414050" y="684139"/>
-                  <a:pt x="6416656" y="651383"/>
-                  <a:pt x="6432290" y="617510"/>
-                </a:cubicBezTo>
-                <a:cubicBezTo>
-                  <a:pt x="6441968" y="597037"/>
-                  <a:pt x="6440851" y="594431"/>
-                  <a:pt x="6416284" y="595176"/>
-                </a:cubicBezTo>
-                <a:cubicBezTo>
-                  <a:pt x="6366405" y="596293"/>
-                  <a:pt x="6316898" y="598154"/>
-                  <a:pt x="6267763" y="591826"/>
-                </a:cubicBezTo>
-                <a:cubicBezTo>
-                  <a:pt x="6212673" y="584753"/>
-                  <a:pt x="6194806" y="568375"/>
-                  <a:pt x="6236496" y="521102"/>
-                </a:cubicBezTo>
-                <a:cubicBezTo>
-                  <a:pt x="6245430" y="511052"/>
-                  <a:pt x="6253246" y="499885"/>
-                  <a:pt x="6257341" y="487229"/>
-                </a:cubicBezTo>
-                <a:cubicBezTo>
-                  <a:pt x="6260319" y="477179"/>
-                  <a:pt x="6257713" y="470106"/>
-                  <a:pt x="6248780" y="465267"/>
-                </a:cubicBezTo>
-                <a:cubicBezTo>
-                  <a:pt x="6238357" y="459312"/>
-                  <a:pt x="6232774" y="467501"/>
-                  <a:pt x="6226818" y="473456"/>
-                </a:cubicBezTo>
-                <a:cubicBezTo>
-                  <a:pt x="6194434" y="505468"/>
-                  <a:pt x="6153861" y="527430"/>
-                  <a:pt x="6115149" y="551625"/>
-                </a:cubicBezTo>
-                <a:cubicBezTo>
-                  <a:pt x="6059686" y="586615"/>
-                  <a:pt x="6001246" y="617510"/>
-                  <a:pt x="5951739" y="659944"/>
-                </a:cubicBezTo>
-                <a:cubicBezTo>
-                  <a:pt x="5939084" y="670739"/>
-                  <a:pt x="5918611" y="662550"/>
-                  <a:pt x="5917122" y="644310"/>
-                </a:cubicBezTo>
-                <a:cubicBezTo>
-                  <a:pt x="5915633" y="626071"/>
-                  <a:pt x="5905583" y="626071"/>
-                  <a:pt x="5890694" y="630538"/>
-                </a:cubicBezTo>
-                <a:cubicBezTo>
-                  <a:pt x="5872826" y="635749"/>
-                  <a:pt x="5854959" y="640960"/>
-                  <a:pt x="5837464" y="646916"/>
-                </a:cubicBezTo>
-                <a:cubicBezTo>
-                  <a:pt x="5819225" y="653244"/>
-                  <a:pt x="5811036" y="666644"/>
-                  <a:pt x="5809175" y="683395"/>
-                </a:cubicBezTo>
-                <a:cubicBezTo>
-                  <a:pt x="5808430" y="689723"/>
-                  <a:pt x="5808803" y="697539"/>
-                  <a:pt x="5815503" y="698656"/>
-                </a:cubicBezTo>
-                <a:cubicBezTo>
-                  <a:pt x="5843048" y="703495"/>
-                  <a:pt x="5755201" y="682278"/>
-                  <a:pt x="5746268" y="667389"/>
-                </a:cubicBezTo>
-                <a:cubicBezTo>
-                  <a:pt x="5745896" y="666644"/>
-                  <a:pt x="5525907" y="720246"/>
-                  <a:pt x="5458905" y="754119"/>
-                </a:cubicBezTo>
-                <a:close/>
-                <a:moveTo>
-                  <a:pt x="885302" y="1333310"/>
-                </a:moveTo>
-                <a:cubicBezTo>
-                  <a:pt x="877857" y="1326982"/>
-                  <a:pt x="870040" y="1321027"/>
-                  <a:pt x="862596" y="1314326"/>
-                </a:cubicBezTo>
-                <a:cubicBezTo>
-                  <a:pt x="863712" y="1312837"/>
-                  <a:pt x="865201" y="1311349"/>
-                  <a:pt x="866318" y="1309860"/>
-                </a:cubicBezTo>
-                <a:cubicBezTo>
-                  <a:pt x="881580" y="1320282"/>
-                  <a:pt x="896841" y="1330705"/>
-                  <a:pt x="912103" y="1341127"/>
-                </a:cubicBezTo>
-                <a:cubicBezTo>
-                  <a:pt x="903541" y="1338522"/>
-                  <a:pt x="894235" y="1335916"/>
-                  <a:pt x="885302" y="1333310"/>
-                </a:cubicBezTo>
-                <a:close/>
-                <a:moveTo>
-                  <a:pt x="1140280" y="787619"/>
-                </a:moveTo>
-                <a:cubicBezTo>
-                  <a:pt x="1231849" y="850154"/>
-                  <a:pt x="1323418" y="913061"/>
-                  <a:pt x="1414987" y="975596"/>
-                </a:cubicBezTo>
-                <a:cubicBezTo>
-                  <a:pt x="1413498" y="977085"/>
-                  <a:pt x="1412381" y="978574"/>
-                  <a:pt x="1410892" y="980063"/>
-                </a:cubicBezTo>
-                <a:cubicBezTo>
-                  <a:pt x="1310390" y="927206"/>
-                  <a:pt x="1215471" y="868394"/>
-                  <a:pt x="1140280" y="787619"/>
-                </a:cubicBezTo>
-                <a:close/>
-              </a:path>
-            </a:pathLst>
-          </a:custGeom>
-          <a:solidFill>
-            <a:schemeClr val="dk1">
-              <a:alpha val="88627"/>
-            </a:schemeClr>
-          </a:solidFill>
-          <a:ln>
-            <a:noFill/>
-          </a:ln>
-        </p:spPr>
-        <p:txBody>
-          <a:bodyPr anchorCtr="0" anchor="ctr" bIns="45700" lIns="91425" spcFirstLastPara="1" rIns="91425" wrap="square" tIns="45700">
-            <a:noAutofit/>
-          </a:bodyPr>
-          <a:lstStyle/>
-          <a:p>
-            <a:pPr indent="0" lvl="0" marL="0" marR="0" rtl="0" algn="l">
-              <a:spcBef>
-                <a:spcPts val="0"/>
-              </a:spcBef>
-              <a:spcAft>
-                <a:spcPts val="0"/>
-              </a:spcAft>
-              <a:buNone/>
-            </a:pPr>
-            <a:r>
-              <a:t/>
-            </a:r>
-            <a:endParaRPr sz="1800">
-              <a:solidFill>
-                <a:schemeClr val="lt1"/>
-              </a:solidFill>
-              <a:latin typeface="Century Gothic"/>
-              <a:ea typeface="Century Gothic"/>
-              <a:cs typeface="Century Gothic"/>
-              <a:sym typeface="Century Gothic"/>
-            </a:endParaRPr>
-          </a:p>
-        </p:txBody>
-      </p:sp>
-      <p:sp>
-        <p:nvSpPr>
-          <p:cNvPr id="113" name="Google Shape;113;p1"/>
+          <p:cNvPr id="110" name="Google Shape;110;g7a3baedec7_0_0"/>
           <p:cNvSpPr txBox="1"/>
           <p:nvPr>
             <p:ph type="ctrTitle"/>
@@ -22738,16 +21624,12 @@
         </p:nvSpPr>
         <p:spPr>
           <a:xfrm>
-            <a:off x="3323949" y="979103"/>
-            <a:ext cx="5541054" cy="2213621"/>
+            <a:off x="1508760" y="1591056"/>
+            <a:ext cx="5706000" cy="3264300"/>
           </a:xfrm>
           <a:prstGeom prst="rect">
             <a:avLst/>
           </a:prstGeom>
-          <a:noFill/>
-          <a:ln>
-            <a:noFill/>
-          </a:ln>
         </p:spPr>
         <p:txBody>
           <a:bodyPr anchorCtr="0" anchor="b" bIns="45700" lIns="91425" spcFirstLastPara="1" rIns="91425" wrap="square" tIns="45700">
@@ -22755,26 +21637,18 @@
           </a:bodyPr>
           <a:lstStyle/>
           <a:p>
-            <a:pPr indent="0" lvl="0" marL="0" rtl="0" algn="ctr">
-              <a:lnSpc>
-                <a:spcPct val="90000"/>
-              </a:lnSpc>
-              <a:spcBef>
-                <a:spcPts val="0"/>
-              </a:spcBef>
-              <a:spcAft>
-                <a:spcPts val="0"/>
-              </a:spcAft>
-              <a:buClr>
-                <a:schemeClr val="lt1"/>
-              </a:buClr>
-              <a:buSzPts val="4800"/>
-              <a:buFont typeface="Abril Fatface"/>
+            <a:pPr indent="0" lvl="0" marL="0" rtl="0" algn="l">
+              <a:spcBef>
+                <a:spcPts val="0"/>
+              </a:spcBef>
+              <a:spcAft>
+                <a:spcPts val="0"/>
+              </a:spcAft>
               <a:buNone/>
             </a:pPr>
             <a:r>
               <a:rPr lang="en-US"/>
-              <a:t>Tutorial 6</a:t>
+              <a:t>Starting at 12:05!</a:t>
             </a:r>
             <a:endParaRPr/>
           </a:p>
@@ -22782,7 +21656,7 @@
       </p:sp>
       <p:sp>
         <p:nvSpPr>
-          <p:cNvPr id="114" name="Google Shape;114;p1"/>
+          <p:cNvPr id="111" name="Google Shape;111;g7a3baedec7_0_0"/>
           <p:cNvSpPr txBox="1"/>
           <p:nvPr>
             <p:ph idx="1" type="subTitle"/>
@@ -22790,16 +21664,12 @@
         </p:nvSpPr>
         <p:spPr>
           <a:xfrm>
-            <a:off x="3880419" y="4300833"/>
-            <a:ext cx="4431162" cy="1191873"/>
+            <a:off x="1524000" y="4928616"/>
+            <a:ext cx="5706000" cy="996600"/>
           </a:xfrm>
           <a:prstGeom prst="rect">
             <a:avLst/>
           </a:prstGeom>
-          <a:noFill/>
-          <a:ln>
-            <a:noFill/>
-          </a:ln>
         </p:spPr>
         <p:txBody>
           <a:bodyPr anchorCtr="0" anchor="t" bIns="45700" lIns="91425" spcFirstLastPara="1" rIns="91425" wrap="square" tIns="45700">
@@ -22807,29 +21677,18 @@
           </a:bodyPr>
           <a:lstStyle/>
           <a:p>
-            <a:pPr indent="0" lvl="0" marL="0" rtl="0" algn="ctr">
-              <a:lnSpc>
-                <a:spcPct val="100000"/>
-              </a:lnSpc>
-              <a:spcBef>
-                <a:spcPts val="0"/>
-              </a:spcBef>
-              <a:spcAft>
-                <a:spcPts val="0"/>
-              </a:spcAft>
-              <a:buClr>
-                <a:schemeClr val="lt1"/>
-              </a:buClr>
-              <a:buSzPts val="2400"/>
+            <a:pPr indent="0" lvl="0" marL="0" rtl="0" algn="l">
+              <a:spcBef>
+                <a:spcPts val="1000"/>
+              </a:spcBef>
+              <a:spcAft>
+                <a:spcPts val="0"/>
+              </a:spcAft>
               <a:buNone/>
             </a:pPr>
             <a:r>
               <a:rPr lang="en-US"/>
-              <a:t>MORE DETAILS ABOUT API</a:t>
-            </a:r>
-            <a:r>
-              <a:rPr lang="en-US" sz="1800"/>
-              <a:t>S</a:t>
+              <a:t>Please turn on your cameras and feel free to talk in the chat!</a:t>
             </a:r>
             <a:endParaRPr/>
           </a:p>
@@ -22848,7 +21707,7 @@
   <p:cSld>
     <p:spTree>
       <p:nvGrpSpPr>
-        <p:cNvPr id="171" name="Shape 171"/>
+        <p:cNvPr id="170" name="Shape 170"/>
         <p:cNvGrpSpPr/>
         <p:nvPr/>
       </p:nvGrpSpPr>
@@ -22862,7 +21721,185 @@
       </p:grpSpPr>
       <p:sp>
         <p:nvSpPr>
-          <p:cNvPr id="172" name="Google Shape;172;g7a3baecf54_0_18"/>
+          <p:cNvPr id="171" name="Google Shape;171;p8"/>
+          <p:cNvSpPr txBox="1"/>
+          <p:nvPr>
+            <p:ph type="title"/>
+          </p:nvPr>
+        </p:nvSpPr>
+        <p:spPr>
+          <a:xfrm>
+            <a:off x="838200" y="365125"/>
+            <a:ext cx="10515600" cy="1325563"/>
+          </a:xfrm>
+          <a:prstGeom prst="rect">
+            <a:avLst/>
+          </a:prstGeom>
+          <a:noFill/>
+          <a:ln>
+            <a:noFill/>
+          </a:ln>
+        </p:spPr>
+        <p:txBody>
+          <a:bodyPr anchorCtr="0" anchor="ctr" bIns="45700" lIns="91425" spcFirstLastPara="1" rIns="91425" wrap="square" tIns="45700">
+            <a:normAutofit/>
+          </a:bodyPr>
+          <a:lstStyle/>
+          <a:p>
+            <a:pPr indent="0" lvl="0" marL="0" rtl="0" algn="l">
+              <a:lnSpc>
+                <a:spcPct val="90000"/>
+              </a:lnSpc>
+              <a:spcBef>
+                <a:spcPts val="0"/>
+              </a:spcBef>
+              <a:spcAft>
+                <a:spcPts val="0"/>
+              </a:spcAft>
+              <a:buClr>
+                <a:schemeClr val="dk1"/>
+              </a:buClr>
+              <a:buSzPts val="4000"/>
+              <a:buFont typeface="Abril Fatface"/>
+              <a:buNone/>
+            </a:pPr>
+            <a:r>
+              <a:rPr lang="en-US"/>
+              <a:t>HTTP Response(Using an API)</a:t>
+            </a:r>
+            <a:endParaRPr/>
+          </a:p>
+        </p:txBody>
+      </p:sp>
+      <p:sp>
+        <p:nvSpPr>
+          <p:cNvPr id="172" name="Google Shape;172;p8"/>
+          <p:cNvSpPr txBox="1"/>
+          <p:nvPr>
+            <p:ph idx="1" type="body"/>
+          </p:nvPr>
+        </p:nvSpPr>
+        <p:spPr>
+          <a:xfrm>
+            <a:off x="838200" y="2011680"/>
+            <a:ext cx="10515600" cy="4160520"/>
+          </a:xfrm>
+          <a:prstGeom prst="rect">
+            <a:avLst/>
+          </a:prstGeom>
+          <a:noFill/>
+          <a:ln>
+            <a:noFill/>
+          </a:ln>
+        </p:spPr>
+        <p:txBody>
+          <a:bodyPr anchorCtr="0" anchor="t" bIns="45700" lIns="91425" spcFirstLastPara="1" rIns="91425" wrap="square" tIns="45700">
+            <a:normAutofit/>
+          </a:bodyPr>
+          <a:lstStyle/>
+          <a:p>
+            <a:pPr indent="-228600" lvl="0" marL="228600" rtl="0" algn="l">
+              <a:lnSpc>
+                <a:spcPct val="100000"/>
+              </a:lnSpc>
+              <a:spcBef>
+                <a:spcPts val="0"/>
+              </a:spcBef>
+              <a:spcAft>
+                <a:spcPts val="0"/>
+              </a:spcAft>
+              <a:buClr>
+                <a:schemeClr val="dk1"/>
+              </a:buClr>
+              <a:buSzPts val="2800"/>
+              <a:buChar char="•"/>
+            </a:pPr>
+            <a:r>
+              <a:rPr lang="en-US"/>
+              <a:t>When a HTTP response is sent to the client, the data that comes in the response is formatted in a nice accessible format such as JSON</a:t>
+            </a:r>
+            <a:endParaRPr/>
+          </a:p>
+          <a:p>
+            <a:pPr indent="-228600" lvl="0" marL="228600" rtl="0" algn="l">
+              <a:lnSpc>
+                <a:spcPct val="100000"/>
+              </a:lnSpc>
+              <a:spcBef>
+                <a:spcPts val="1000"/>
+              </a:spcBef>
+              <a:spcAft>
+                <a:spcPts val="0"/>
+              </a:spcAft>
+              <a:buClr>
+                <a:schemeClr val="dk1"/>
+              </a:buClr>
+              <a:buSzPts val="2800"/>
+              <a:buChar char="•"/>
+            </a:pPr>
+            <a:r>
+              <a:rPr lang="en-US"/>
+              <a:t>Example:</a:t>
+            </a:r>
+            <a:endParaRPr/>
+          </a:p>
+        </p:txBody>
+      </p:sp>
+      <p:pic>
+        <p:nvPicPr>
+          <p:cNvPr id="173" name="Google Shape;173;p8"/>
+          <p:cNvPicPr preferRelativeResize="0"/>
+          <p:nvPr/>
+        </p:nvPicPr>
+        <p:blipFill rotWithShape="1">
+          <a:blip r:embed="rId3">
+            <a:alphaModFix/>
+          </a:blip>
+          <a:srcRect b="0" l="0" r="0" t="0"/>
+          <a:stretch/>
+        </p:blipFill>
+        <p:spPr>
+          <a:xfrm>
+            <a:off x="3078163" y="3432175"/>
+            <a:ext cx="7264400" cy="3060700"/>
+          </a:xfrm>
+          <a:prstGeom prst="rect">
+            <a:avLst/>
+          </a:prstGeom>
+          <a:noFill/>
+          <a:ln>
+            <a:noFill/>
+          </a:ln>
+        </p:spPr>
+      </p:pic>
+    </p:spTree>
+  </p:cSld>
+  <p:clrMapOvr>
+    <a:masterClrMapping/>
+  </p:clrMapOvr>
+</p:sld>
+</file>
+
+<file path=ppt/slides/slide11.xml><?xml version="1.0" encoding="utf-8"?>
+<p:sld xmlns:a="http://schemas.openxmlformats.org/drawingml/2006/main" xmlns:r="http://schemas.openxmlformats.org/officeDocument/2006/relationships" xmlns:mc="http://schemas.openxmlformats.org/markup-compatibility/2006" xmlns:mv="urn:schemas-microsoft-com:mac:vml" xmlns:p="http://schemas.openxmlformats.org/presentationml/2006/main" xmlns:c="http://schemas.openxmlformats.org/drawingml/2006/chart" xmlns:dgm="http://schemas.openxmlformats.org/drawingml/2006/diagram" xmlns:o="urn:schemas-microsoft-com:office:office" xmlns:v="urn:schemas-microsoft-com:vml" xmlns:pvml="urn:schemas-microsoft-com:office:powerpoint" xmlns:com="http://schemas.openxmlformats.org/drawingml/2006/compatibility" xmlns:p14="http://schemas.microsoft.com/office/powerpoint/2010/main" xmlns:p15="http://schemas.microsoft.com/office/powerpoint/2012/main" xmlns:ahyp="http://schemas.microsoft.com/office/drawing/2018/hyperlinkcolor">
+  <p:cSld>
+    <p:spTree>
+      <p:nvGrpSpPr>
+        <p:cNvPr id="177" name="Shape 177"/>
+        <p:cNvGrpSpPr/>
+        <p:nvPr/>
+      </p:nvGrpSpPr>
+      <p:grpSpPr>
+        <a:xfrm>
+          <a:off x="0" y="0"/>
+          <a:ext cx="0" cy="0"/>
+          <a:chOff x="0" y="0"/>
+          <a:chExt cx="0" cy="0"/>
+        </a:xfrm>
+      </p:grpSpPr>
+      <p:sp>
+        <p:nvSpPr>
+          <p:cNvPr id="178" name="Google Shape;178;g7a3baecf54_0_18"/>
           <p:cNvSpPr txBox="1"/>
           <p:nvPr>
             <p:ph type="title"/>
@@ -22902,7 +21939,7 @@
       </p:sp>
       <p:sp>
         <p:nvSpPr>
-          <p:cNvPr id="173" name="Google Shape;173;g7a3baecf54_0_18"/>
+          <p:cNvPr id="179" name="Google Shape;179;g7a3baecf54_0_18"/>
           <p:cNvSpPr txBox="1"/>
           <p:nvPr>
             <p:ph idx="1" type="body"/>
@@ -22983,7 +22020,7 @@
       </p:sp>
       <p:pic>
         <p:nvPicPr>
-          <p:cNvPr id="174" name="Google Shape;174;g7a3baecf54_0_18"/>
+          <p:cNvPr id="180" name="Google Shape;180;g7a3baecf54_0_18"/>
           <p:cNvPicPr preferRelativeResize="0"/>
           <p:nvPr/>
         </p:nvPicPr>
@@ -23017,12 +22054,12 @@
 </p:sld>
 </file>
 
-<file path=ppt/slides/slide11.xml><?xml version="1.0" encoding="utf-8"?>
+<file path=ppt/slides/slide12.xml><?xml version="1.0" encoding="utf-8"?>
 <p:sld xmlns:a="http://schemas.openxmlformats.org/drawingml/2006/main" xmlns:r="http://schemas.openxmlformats.org/officeDocument/2006/relationships" xmlns:mc="http://schemas.openxmlformats.org/markup-compatibility/2006" xmlns:mv="urn:schemas-microsoft-com:mac:vml" xmlns:p="http://schemas.openxmlformats.org/presentationml/2006/main" xmlns:c="http://schemas.openxmlformats.org/drawingml/2006/chart" xmlns:dgm="http://schemas.openxmlformats.org/drawingml/2006/diagram" xmlns:o="urn:schemas-microsoft-com:office:office" xmlns:v="urn:schemas-microsoft-com:vml" xmlns:pvml="urn:schemas-microsoft-com:office:powerpoint" xmlns:com="http://schemas.openxmlformats.org/drawingml/2006/compatibility" xmlns:p14="http://schemas.microsoft.com/office/powerpoint/2010/main" xmlns:p15="http://schemas.microsoft.com/office/powerpoint/2012/main" xmlns:ahyp="http://schemas.microsoft.com/office/drawing/2018/hyperlinkcolor">
   <p:cSld>
     <p:spTree>
       <p:nvGrpSpPr>
-        <p:cNvPr id="178" name="Shape 178"/>
+        <p:cNvPr id="184" name="Shape 184"/>
         <p:cNvGrpSpPr/>
         <p:nvPr/>
       </p:nvGrpSpPr>
@@ -23036,7 +22073,7 @@
       </p:grpSpPr>
       <p:sp>
         <p:nvSpPr>
-          <p:cNvPr id="179" name="Google Shape;179;g7a3baecf54_0_23"/>
+          <p:cNvPr id="185" name="Google Shape;185;g7a3baecf54_0_23"/>
           <p:cNvSpPr txBox="1"/>
           <p:nvPr>
             <p:ph type="title"/>
@@ -23076,7 +22113,7 @@
       </p:sp>
       <p:sp>
         <p:nvSpPr>
-          <p:cNvPr id="180" name="Google Shape;180;g7a3baecf54_0_23"/>
+          <p:cNvPr id="186" name="Google Shape;186;g7a3baecf54_0_23"/>
           <p:cNvSpPr txBox="1"/>
           <p:nvPr>
             <p:ph idx="1" type="body"/>
@@ -23169,7 +22206,7 @@
       </p:sp>
       <p:pic>
         <p:nvPicPr>
-          <p:cNvPr id="181" name="Google Shape;181;g7a3baecf54_0_23"/>
+          <p:cNvPr id="187" name="Google Shape;187;g7a3baecf54_0_23"/>
           <p:cNvPicPr preferRelativeResize="0"/>
           <p:nvPr/>
         </p:nvPicPr>
@@ -23203,12 +22240,12 @@
 </p:sld>
 </file>
 
-<file path=ppt/slides/slide12.xml><?xml version="1.0" encoding="utf-8"?>
+<file path=ppt/slides/slide13.xml><?xml version="1.0" encoding="utf-8"?>
 <p:sld xmlns:a="http://schemas.openxmlformats.org/drawingml/2006/main" xmlns:r="http://schemas.openxmlformats.org/officeDocument/2006/relationships" xmlns:mc="http://schemas.openxmlformats.org/markup-compatibility/2006" xmlns:mv="urn:schemas-microsoft-com:mac:vml" xmlns:p="http://schemas.openxmlformats.org/presentationml/2006/main" xmlns:c="http://schemas.openxmlformats.org/drawingml/2006/chart" xmlns:dgm="http://schemas.openxmlformats.org/drawingml/2006/diagram" xmlns:o="urn:schemas-microsoft-com:office:office" xmlns:v="urn:schemas-microsoft-com:vml" xmlns:pvml="urn:schemas-microsoft-com:office:powerpoint" xmlns:com="http://schemas.openxmlformats.org/drawingml/2006/compatibility" xmlns:p14="http://schemas.microsoft.com/office/powerpoint/2010/main" xmlns:p15="http://schemas.microsoft.com/office/powerpoint/2012/main" xmlns:ahyp="http://schemas.microsoft.com/office/drawing/2018/hyperlinkcolor">
   <p:cSld>
     <p:spTree>
       <p:nvGrpSpPr>
-        <p:cNvPr id="185" name="Shape 185"/>
+        <p:cNvPr id="191" name="Shape 191"/>
         <p:cNvGrpSpPr/>
         <p:nvPr/>
       </p:nvGrpSpPr>
@@ -23222,7 +22259,7 @@
       </p:grpSpPr>
       <p:sp>
         <p:nvSpPr>
-          <p:cNvPr id="186" name="Google Shape;186;p9"/>
+          <p:cNvPr id="192" name="Google Shape;192;p9"/>
           <p:cNvSpPr txBox="1"/>
           <p:nvPr>
             <p:ph type="title"/>
@@ -23274,7 +22311,7 @@
       </p:sp>
       <p:sp>
         <p:nvSpPr>
-          <p:cNvPr id="187" name="Google Shape;187;p9"/>
+          <p:cNvPr id="193" name="Google Shape;193;p9"/>
           <p:cNvSpPr txBox="1"/>
           <p:nvPr>
             <p:ph idx="1" type="body"/>
@@ -23318,171 +22355,6 @@
             <a:r>
               <a:rPr lang="en-US"/>
               <a:t>Using an API, we send a request to a server. Depending on what method, headers, and body we use, the server then  sends us a response(for us it is in JSON format) and with the two systems communicating we can obtain the information we want.</a:t>
-            </a:r>
-            <a:endParaRPr/>
-          </a:p>
-        </p:txBody>
-      </p:sp>
-    </p:spTree>
-  </p:cSld>
-  <p:clrMapOvr>
-    <a:masterClrMapping/>
-  </p:clrMapOvr>
-</p:sld>
-</file>
-
-<file path=ppt/slides/slide13.xml><?xml version="1.0" encoding="utf-8"?>
-<p:sld xmlns:a="http://schemas.openxmlformats.org/drawingml/2006/main" xmlns:r="http://schemas.openxmlformats.org/officeDocument/2006/relationships" xmlns:mc="http://schemas.openxmlformats.org/markup-compatibility/2006" xmlns:mv="urn:schemas-microsoft-com:mac:vml" xmlns:p="http://schemas.openxmlformats.org/presentationml/2006/main" xmlns:c="http://schemas.openxmlformats.org/drawingml/2006/chart" xmlns:dgm="http://schemas.openxmlformats.org/drawingml/2006/diagram" xmlns:o="urn:schemas-microsoft-com:office:office" xmlns:v="urn:schemas-microsoft-com:vml" xmlns:pvml="urn:schemas-microsoft-com:office:powerpoint" xmlns:com="http://schemas.openxmlformats.org/drawingml/2006/compatibility" xmlns:p14="http://schemas.microsoft.com/office/powerpoint/2010/main" xmlns:p15="http://schemas.microsoft.com/office/powerpoint/2012/main" xmlns:ahyp="http://schemas.microsoft.com/office/drawing/2018/hyperlinkcolor">
-  <p:cSld>
-    <p:spTree>
-      <p:nvGrpSpPr>
-        <p:cNvPr id="191" name="Shape 191"/>
-        <p:cNvGrpSpPr/>
-        <p:nvPr/>
-      </p:nvGrpSpPr>
-      <p:grpSpPr>
-        <a:xfrm>
-          <a:off x="0" y="0"/>
-          <a:ext cx="0" cy="0"/>
-          <a:chOff x="0" y="0"/>
-          <a:chExt cx="0" cy="0"/>
-        </a:xfrm>
-      </p:grpSpPr>
-      <p:sp>
-        <p:nvSpPr>
-          <p:cNvPr id="192" name="Google Shape;192;g7a3baecf54_0_5"/>
-          <p:cNvSpPr txBox="1"/>
-          <p:nvPr>
-            <p:ph type="title"/>
-          </p:nvPr>
-        </p:nvSpPr>
-        <p:spPr>
-          <a:xfrm>
-            <a:off x="838200" y="365125"/>
-            <a:ext cx="10515600" cy="1325700"/>
-          </a:xfrm>
-          <a:prstGeom prst="rect">
-            <a:avLst/>
-          </a:prstGeom>
-        </p:spPr>
-        <p:txBody>
-          <a:bodyPr anchorCtr="0" anchor="ctr" bIns="45700" lIns="91425" spcFirstLastPara="1" rIns="91425" wrap="square" tIns="45700">
-            <a:normAutofit/>
-          </a:bodyPr>
-          <a:lstStyle/>
-          <a:p>
-            <a:pPr indent="0" lvl="0" marL="0" rtl="0" algn="l">
-              <a:spcBef>
-                <a:spcPts val="0"/>
-              </a:spcBef>
-              <a:spcAft>
-                <a:spcPts val="0"/>
-              </a:spcAft>
-              <a:buNone/>
-            </a:pPr>
-            <a:r>
-              <a:rPr lang="en-US"/>
-              <a:t>Non-Coding Example</a:t>
-            </a:r>
-            <a:endParaRPr/>
-          </a:p>
-        </p:txBody>
-      </p:sp>
-      <p:sp>
-        <p:nvSpPr>
-          <p:cNvPr id="193" name="Google Shape;193;g7a3baecf54_0_5"/>
-          <p:cNvSpPr txBox="1"/>
-          <p:nvPr>
-            <p:ph idx="1" type="body"/>
-          </p:nvPr>
-        </p:nvSpPr>
-        <p:spPr>
-          <a:xfrm>
-            <a:off x="838200" y="2011680"/>
-            <a:ext cx="10515600" cy="4160400"/>
-          </a:xfrm>
-          <a:prstGeom prst="rect">
-            <a:avLst/>
-          </a:prstGeom>
-        </p:spPr>
-        <p:txBody>
-          <a:bodyPr anchorCtr="0" anchor="t" bIns="45700" lIns="91425" spcFirstLastPara="1" rIns="91425" wrap="square" tIns="45700">
-            <a:normAutofit/>
-          </a:bodyPr>
-          <a:lstStyle/>
-          <a:p>
-            <a:pPr indent="-342900" lvl="0" marL="457200" rtl="0" algn="l">
-              <a:spcBef>
-                <a:spcPts val="1000"/>
-              </a:spcBef>
-              <a:spcAft>
-                <a:spcPts val="0"/>
-              </a:spcAft>
-              <a:buSzPts val="1800"/>
-              <a:buChar char="-"/>
-            </a:pPr>
-            <a:r>
-              <a:rPr lang="en-US"/>
-              <a:t>Zapier Demo</a:t>
-            </a:r>
-            <a:endParaRPr/>
-          </a:p>
-          <a:p>
-            <a:pPr indent="-342900" lvl="1" marL="914400" rtl="0" algn="l">
-              <a:spcBef>
-                <a:spcPts val="0"/>
-              </a:spcBef>
-              <a:spcAft>
-                <a:spcPts val="0"/>
-              </a:spcAft>
-              <a:buSzPts val="1800"/>
-              <a:buChar char="-"/>
-            </a:pPr>
-            <a:r>
-              <a:rPr lang="en-US"/>
-              <a:t>Here, we will demonstrate a small “Zap” or set of actions I created to help facilitate this course. This is an </a:t>
-            </a:r>
-            <a:r>
-              <a:rPr lang="en-US"/>
-              <a:t>extremely</a:t>
-            </a:r>
-            <a:r>
-              <a:rPr lang="en-US"/>
-              <a:t> simply explanation of how API’s can work. </a:t>
-            </a:r>
-            <a:endParaRPr/>
-          </a:p>
-          <a:p>
-            <a:pPr indent="-342900" lvl="0" marL="457200" rtl="0" algn="l">
-              <a:spcBef>
-                <a:spcPts val="0"/>
-              </a:spcBef>
-              <a:spcAft>
-                <a:spcPts val="0"/>
-              </a:spcAft>
-              <a:buSzPts val="1800"/>
-              <a:buChar char="-"/>
-            </a:pPr>
-            <a:r>
-              <a:rPr lang="en-US"/>
-              <a:t>IFTTT Demo</a:t>
-            </a:r>
-            <a:endParaRPr/>
-          </a:p>
-          <a:p>
-            <a:pPr indent="-342900" lvl="1" marL="914400" rtl="0" algn="l">
-              <a:spcBef>
-                <a:spcPts val="0"/>
-              </a:spcBef>
-              <a:spcAft>
-                <a:spcPts val="0"/>
-              </a:spcAft>
-              <a:buSzPts val="1800"/>
-              <a:buChar char="-"/>
-            </a:pPr>
-            <a:r>
-              <a:rPr lang="en-US"/>
-              <a:t>An even, simple example of how an API works, that is one step. We will leave this for you to explore and will not do a full demo on this topic. </a:t>
             </a:r>
             <a:endParaRPr/>
           </a:p>
@@ -23515,7 +22387,7 @@
       </p:grpSpPr>
       <p:sp>
         <p:nvSpPr>
-          <p:cNvPr id="198" name="Google Shape;198;g7a3baecf54_0_0"/>
+          <p:cNvPr id="198" name="Google Shape;198;g7a3baecf54_0_5"/>
           <p:cNvSpPr txBox="1"/>
           <p:nvPr>
             <p:ph type="title"/>
@@ -23547,6 +22419,171 @@
             </a:pPr>
             <a:r>
               <a:rPr lang="en-US"/>
+              <a:t>Non-Coding Example</a:t>
+            </a:r>
+            <a:endParaRPr/>
+          </a:p>
+        </p:txBody>
+      </p:sp>
+      <p:sp>
+        <p:nvSpPr>
+          <p:cNvPr id="199" name="Google Shape;199;g7a3baecf54_0_5"/>
+          <p:cNvSpPr txBox="1"/>
+          <p:nvPr>
+            <p:ph idx="1" type="body"/>
+          </p:nvPr>
+        </p:nvSpPr>
+        <p:spPr>
+          <a:xfrm>
+            <a:off x="838200" y="2011680"/>
+            <a:ext cx="10515600" cy="4160400"/>
+          </a:xfrm>
+          <a:prstGeom prst="rect">
+            <a:avLst/>
+          </a:prstGeom>
+        </p:spPr>
+        <p:txBody>
+          <a:bodyPr anchorCtr="0" anchor="t" bIns="45700" lIns="91425" spcFirstLastPara="1" rIns="91425" wrap="square" tIns="45700">
+            <a:normAutofit/>
+          </a:bodyPr>
+          <a:lstStyle/>
+          <a:p>
+            <a:pPr indent="-342900" lvl="0" marL="457200" rtl="0" algn="l">
+              <a:spcBef>
+                <a:spcPts val="1000"/>
+              </a:spcBef>
+              <a:spcAft>
+                <a:spcPts val="0"/>
+              </a:spcAft>
+              <a:buSzPts val="1800"/>
+              <a:buChar char="-"/>
+            </a:pPr>
+            <a:r>
+              <a:rPr lang="en-US"/>
+              <a:t>Zapier Demo</a:t>
+            </a:r>
+            <a:endParaRPr/>
+          </a:p>
+          <a:p>
+            <a:pPr indent="-342900" lvl="1" marL="914400" rtl="0" algn="l">
+              <a:spcBef>
+                <a:spcPts val="0"/>
+              </a:spcBef>
+              <a:spcAft>
+                <a:spcPts val="0"/>
+              </a:spcAft>
+              <a:buSzPts val="1800"/>
+              <a:buChar char="-"/>
+            </a:pPr>
+            <a:r>
+              <a:rPr lang="en-US"/>
+              <a:t>Here, we will demonstrate a small “Zap” or set of actions I created to help facilitate this course. This is an </a:t>
+            </a:r>
+            <a:r>
+              <a:rPr lang="en-US"/>
+              <a:t>extremely</a:t>
+            </a:r>
+            <a:r>
+              <a:rPr lang="en-US"/>
+              <a:t> simply explanation of how API’s can work. </a:t>
+            </a:r>
+            <a:endParaRPr/>
+          </a:p>
+          <a:p>
+            <a:pPr indent="-342900" lvl="0" marL="457200" rtl="0" algn="l">
+              <a:spcBef>
+                <a:spcPts val="0"/>
+              </a:spcBef>
+              <a:spcAft>
+                <a:spcPts val="0"/>
+              </a:spcAft>
+              <a:buSzPts val="1800"/>
+              <a:buChar char="-"/>
+            </a:pPr>
+            <a:r>
+              <a:rPr lang="en-US"/>
+              <a:t>IFTTT Demo</a:t>
+            </a:r>
+            <a:endParaRPr/>
+          </a:p>
+          <a:p>
+            <a:pPr indent="-342900" lvl="1" marL="914400" rtl="0" algn="l">
+              <a:spcBef>
+                <a:spcPts val="0"/>
+              </a:spcBef>
+              <a:spcAft>
+                <a:spcPts val="0"/>
+              </a:spcAft>
+              <a:buSzPts val="1800"/>
+              <a:buChar char="-"/>
+            </a:pPr>
+            <a:r>
+              <a:rPr lang="en-US"/>
+              <a:t>An even, simple example of how an API works, that is one step. We will leave this for you to explore and will not do a full demo on this topic. </a:t>
+            </a:r>
+            <a:endParaRPr/>
+          </a:p>
+        </p:txBody>
+      </p:sp>
+    </p:spTree>
+  </p:cSld>
+  <p:clrMapOvr>
+    <a:masterClrMapping/>
+  </p:clrMapOvr>
+</p:sld>
+</file>
+
+<file path=ppt/slides/slide15.xml><?xml version="1.0" encoding="utf-8"?>
+<p:sld xmlns:a="http://schemas.openxmlformats.org/drawingml/2006/main" xmlns:r="http://schemas.openxmlformats.org/officeDocument/2006/relationships" xmlns:mc="http://schemas.openxmlformats.org/markup-compatibility/2006" xmlns:mv="urn:schemas-microsoft-com:mac:vml" xmlns:p="http://schemas.openxmlformats.org/presentationml/2006/main" xmlns:c="http://schemas.openxmlformats.org/drawingml/2006/chart" xmlns:dgm="http://schemas.openxmlformats.org/drawingml/2006/diagram" xmlns:o="urn:schemas-microsoft-com:office:office" xmlns:v="urn:schemas-microsoft-com:vml" xmlns:pvml="urn:schemas-microsoft-com:office:powerpoint" xmlns:com="http://schemas.openxmlformats.org/drawingml/2006/compatibility" xmlns:p14="http://schemas.microsoft.com/office/powerpoint/2010/main" xmlns:p15="http://schemas.microsoft.com/office/powerpoint/2012/main" xmlns:ahyp="http://schemas.microsoft.com/office/drawing/2018/hyperlinkcolor">
+  <p:cSld>
+    <p:spTree>
+      <p:nvGrpSpPr>
+        <p:cNvPr id="203" name="Shape 203"/>
+        <p:cNvGrpSpPr/>
+        <p:nvPr/>
+      </p:nvGrpSpPr>
+      <p:grpSpPr>
+        <a:xfrm>
+          <a:off x="0" y="0"/>
+          <a:ext cx="0" cy="0"/>
+          <a:chOff x="0" y="0"/>
+          <a:chExt cx="0" cy="0"/>
+        </a:xfrm>
+      </p:grpSpPr>
+      <p:sp>
+        <p:nvSpPr>
+          <p:cNvPr id="204" name="Google Shape;204;g7a3baecf54_0_0"/>
+          <p:cNvSpPr txBox="1"/>
+          <p:nvPr>
+            <p:ph type="title"/>
+          </p:nvPr>
+        </p:nvSpPr>
+        <p:spPr>
+          <a:xfrm>
+            <a:off x="838200" y="365125"/>
+            <a:ext cx="10515600" cy="1325700"/>
+          </a:xfrm>
+          <a:prstGeom prst="rect">
+            <a:avLst/>
+          </a:prstGeom>
+        </p:spPr>
+        <p:txBody>
+          <a:bodyPr anchorCtr="0" anchor="ctr" bIns="45700" lIns="91425" spcFirstLastPara="1" rIns="91425" wrap="square" tIns="45700">
+            <a:normAutofit/>
+          </a:bodyPr>
+          <a:lstStyle/>
+          <a:p>
+            <a:pPr indent="0" lvl="0" marL="0" rtl="0" algn="l">
+              <a:spcBef>
+                <a:spcPts val="0"/>
+              </a:spcBef>
+              <a:spcAft>
+                <a:spcPts val="0"/>
+              </a:spcAft>
+              <a:buNone/>
+            </a:pPr>
+            <a:r>
+              <a:rPr lang="en-US"/>
               <a:t>API’s and Where To Find Them</a:t>
             </a:r>
             <a:endParaRPr/>
@@ -23555,7 +22592,7 @@
       </p:sp>
       <p:sp>
         <p:nvSpPr>
-          <p:cNvPr id="199" name="Google Shape;199;g7a3baecf54_0_0"/>
+          <p:cNvPr id="205" name="Google Shape;205;g7a3baecf54_0_0"/>
           <p:cNvSpPr txBox="1"/>
           <p:nvPr>
             <p:ph idx="1" type="body"/>
@@ -23741,13 +22778,13 @@
     <p:bg>
       <p:bgPr>
         <a:solidFill>
-          <a:schemeClr val="lt1"/>
+          <a:schemeClr val="dk1"/>
         </a:solidFill>
       </p:bgPr>
     </p:bg>
     <p:spTree>
       <p:nvGrpSpPr>
-        <p:cNvPr id="118" name="Shape 118"/>
+        <p:cNvPr id="115" name="Shape 115"/>
         <p:cNvGrpSpPr/>
         <p:nvPr/>
       </p:nvGrpSpPr>
@@ -23761,7 +22798,1353 @@
       </p:grpSpPr>
       <p:sp>
         <p:nvSpPr>
-          <p:cNvPr id="119" name="Google Shape;119;p2"/>
+          <p:cNvPr id="116" name="Google Shape;116;p1"/>
+          <p:cNvSpPr/>
+          <p:nvPr/>
+        </p:nvSpPr>
+        <p:spPr>
+          <a:xfrm>
+            <a:off x="0" y="0"/>
+            <a:ext cx="12188952" cy="6858000"/>
+          </a:xfrm>
+          <a:prstGeom prst="rect">
+            <a:avLst/>
+          </a:prstGeom>
+          <a:solidFill>
+            <a:schemeClr val="dk1"/>
+          </a:solidFill>
+          <a:ln>
+            <a:noFill/>
+          </a:ln>
+        </p:spPr>
+        <p:txBody>
+          <a:bodyPr anchorCtr="0" anchor="ctr" bIns="45700" lIns="91425" spcFirstLastPara="1" rIns="91425" wrap="square" tIns="45700">
+            <a:noAutofit/>
+          </a:bodyPr>
+          <a:lstStyle/>
+          <a:p>
+            <a:pPr indent="0" lvl="0" marL="0" marR="0" rtl="0" algn="ctr">
+              <a:spcBef>
+                <a:spcPts val="0"/>
+              </a:spcBef>
+              <a:spcAft>
+                <a:spcPts val="0"/>
+              </a:spcAft>
+              <a:buNone/>
+            </a:pPr>
+            <a:r>
+              <a:t/>
+            </a:r>
+            <a:endParaRPr sz="1800">
+              <a:solidFill>
+                <a:schemeClr val="lt1"/>
+              </a:solidFill>
+              <a:latin typeface="Century Gothic"/>
+              <a:ea typeface="Century Gothic"/>
+              <a:cs typeface="Century Gothic"/>
+              <a:sym typeface="Century Gothic"/>
+            </a:endParaRPr>
+          </a:p>
+        </p:txBody>
+      </p:sp>
+      <p:pic>
+        <p:nvPicPr>
+          <p:cNvPr descr="Colorful 3D rendering of triangles" id="117" name="Google Shape;117;p1"/>
+          <p:cNvPicPr preferRelativeResize="0"/>
+          <p:nvPr/>
+        </p:nvPicPr>
+        <p:blipFill rotWithShape="1">
+          <a:blip r:embed="rId3">
+            <a:alphaModFix/>
+          </a:blip>
+          <a:srcRect b="2286" l="0" r="0" t="13443"/>
+          <a:stretch/>
+        </p:blipFill>
+        <p:spPr>
+          <a:xfrm>
+            <a:off x="20" y="0"/>
+            <a:ext cx="12191980" cy="6857990"/>
+          </a:xfrm>
+          <a:prstGeom prst="rect">
+            <a:avLst/>
+          </a:prstGeom>
+          <a:noFill/>
+          <a:ln>
+            <a:noFill/>
+          </a:ln>
+        </p:spPr>
+      </p:pic>
+      <p:sp>
+        <p:nvSpPr>
+          <p:cNvPr id="118" name="Google Shape;118;p1"/>
+          <p:cNvSpPr/>
+          <p:nvPr/>
+        </p:nvSpPr>
+        <p:spPr>
+          <a:xfrm flipH="1">
+            <a:off x="1969639" y="181596"/>
+            <a:ext cx="8252722" cy="6022258"/>
+          </a:xfrm>
+          <a:custGeom>
+            <a:rect b="b" l="l" r="r" t="t"/>
+            <a:pathLst>
+              <a:path extrusionOk="0" h="5025119" w="6886274">
+                <a:moveTo>
+                  <a:pt x="5458905" y="754119"/>
+                </a:moveTo>
+                <a:cubicBezTo>
+                  <a:pt x="5417216" y="775336"/>
+                  <a:pt x="4594585" y="1111088"/>
+                  <a:pt x="3455557" y="1027709"/>
+                </a:cubicBezTo>
+                <a:cubicBezTo>
+                  <a:pt x="3415356" y="1024731"/>
+                  <a:pt x="3377389" y="1022869"/>
+                  <a:pt x="3338677" y="1021381"/>
+                </a:cubicBezTo>
+                <a:cubicBezTo>
+                  <a:pt x="2996224" y="1006119"/>
+                  <a:pt x="2660100" y="998674"/>
+                  <a:pt x="2518280" y="980435"/>
+                </a:cubicBezTo>
+                <a:cubicBezTo>
+                  <a:pt x="2407355" y="965918"/>
+                  <a:pt x="1840075" y="843082"/>
+                  <a:pt x="1673687" y="739229"/>
+                </a:cubicBezTo>
+                <a:cubicBezTo>
+                  <a:pt x="1503578" y="632771"/>
+                  <a:pt x="1343146" y="515146"/>
+                  <a:pt x="1183459" y="397149"/>
+                </a:cubicBezTo>
+                <a:cubicBezTo>
+                  <a:pt x="1114224" y="346153"/>
+                  <a:pt x="1040522" y="299624"/>
+                  <a:pt x="977987" y="241184"/>
+                </a:cubicBezTo>
+                <a:cubicBezTo>
+                  <a:pt x="915453" y="182372"/>
+                  <a:pt x="855896" y="121326"/>
+                  <a:pt x="788150" y="66980"/>
+                </a:cubicBezTo>
+                <a:cubicBezTo>
+                  <a:pt x="768794" y="51346"/>
+                  <a:pt x="749438" y="34596"/>
+                  <a:pt x="721148" y="31990"/>
+                </a:cubicBezTo>
+                <a:cubicBezTo>
+                  <a:pt x="714820" y="31246"/>
+                  <a:pt x="708120" y="31618"/>
+                  <a:pt x="701792" y="32362"/>
+                </a:cubicBezTo>
+                <a:cubicBezTo>
+                  <a:pt x="694720" y="33107"/>
+                  <a:pt x="689136" y="36829"/>
+                  <a:pt x="686530" y="43157"/>
+                </a:cubicBezTo>
+                <a:cubicBezTo>
+                  <a:pt x="683925" y="50230"/>
+                  <a:pt x="688392" y="54324"/>
+                  <a:pt x="693603" y="58046"/>
+                </a:cubicBezTo>
+                <a:cubicBezTo>
+                  <a:pt x="697325" y="60652"/>
+                  <a:pt x="701047" y="64747"/>
+                  <a:pt x="705886" y="65491"/>
+                </a:cubicBezTo>
+                <a:cubicBezTo>
+                  <a:pt x="736782" y="69958"/>
+                  <a:pt x="748321" y="92664"/>
+                  <a:pt x="762838" y="112764"/>
+                </a:cubicBezTo>
+                <a:cubicBezTo>
+                  <a:pt x="769166" y="121326"/>
+                  <a:pt x="775866" y="128026"/>
+                  <a:pt x="764327" y="140309"/>
+                </a:cubicBezTo>
+                <a:cubicBezTo>
+                  <a:pt x="754277" y="151104"/>
+                  <a:pt x="764699" y="156688"/>
+                  <a:pt x="775121" y="159666"/>
+                </a:cubicBezTo>
+                <a:cubicBezTo>
+                  <a:pt x="789638" y="163760"/>
+                  <a:pt x="806761" y="163016"/>
+                  <a:pt x="823139" y="176416"/>
+                </a:cubicBezTo>
+                <a:cubicBezTo>
+                  <a:pt x="761721" y="177533"/>
+                  <a:pt x="735665" y="142171"/>
+                  <a:pt x="707748" y="109414"/>
+                </a:cubicBezTo>
+                <a:cubicBezTo>
+                  <a:pt x="697325" y="97503"/>
+                  <a:pt x="690253" y="83358"/>
+                  <a:pt x="681319" y="69958"/>
+                </a:cubicBezTo>
+                <a:cubicBezTo>
+                  <a:pt x="670152" y="53580"/>
+                  <a:pt x="657124" y="52835"/>
+                  <a:pt x="640746" y="67352"/>
+                </a:cubicBezTo>
+                <a:cubicBezTo>
+                  <a:pt x="626229" y="80380"/>
+                  <a:pt x="619157" y="79264"/>
+                  <a:pt x="614318" y="61396"/>
+                </a:cubicBezTo>
+                <a:cubicBezTo>
+                  <a:pt x="606873" y="33479"/>
+                  <a:pt x="589750" y="13751"/>
+                  <a:pt x="560716" y="3701"/>
+                </a:cubicBezTo>
+                <a:cubicBezTo>
+                  <a:pt x="554388" y="1467"/>
+                  <a:pt x="546572" y="-3372"/>
+                  <a:pt x="540616" y="3701"/>
+                </a:cubicBezTo>
+                <a:cubicBezTo>
+                  <a:pt x="535405" y="9656"/>
+                  <a:pt x="539871" y="16729"/>
+                  <a:pt x="543594" y="21940"/>
+                </a:cubicBezTo>
+                <a:cubicBezTo>
+                  <a:pt x="550294" y="31246"/>
+                  <a:pt x="556250" y="40179"/>
+                  <a:pt x="558855" y="51346"/>
+                </a:cubicBezTo>
+                <a:cubicBezTo>
+                  <a:pt x="560716" y="58791"/>
+                  <a:pt x="562578" y="66980"/>
+                  <a:pt x="557366" y="72563"/>
+                </a:cubicBezTo>
+                <a:cubicBezTo>
+                  <a:pt x="535777" y="96386"/>
+                  <a:pt x="551411" y="107553"/>
+                  <a:pt x="570022" y="120209"/>
+                </a:cubicBezTo>
+                <a:cubicBezTo>
+                  <a:pt x="595706" y="137332"/>
+                  <a:pt x="605756" y="162643"/>
+                  <a:pt x="599801" y="192794"/>
+                </a:cubicBezTo>
+                <a:cubicBezTo>
+                  <a:pt x="597567" y="205078"/>
+                  <a:pt x="599056" y="212522"/>
+                  <a:pt x="614318" y="212150"/>
+                </a:cubicBezTo>
+                <a:cubicBezTo>
+                  <a:pt x="620273" y="212150"/>
+                  <a:pt x="621762" y="216245"/>
+                  <a:pt x="623996" y="220711"/>
+                </a:cubicBezTo>
+                <a:cubicBezTo>
+                  <a:pt x="671641" y="326053"/>
+                  <a:pt x="740504" y="418366"/>
+                  <a:pt x="821278" y="503235"/>
+                </a:cubicBezTo>
+                <a:cubicBezTo>
+                  <a:pt x="886791" y="572098"/>
+                  <a:pt x="959004" y="634260"/>
+                  <a:pt x="1033822" y="694562"/>
+                </a:cubicBezTo>
+                <a:cubicBezTo>
+                  <a:pt x="1036055" y="696423"/>
+                  <a:pt x="1038289" y="698656"/>
+                  <a:pt x="1039406" y="702378"/>
+                </a:cubicBezTo>
+                <a:cubicBezTo>
+                  <a:pt x="1004044" y="694934"/>
+                  <a:pt x="973521" y="679672"/>
+                  <a:pt x="944114" y="662550"/>
+                </a:cubicBezTo>
+                <a:cubicBezTo>
+                  <a:pt x="865946" y="617138"/>
+                  <a:pt x="800061" y="558325"/>
+                  <a:pt x="733432" y="500629"/>
+                </a:cubicBezTo>
+                <a:cubicBezTo>
+                  <a:pt x="692858" y="465267"/>
+                  <a:pt x="651169" y="431022"/>
+                  <a:pt x="606501" y="399755"/>
+                </a:cubicBezTo>
+                <a:cubicBezTo>
+                  <a:pt x="599056" y="394543"/>
+                  <a:pt x="593845" y="387843"/>
+                  <a:pt x="588634" y="381143"/>
+                </a:cubicBezTo>
+                <a:cubicBezTo>
+                  <a:pt x="585656" y="377421"/>
+                  <a:pt x="581934" y="374071"/>
+                  <a:pt x="575978" y="375560"/>
+                </a:cubicBezTo>
+                <a:cubicBezTo>
+                  <a:pt x="568533" y="377421"/>
+                  <a:pt x="567789" y="383004"/>
+                  <a:pt x="567044" y="388588"/>
+                </a:cubicBezTo>
+                <a:cubicBezTo>
+                  <a:pt x="564811" y="406455"/>
+                  <a:pt x="569650" y="422461"/>
+                  <a:pt x="578956" y="437722"/>
+                </a:cubicBezTo>
+                <a:cubicBezTo>
+                  <a:pt x="603151" y="476806"/>
+                  <a:pt x="638885" y="506957"/>
+                  <a:pt x="675736" y="535619"/>
+                </a:cubicBezTo>
+                <a:cubicBezTo>
+                  <a:pt x="723381" y="572470"/>
+                  <a:pt x="769538" y="610810"/>
+                  <a:pt x="811600" y="652872"/>
+                </a:cubicBezTo>
+                <a:cubicBezTo>
+                  <a:pt x="814578" y="655850"/>
+                  <a:pt x="820161" y="657711"/>
+                  <a:pt x="818300" y="666272"/>
+                </a:cubicBezTo>
+                <a:cubicBezTo>
+                  <a:pt x="791872" y="646544"/>
+                  <a:pt x="766932" y="627188"/>
+                  <a:pt x="741621" y="608576"/>
+                </a:cubicBezTo>
+                <a:cubicBezTo>
+                  <a:pt x="716681" y="589965"/>
+                  <a:pt x="691369" y="571353"/>
+                  <a:pt x="666430" y="553114"/>
+                </a:cubicBezTo>
+                <a:cubicBezTo>
+                  <a:pt x="660474" y="548647"/>
+                  <a:pt x="654146" y="542319"/>
+                  <a:pt x="645585" y="547903"/>
+                </a:cubicBezTo>
+                <a:cubicBezTo>
+                  <a:pt x="636652" y="553486"/>
+                  <a:pt x="637768" y="562792"/>
+                  <a:pt x="640002" y="570236"/>
+                </a:cubicBezTo>
+                <a:cubicBezTo>
+                  <a:pt x="647074" y="592198"/>
+                  <a:pt x="659358" y="611554"/>
+                  <a:pt x="675736" y="628677"/>
+                </a:cubicBezTo>
+                <a:cubicBezTo>
+                  <a:pt x="731570" y="685256"/>
+                  <a:pt x="795966" y="734018"/>
+                  <a:pt x="855896" y="786875"/>
+                </a:cubicBezTo>
+                <a:cubicBezTo>
+                  <a:pt x="888280" y="815537"/>
+                  <a:pt x="918058" y="846060"/>
+                  <a:pt x="946348" y="877699"/>
+                </a:cubicBezTo>
+                <a:cubicBezTo>
+                  <a:pt x="952676" y="884772"/>
+                  <a:pt x="952303" y="891472"/>
+                  <a:pt x="950442" y="899661"/>
+                </a:cubicBezTo>
+                <a:cubicBezTo>
+                  <a:pt x="942998" y="932790"/>
+                  <a:pt x="954537" y="943957"/>
+                  <a:pt x="991760" y="937629"/>
+                </a:cubicBezTo>
+                <a:cubicBezTo>
+                  <a:pt x="1003299" y="935767"/>
+                  <a:pt x="1011116" y="937629"/>
+                  <a:pt x="1018188" y="945445"/>
+                </a:cubicBezTo>
+                <a:cubicBezTo>
+                  <a:pt x="1103802" y="1042225"/>
+                  <a:pt x="1205048" y="1123744"/>
+                  <a:pt x="1315601" y="1196329"/>
+                </a:cubicBezTo>
+                <a:cubicBezTo>
+                  <a:pt x="1360641" y="1225735"/>
+                  <a:pt x="1407170" y="1253653"/>
+                  <a:pt x="1454443" y="1279709"/>
+                </a:cubicBezTo>
+                <a:cubicBezTo>
+                  <a:pt x="1454443" y="1281570"/>
+                  <a:pt x="1454443" y="1283804"/>
+                  <a:pt x="1454443" y="1285665"/>
+                </a:cubicBezTo>
+                <a:cubicBezTo>
+                  <a:pt x="1454071" y="1288270"/>
+                  <a:pt x="1453699" y="1289759"/>
+                  <a:pt x="1453327" y="1291993"/>
+                </a:cubicBezTo>
+                <a:cubicBezTo>
+                  <a:pt x="1386697" y="1251792"/>
+                  <a:pt x="1320812" y="1210474"/>
+                  <a:pt x="1256416" y="1166923"/>
+                </a:cubicBezTo>
+                <a:cubicBezTo>
+                  <a:pt x="1081840" y="1048926"/>
+                  <a:pt x="915080" y="922367"/>
+                  <a:pt x="745715" y="798786"/>
+                </a:cubicBezTo>
+                <a:cubicBezTo>
+                  <a:pt x="688764" y="757096"/>
+                  <a:pt x="643724" y="703867"/>
+                  <a:pt x="592356" y="656966"/>
+                </a:cubicBezTo>
+                <a:cubicBezTo>
+                  <a:pt x="558111" y="625699"/>
+                  <a:pt x="525354" y="592943"/>
+                  <a:pt x="485526" y="567259"/>
+                </a:cubicBezTo>
+                <a:cubicBezTo>
+                  <a:pt x="469148" y="556836"/>
+                  <a:pt x="452025" y="547530"/>
+                  <a:pt x="430063" y="550136"/>
+                </a:cubicBezTo>
+                <a:cubicBezTo>
+                  <a:pt x="421502" y="551253"/>
+                  <a:pt x="411824" y="553486"/>
+                  <a:pt x="408846" y="563164"/>
+                </a:cubicBezTo>
+                <a:cubicBezTo>
+                  <a:pt x="406240" y="572842"/>
+                  <a:pt x="414057" y="577309"/>
+                  <a:pt x="421130" y="581403"/>
+                </a:cubicBezTo>
+                <a:cubicBezTo>
+                  <a:pt x="422991" y="582520"/>
+                  <a:pt x="424852" y="584009"/>
+                  <a:pt x="426713" y="584009"/>
+                </a:cubicBezTo>
+                <a:cubicBezTo>
+                  <a:pt x="462075" y="586242"/>
+                  <a:pt x="470264" y="614532"/>
+                  <a:pt x="487015" y="635005"/>
+                </a:cubicBezTo>
+                <a:cubicBezTo>
+                  <a:pt x="492226" y="641333"/>
+                  <a:pt x="492598" y="647661"/>
+                  <a:pt x="487015" y="655105"/>
+                </a:cubicBezTo>
+                <a:cubicBezTo>
+                  <a:pt x="476964" y="668505"/>
+                  <a:pt x="484037" y="674461"/>
+                  <a:pt x="497437" y="678183"/>
+                </a:cubicBezTo>
+                <a:cubicBezTo>
+                  <a:pt x="510837" y="681906"/>
+                  <a:pt x="525354" y="683022"/>
+                  <a:pt x="539871" y="691584"/>
+                </a:cubicBezTo>
+                <a:cubicBezTo>
+                  <a:pt x="516793" y="698656"/>
+                  <a:pt x="500787" y="691212"/>
+                  <a:pt x="485898" y="681906"/>
+                </a:cubicBezTo>
+                <a:cubicBezTo>
+                  <a:pt x="452397" y="661433"/>
+                  <a:pt x="430808" y="631282"/>
+                  <a:pt x="410335" y="600387"/>
+                </a:cubicBezTo>
+                <a:cubicBezTo>
+                  <a:pt x="406240" y="594431"/>
+                  <a:pt x="402890" y="587731"/>
+                  <a:pt x="397307" y="582892"/>
+                </a:cubicBezTo>
+                <a:cubicBezTo>
+                  <a:pt x="386884" y="573214"/>
+                  <a:pt x="375717" y="572098"/>
+                  <a:pt x="363062" y="584009"/>
+                </a:cubicBezTo>
+                <a:cubicBezTo>
+                  <a:pt x="346311" y="599643"/>
+                  <a:pt x="340356" y="598526"/>
+                  <a:pt x="334772" y="578426"/>
+                </a:cubicBezTo>
+                <a:cubicBezTo>
+                  <a:pt x="327327" y="551253"/>
+                  <a:pt x="310577" y="532269"/>
+                  <a:pt x="281915" y="522219"/>
+                </a:cubicBezTo>
+                <a:cubicBezTo>
+                  <a:pt x="275960" y="519985"/>
+                  <a:pt x="269632" y="517007"/>
+                  <a:pt x="263304" y="521846"/>
+                </a:cubicBezTo>
+                <a:cubicBezTo>
+                  <a:pt x="256604" y="527430"/>
+                  <a:pt x="261070" y="533013"/>
+                  <a:pt x="263676" y="538225"/>
+                </a:cubicBezTo>
+                <a:cubicBezTo>
+                  <a:pt x="267398" y="546414"/>
+                  <a:pt x="271865" y="554603"/>
+                  <a:pt x="275215" y="563164"/>
+                </a:cubicBezTo>
+                <a:cubicBezTo>
+                  <a:pt x="281171" y="576937"/>
+                  <a:pt x="282288" y="591454"/>
+                  <a:pt x="271121" y="604854"/>
+                </a:cubicBezTo>
+                <a:cubicBezTo>
+                  <a:pt x="262931" y="614532"/>
+                  <a:pt x="263676" y="620860"/>
+                  <a:pt x="274471" y="627560"/>
+                </a:cubicBezTo>
+                <a:cubicBezTo>
+                  <a:pt x="309088" y="648405"/>
+                  <a:pt x="331050" y="675578"/>
+                  <a:pt x="319138" y="718012"/>
+                </a:cubicBezTo>
+                <a:cubicBezTo>
+                  <a:pt x="317277" y="723968"/>
+                  <a:pt x="319511" y="729924"/>
+                  <a:pt x="326583" y="729551"/>
+                </a:cubicBezTo>
+                <a:cubicBezTo>
+                  <a:pt x="342217" y="728435"/>
+                  <a:pt x="344822" y="738113"/>
+                  <a:pt x="349289" y="748163"/>
+                </a:cubicBezTo>
+                <a:cubicBezTo>
+                  <a:pt x="392840" y="844571"/>
+                  <a:pt x="455747" y="928695"/>
+                  <a:pt x="528332" y="1007608"/>
+                </a:cubicBezTo>
+                <a:cubicBezTo>
+                  <a:pt x="600173" y="1085777"/>
+                  <a:pt x="680947" y="1155756"/>
+                  <a:pt x="766932" y="1222758"/>
+                </a:cubicBezTo>
+                <a:cubicBezTo>
+                  <a:pt x="742737" y="1220524"/>
+                  <a:pt x="711470" y="1206752"/>
+                  <a:pt x="681319" y="1190746"/>
+                </a:cubicBezTo>
+                <a:cubicBezTo>
+                  <a:pt x="601662" y="1147939"/>
+                  <a:pt x="536149" y="1089871"/>
+                  <a:pt x="469520" y="1032920"/>
+                </a:cubicBezTo>
+                <a:cubicBezTo>
+                  <a:pt x="422991" y="993091"/>
+                  <a:pt x="377579" y="952146"/>
+                  <a:pt x="325466" y="917900"/>
+                </a:cubicBezTo>
+                <a:cubicBezTo>
+                  <a:pt x="319511" y="914178"/>
+                  <a:pt x="315416" y="909339"/>
+                  <a:pt x="312066" y="903383"/>
+                </a:cubicBezTo>
+                <a:cubicBezTo>
+                  <a:pt x="309088" y="898172"/>
+                  <a:pt x="304621" y="893333"/>
+                  <a:pt x="296805" y="895566"/>
+                </a:cubicBezTo>
+                <a:cubicBezTo>
+                  <a:pt x="288988" y="898172"/>
+                  <a:pt x="288243" y="904872"/>
+                  <a:pt x="288243" y="910828"/>
+                </a:cubicBezTo>
+                <a:cubicBezTo>
+                  <a:pt x="289360" y="933162"/>
+                  <a:pt x="295688" y="953262"/>
+                  <a:pt x="309460" y="971129"/>
+                </a:cubicBezTo>
+                <a:cubicBezTo>
+                  <a:pt x="336261" y="1006864"/>
+                  <a:pt x="371995" y="1034781"/>
+                  <a:pt x="407729" y="1062698"/>
+                </a:cubicBezTo>
+                <a:cubicBezTo>
+                  <a:pt x="457236" y="1101038"/>
+                  <a:pt x="503021" y="1142728"/>
+                  <a:pt x="544338" y="1189257"/>
+                </a:cubicBezTo>
+                <a:cubicBezTo>
+                  <a:pt x="514560" y="1166551"/>
+                  <a:pt x="484781" y="1143472"/>
+                  <a:pt x="454630" y="1120766"/>
+                </a:cubicBezTo>
+                <a:cubicBezTo>
+                  <a:pt x="431924" y="1103644"/>
+                  <a:pt x="408474" y="1087265"/>
+                  <a:pt x="385396" y="1070515"/>
+                </a:cubicBezTo>
+                <a:cubicBezTo>
+                  <a:pt x="379812" y="1066421"/>
+                  <a:pt x="373856" y="1061954"/>
+                  <a:pt x="366040" y="1067537"/>
+                </a:cubicBezTo>
+                <a:cubicBezTo>
+                  <a:pt x="358967" y="1072376"/>
+                  <a:pt x="360084" y="1079449"/>
+                  <a:pt x="361573" y="1086149"/>
+                </a:cubicBezTo>
+                <a:cubicBezTo>
+                  <a:pt x="367156" y="1112577"/>
+                  <a:pt x="382790" y="1133794"/>
+                  <a:pt x="402146" y="1152778"/>
+                </a:cubicBezTo>
+                <a:cubicBezTo>
+                  <a:pt x="425596" y="1175484"/>
+                  <a:pt x="450164" y="1197074"/>
+                  <a:pt x="475475" y="1218663"/>
+                </a:cubicBezTo>
+                <a:cubicBezTo>
+                  <a:pt x="448303" y="1212707"/>
+                  <a:pt x="421130" y="1206752"/>
+                  <a:pt x="393957" y="1201913"/>
+                </a:cubicBezTo>
+                <a:cubicBezTo>
+                  <a:pt x="406240" y="1245091"/>
+                  <a:pt x="434902" y="1253653"/>
+                  <a:pt x="460586" y="1260353"/>
+                </a:cubicBezTo>
+                <a:cubicBezTo>
+                  <a:pt x="495204" y="1268914"/>
+                  <a:pt x="528332" y="1279709"/>
+                  <a:pt x="561089" y="1291993"/>
+                </a:cubicBezTo>
+                <a:cubicBezTo>
+                  <a:pt x="574861" y="1304276"/>
+                  <a:pt x="588634" y="1316188"/>
+                  <a:pt x="602034" y="1328843"/>
+                </a:cubicBezTo>
+                <a:cubicBezTo>
+                  <a:pt x="615807" y="1341872"/>
+                  <a:pt x="628835" y="1354900"/>
+                  <a:pt x="641863" y="1368672"/>
+                </a:cubicBezTo>
+                <a:cubicBezTo>
+                  <a:pt x="651169" y="1378722"/>
+                  <a:pt x="662335" y="1387284"/>
+                  <a:pt x="651541" y="1404406"/>
+                </a:cubicBezTo>
+                <a:cubicBezTo>
+                  <a:pt x="646702" y="1412223"/>
+                  <a:pt x="678341" y="1454658"/>
+                  <a:pt x="688392" y="1457263"/>
+                </a:cubicBezTo>
+                <a:cubicBezTo>
+                  <a:pt x="689881" y="1457635"/>
+                  <a:pt x="691369" y="1458008"/>
+                  <a:pt x="692486" y="1458008"/>
+                </a:cubicBezTo>
+                <a:cubicBezTo>
+                  <a:pt x="714076" y="1456519"/>
+                  <a:pt x="718915" y="1469175"/>
+                  <a:pt x="719287" y="1485181"/>
+                </a:cubicBezTo>
+                <a:cubicBezTo>
+                  <a:pt x="719659" y="1500814"/>
+                  <a:pt x="715937" y="1520170"/>
+                  <a:pt x="745343" y="1512353"/>
+                </a:cubicBezTo>
+                <a:cubicBezTo>
+                  <a:pt x="748693" y="1511609"/>
+                  <a:pt x="749438" y="1513842"/>
+                  <a:pt x="750926" y="1516448"/>
+                </a:cubicBezTo>
+                <a:cubicBezTo>
+                  <a:pt x="782938" y="1583077"/>
+                  <a:pt x="836912" y="1634445"/>
+                  <a:pt x="890141" y="1685813"/>
+                </a:cubicBezTo>
+                <a:cubicBezTo>
+                  <a:pt x="893119" y="1688419"/>
+                  <a:pt x="896097" y="1691024"/>
+                  <a:pt x="899074" y="1693630"/>
+                </a:cubicBezTo>
+                <a:cubicBezTo>
+                  <a:pt x="843240" y="1680602"/>
+                  <a:pt x="658985" y="1663851"/>
+                  <a:pt x="605012" y="1669435"/>
+                </a:cubicBezTo>
+                <a:cubicBezTo>
+                  <a:pt x="556994" y="1674274"/>
+                  <a:pt x="285638" y="1593128"/>
+                  <a:pt x="229431" y="1545110"/>
+                </a:cubicBezTo>
+                <a:cubicBezTo>
+                  <a:pt x="221614" y="1582705"/>
+                  <a:pt x="238364" y="1597594"/>
+                  <a:pt x="251765" y="1614717"/>
+                </a:cubicBezTo>
+                <a:cubicBezTo>
+                  <a:pt x="270748" y="1638912"/>
+                  <a:pt x="273726" y="1656035"/>
+                  <a:pt x="237992" y="1675391"/>
+                </a:cubicBezTo>
+                <a:cubicBezTo>
+                  <a:pt x="135628" y="1730481"/>
+                  <a:pt x="136745" y="1732342"/>
+                  <a:pt x="232781" y="1807160"/>
+                </a:cubicBezTo>
+                <a:cubicBezTo>
+                  <a:pt x="237248" y="1810511"/>
+                  <a:pt x="235014" y="1821305"/>
+                  <a:pt x="236131" y="1828750"/>
+                </a:cubicBezTo>
+                <a:cubicBezTo>
+                  <a:pt x="211191" y="1839917"/>
+                  <a:pt x="181785" y="1810883"/>
+                  <a:pt x="152007" y="1842150"/>
+                </a:cubicBezTo>
+                <a:cubicBezTo>
+                  <a:pt x="280426" y="1979503"/>
+                  <a:pt x="475848" y="2110157"/>
+                  <a:pt x="653030" y="2213265"/>
+                </a:cubicBezTo>
+                <a:cubicBezTo>
+                  <a:pt x="509721" y="2247138"/>
+                  <a:pt x="423735" y="2128024"/>
+                  <a:pt x="318394" y="2143285"/>
+                </a:cubicBezTo>
+                <a:cubicBezTo>
+                  <a:pt x="265909" y="2180508"/>
+                  <a:pt x="422246" y="2240810"/>
+                  <a:pt x="272982" y="2258305"/>
+                </a:cubicBezTo>
+                <a:cubicBezTo>
+                  <a:pt x="337750" y="2291061"/>
+                  <a:pt x="385768" y="2323073"/>
+                  <a:pt x="430435" y="2360668"/>
+                </a:cubicBezTo>
+                <a:cubicBezTo>
+                  <a:pt x="509721" y="2428042"/>
+                  <a:pt x="525354" y="2472710"/>
+                  <a:pt x="488876" y="2563162"/>
+                </a:cubicBezTo>
+                <a:cubicBezTo>
+                  <a:pt x="464681" y="2622719"/>
+                  <a:pt x="429691" y="2677437"/>
+                  <a:pt x="460586" y="2748533"/>
+                </a:cubicBezTo>
+                <a:cubicBezTo>
+                  <a:pt x="481803" y="2797295"/>
+                  <a:pt x="473614" y="2829307"/>
+                  <a:pt x="393212" y="2807345"/>
+                </a:cubicBezTo>
+                <a:cubicBezTo>
+                  <a:pt x="306483" y="2783895"/>
+                  <a:pt x="273726" y="2827818"/>
+                  <a:pt x="295688" y="2913059"/>
+                </a:cubicBezTo>
+                <a:cubicBezTo>
+                  <a:pt x="309833" y="2967777"/>
+                  <a:pt x="294943" y="2984900"/>
+                  <a:pt x="235386" y="2978572"/>
+                </a:cubicBezTo>
+                <a:cubicBezTo>
+                  <a:pt x="169501" y="2971499"/>
+                  <a:pt x="106967" y="2935765"/>
+                  <a:pt x="25448" y="2952888"/>
+                </a:cubicBezTo>
+                <a:cubicBezTo>
+                  <a:pt x="90588" y="3052646"/>
+                  <a:pt x="229803" y="3024356"/>
+                  <a:pt x="305738" y="3119275"/>
+                </a:cubicBezTo>
+                <a:cubicBezTo>
+                  <a:pt x="215286" y="3119647"/>
+                  <a:pt x="146051" y="3119275"/>
+                  <a:pt x="79049" y="3098430"/>
+                </a:cubicBezTo>
+                <a:cubicBezTo>
+                  <a:pt x="51132" y="3089869"/>
+                  <a:pt x="20609" y="3081308"/>
+                  <a:pt x="4975" y="3109969"/>
+                </a:cubicBezTo>
+                <a:cubicBezTo>
+                  <a:pt x="-13636" y="3144587"/>
+                  <a:pt x="24331" y="3157615"/>
+                  <a:pt x="47037" y="3163943"/>
+                </a:cubicBezTo>
+                <a:cubicBezTo>
+                  <a:pt x="111061" y="3181438"/>
+                  <a:pt x="160196" y="3222755"/>
+                  <a:pt x="213425" y="3255139"/>
+                </a:cubicBezTo>
+                <a:cubicBezTo>
+                  <a:pt x="329933" y="3326236"/>
+                  <a:pt x="457981" y="3385420"/>
+                  <a:pt x="556622" y="3502301"/>
+                </a:cubicBezTo>
+                <a:cubicBezTo>
+                  <a:pt x="432669" y="3472523"/>
+                  <a:pt x="339983" y="3402915"/>
+                  <a:pt x="224592" y="3388771"/>
+                </a:cubicBezTo>
+                <a:cubicBezTo>
+                  <a:pt x="324722" y="3495601"/>
+                  <a:pt x="453142" y="3565208"/>
+                  <a:pt x="574861" y="3643004"/>
+                </a:cubicBezTo>
+                <a:cubicBezTo>
+                  <a:pt x="609479" y="3664966"/>
+                  <a:pt x="644841" y="3679855"/>
+                  <a:pt x="652657" y="3727501"/>
+                </a:cubicBezTo>
+                <a:cubicBezTo>
+                  <a:pt x="667919" y="3819814"/>
+                  <a:pt x="712959" y="3896494"/>
+                  <a:pt x="810111" y="3937067"/>
+                </a:cubicBezTo>
+                <a:cubicBezTo>
+                  <a:pt x="810856" y="3937439"/>
+                  <a:pt x="805644" y="3951212"/>
+                  <a:pt x="802294" y="3960890"/>
+                </a:cubicBezTo>
+                <a:cubicBezTo>
+                  <a:pt x="743110" y="3963868"/>
+                  <a:pt x="696581" y="3909149"/>
+                  <a:pt x="620646" y="3927017"/>
+                </a:cubicBezTo>
+                <a:cubicBezTo>
+                  <a:pt x="692858" y="4001091"/>
+                  <a:pt x="753532" y="4067720"/>
+                  <a:pt x="856268" y="4103082"/>
+                </a:cubicBezTo>
+                <a:cubicBezTo>
+                  <a:pt x="938531" y="4131372"/>
+                  <a:pt x="1040150" y="4147377"/>
+                  <a:pt x="1099707" y="4238574"/>
+                </a:cubicBezTo>
+                <a:cubicBezTo>
+                  <a:pt x="1030472" y="4256441"/>
+                  <a:pt x="978732" y="4234107"/>
+                  <a:pt x="926992" y="4218102"/>
+                </a:cubicBezTo>
+                <a:cubicBezTo>
+                  <a:pt x="847334" y="4193534"/>
+                  <a:pt x="769166" y="4165617"/>
+                  <a:pt x="689508" y="4140677"/>
+                </a:cubicBezTo>
+                <a:cubicBezTo>
+                  <a:pt x="659358" y="4131372"/>
+                  <a:pt x="626229" y="4124299"/>
+                  <a:pt x="606873" y="4169711"/>
+                </a:cubicBezTo>
+                <a:cubicBezTo>
+                  <a:pt x="707748" y="4179389"/>
+                  <a:pt x="768421" y="4240435"/>
+                  <a:pt x="831701" y="4297759"/>
+                </a:cubicBezTo>
+                <a:cubicBezTo>
+                  <a:pt x="867435" y="4330143"/>
+                  <a:pt x="896469" y="4373322"/>
+                  <a:pt x="960493" y="4356944"/>
+                </a:cubicBezTo>
+                <a:cubicBezTo>
+                  <a:pt x="994366" y="4348382"/>
+                  <a:pt x="1015955" y="4372578"/>
+                  <a:pt x="1012233" y="4402356"/>
+                </a:cubicBezTo>
+                <a:cubicBezTo>
+                  <a:pt x="999577" y="4507325"/>
+                  <a:pt x="1078118" y="4544176"/>
+                  <a:pt x="1159636" y="4564276"/>
+                </a:cubicBezTo>
+                <a:cubicBezTo>
+                  <a:pt x="1313740" y="4602616"/>
+                  <a:pt x="1442160" y="4692324"/>
+                  <a:pt x="1592169" y="4741458"/>
+                </a:cubicBezTo>
+                <a:cubicBezTo>
+                  <a:pt x="1738083" y="4789104"/>
+                  <a:pt x="2833187" y="5010209"/>
+                  <a:pt x="3110499" y="5032171"/>
+                </a:cubicBezTo>
+                <a:cubicBezTo>
+                  <a:pt x="4807501" y="5166546"/>
+                  <a:pt x="6028047" y="4106432"/>
+                  <a:pt x="6033630" y="4091915"/>
+                </a:cubicBezTo>
+                <a:cubicBezTo>
+                  <a:pt x="6059314" y="4023797"/>
+                  <a:pt x="6122965" y="3994390"/>
+                  <a:pt x="6180661" y="3957912"/>
+                </a:cubicBezTo>
+                <a:cubicBezTo>
+                  <a:pt x="6230913" y="3925900"/>
+                  <a:pt x="6284514" y="3892027"/>
+                  <a:pt x="6305359" y="3837309"/>
+                </a:cubicBezTo>
+                <a:cubicBezTo>
+                  <a:pt x="6332904" y="3764724"/>
+                  <a:pt x="6254735" y="3824281"/>
+                  <a:pt x="6240218" y="3796364"/>
+                </a:cubicBezTo>
+                <a:cubicBezTo>
+                  <a:pt x="6269997" y="3758768"/>
+                  <a:pt x="6316153" y="3724151"/>
+                  <a:pt x="6328437" y="3681344"/>
+                </a:cubicBezTo>
+                <a:cubicBezTo>
+                  <a:pt x="6372361" y="3526496"/>
+                  <a:pt x="6466907" y="3413710"/>
+                  <a:pt x="6608355" y="3326236"/>
+                </a:cubicBezTo>
+                <a:cubicBezTo>
+                  <a:pt x="6648928" y="3300924"/>
+                  <a:pt x="6675729" y="3255512"/>
+                  <a:pt x="6731191" y="3248067"/>
+                </a:cubicBezTo>
+                <a:cubicBezTo>
+                  <a:pt x="6854400" y="3232061"/>
+                  <a:pt x="6815315" y="3106992"/>
+                  <a:pt x="6880456" y="3051529"/>
+                </a:cubicBezTo>
+                <a:cubicBezTo>
+                  <a:pt x="6892739" y="3041107"/>
+                  <a:pt x="6903907" y="2777939"/>
+                  <a:pt x="6901673" y="2763795"/>
+                </a:cubicBezTo>
+                <a:cubicBezTo>
+                  <a:pt x="6898323" y="2743322"/>
+                  <a:pt x="6883806" y="2966288"/>
+                  <a:pt x="6871150" y="2948421"/>
+                </a:cubicBezTo>
+                <a:cubicBezTo>
+                  <a:pt x="6858494" y="2930182"/>
+                  <a:pt x="6839138" y="2914176"/>
+                  <a:pt x="6848444" y="2890353"/>
+                </a:cubicBezTo>
+                <a:cubicBezTo>
+                  <a:pt x="6852166" y="2880303"/>
+                  <a:pt x="6849561" y="2846058"/>
+                  <a:pt x="6878223" y="2873230"/>
+                </a:cubicBezTo>
+                <a:cubicBezTo>
+                  <a:pt x="6956763" y="2946932"/>
+                  <a:pt x="6870778" y="2578051"/>
+                  <a:pt x="6762459" y="2568745"/>
+                </a:cubicBezTo>
+                <a:cubicBezTo>
+                  <a:pt x="6801915" y="2465637"/>
+                  <a:pt x="6801915" y="2465637"/>
+                  <a:pt x="6673123" y="2451493"/>
+                </a:cubicBezTo>
+                <a:cubicBezTo>
+                  <a:pt x="6722630" y="2385980"/>
+                  <a:pt x="6722630" y="2369229"/>
+                  <a:pt x="6662700" y="2346896"/>
+                </a:cubicBezTo>
+                <a:cubicBezTo>
+                  <a:pt x="6605005" y="2325306"/>
+                  <a:pt x="6540981" y="2318234"/>
+                  <a:pt x="6487752" y="2285105"/>
+                </a:cubicBezTo>
+                <a:cubicBezTo>
+                  <a:pt x="6536887" y="2201353"/>
+                  <a:pt x="6550659" y="2104573"/>
+                  <a:pt x="6652278" y="2063628"/>
+                </a:cubicBezTo>
+                <a:cubicBezTo>
+                  <a:pt x="6668284" y="2057300"/>
+                  <a:pt x="6679079" y="2031988"/>
+                  <a:pt x="6668656" y="2017843"/>
+                </a:cubicBezTo>
+                <a:cubicBezTo>
+                  <a:pt x="6631805" y="1965359"/>
+                  <a:pt x="6684662" y="1864856"/>
+                  <a:pt x="6570015" y="1854062"/>
+                </a:cubicBezTo>
+                <a:cubicBezTo>
+                  <a:pt x="6555870" y="1852573"/>
+                  <a:pt x="6542842" y="1842150"/>
+                  <a:pt x="6554009" y="1827633"/>
+                </a:cubicBezTo>
+                <a:cubicBezTo>
+                  <a:pt x="6592349" y="1778126"/>
+                  <a:pt x="6545820" y="1781476"/>
+                  <a:pt x="6517531" y="1775149"/>
+                </a:cubicBezTo>
+                <a:cubicBezTo>
+                  <a:pt x="6483285" y="1767704"/>
+                  <a:pt x="6444573" y="1789293"/>
+                  <a:pt x="6412934" y="1762493"/>
+                </a:cubicBezTo>
+                <a:cubicBezTo>
+                  <a:pt x="6420378" y="1734203"/>
+                  <a:pt x="6447923" y="1734575"/>
+                  <a:pt x="6467279" y="1725642"/>
+                </a:cubicBezTo>
+                <a:cubicBezTo>
+                  <a:pt x="6523858" y="1699213"/>
+                  <a:pt x="6570015" y="1667946"/>
+                  <a:pt x="6572621" y="1600200"/>
+                </a:cubicBezTo>
+                <a:cubicBezTo>
+                  <a:pt x="6574854" y="1545482"/>
+                  <a:pt x="6580810" y="1497092"/>
+                  <a:pt x="6502641" y="1480341"/>
+                </a:cubicBezTo>
+                <a:cubicBezTo>
+                  <a:pt x="6490358" y="1477736"/>
+                  <a:pt x="6484030" y="1470664"/>
+                  <a:pt x="6481796" y="1461358"/>
+                </a:cubicBezTo>
+                <a:cubicBezTo>
+                  <a:pt x="6490730" y="1452424"/>
+                  <a:pt x="6499291" y="1443118"/>
+                  <a:pt x="6509713" y="1436418"/>
+                </a:cubicBezTo>
+                <a:cubicBezTo>
+                  <a:pt x="6544703" y="1414457"/>
+                  <a:pt x="6556615" y="1382072"/>
+                  <a:pt x="6567037" y="1348199"/>
+                </a:cubicBezTo>
+                <a:cubicBezTo>
+                  <a:pt x="6573737" y="1326610"/>
+                  <a:pt x="6581554" y="1305393"/>
+                  <a:pt x="6596816" y="1286781"/>
+                </a:cubicBezTo>
+                <a:cubicBezTo>
+                  <a:pt x="6606122" y="1275242"/>
+                  <a:pt x="6617661" y="1266681"/>
+                  <a:pt x="6632178" y="1261842"/>
+                </a:cubicBezTo>
+                <a:cubicBezTo>
+                  <a:pt x="6644833" y="1257375"/>
+                  <a:pt x="6648556" y="1251419"/>
+                  <a:pt x="6639994" y="1240625"/>
+                </a:cubicBezTo>
+                <a:cubicBezTo>
+                  <a:pt x="6615799" y="1209729"/>
+                  <a:pt x="6606122" y="1175856"/>
+                  <a:pt x="6622127" y="1136400"/>
+                </a:cubicBezTo>
+                <a:cubicBezTo>
+                  <a:pt x="6626967" y="1124489"/>
+                  <a:pt x="6623617" y="1114066"/>
+                  <a:pt x="6612077" y="1109599"/>
+                </a:cubicBezTo>
+                <a:cubicBezTo>
+                  <a:pt x="6564059" y="1090616"/>
+                  <a:pt x="6552148" y="1046692"/>
+                  <a:pt x="6531675" y="1009469"/>
+                </a:cubicBezTo>
+                <a:cubicBezTo>
+                  <a:pt x="6502641" y="956612"/>
+                  <a:pt x="6476213" y="902639"/>
+                  <a:pt x="6456113" y="845315"/>
+                </a:cubicBezTo>
+                <a:cubicBezTo>
+                  <a:pt x="6444201" y="811070"/>
+                  <a:pt x="6432662" y="777197"/>
+                  <a:pt x="6440851" y="739229"/>
+                </a:cubicBezTo>
+                <a:cubicBezTo>
+                  <a:pt x="6442712" y="729924"/>
+                  <a:pt x="6439362" y="722107"/>
+                  <a:pt x="6434523" y="715034"/>
+                </a:cubicBezTo>
+                <a:cubicBezTo>
+                  <a:pt x="6414050" y="684139"/>
+                  <a:pt x="6416656" y="651383"/>
+                  <a:pt x="6432290" y="617510"/>
+                </a:cubicBezTo>
+                <a:cubicBezTo>
+                  <a:pt x="6441968" y="597037"/>
+                  <a:pt x="6440851" y="594431"/>
+                  <a:pt x="6416284" y="595176"/>
+                </a:cubicBezTo>
+                <a:cubicBezTo>
+                  <a:pt x="6366405" y="596293"/>
+                  <a:pt x="6316898" y="598154"/>
+                  <a:pt x="6267763" y="591826"/>
+                </a:cubicBezTo>
+                <a:cubicBezTo>
+                  <a:pt x="6212673" y="584753"/>
+                  <a:pt x="6194806" y="568375"/>
+                  <a:pt x="6236496" y="521102"/>
+                </a:cubicBezTo>
+                <a:cubicBezTo>
+                  <a:pt x="6245430" y="511052"/>
+                  <a:pt x="6253246" y="499885"/>
+                  <a:pt x="6257341" y="487229"/>
+                </a:cubicBezTo>
+                <a:cubicBezTo>
+                  <a:pt x="6260319" y="477179"/>
+                  <a:pt x="6257713" y="470106"/>
+                  <a:pt x="6248780" y="465267"/>
+                </a:cubicBezTo>
+                <a:cubicBezTo>
+                  <a:pt x="6238357" y="459312"/>
+                  <a:pt x="6232774" y="467501"/>
+                  <a:pt x="6226818" y="473456"/>
+                </a:cubicBezTo>
+                <a:cubicBezTo>
+                  <a:pt x="6194434" y="505468"/>
+                  <a:pt x="6153861" y="527430"/>
+                  <a:pt x="6115149" y="551625"/>
+                </a:cubicBezTo>
+                <a:cubicBezTo>
+                  <a:pt x="6059686" y="586615"/>
+                  <a:pt x="6001246" y="617510"/>
+                  <a:pt x="5951739" y="659944"/>
+                </a:cubicBezTo>
+                <a:cubicBezTo>
+                  <a:pt x="5939084" y="670739"/>
+                  <a:pt x="5918611" y="662550"/>
+                  <a:pt x="5917122" y="644310"/>
+                </a:cubicBezTo>
+                <a:cubicBezTo>
+                  <a:pt x="5915633" y="626071"/>
+                  <a:pt x="5905583" y="626071"/>
+                  <a:pt x="5890694" y="630538"/>
+                </a:cubicBezTo>
+                <a:cubicBezTo>
+                  <a:pt x="5872826" y="635749"/>
+                  <a:pt x="5854959" y="640960"/>
+                  <a:pt x="5837464" y="646916"/>
+                </a:cubicBezTo>
+                <a:cubicBezTo>
+                  <a:pt x="5819225" y="653244"/>
+                  <a:pt x="5811036" y="666644"/>
+                  <a:pt x="5809175" y="683395"/>
+                </a:cubicBezTo>
+                <a:cubicBezTo>
+                  <a:pt x="5808430" y="689723"/>
+                  <a:pt x="5808803" y="697539"/>
+                  <a:pt x="5815503" y="698656"/>
+                </a:cubicBezTo>
+                <a:cubicBezTo>
+                  <a:pt x="5843048" y="703495"/>
+                  <a:pt x="5755201" y="682278"/>
+                  <a:pt x="5746268" y="667389"/>
+                </a:cubicBezTo>
+                <a:cubicBezTo>
+                  <a:pt x="5745896" y="666644"/>
+                  <a:pt x="5525907" y="720246"/>
+                  <a:pt x="5458905" y="754119"/>
+                </a:cubicBezTo>
+                <a:close/>
+                <a:moveTo>
+                  <a:pt x="885302" y="1333310"/>
+                </a:moveTo>
+                <a:cubicBezTo>
+                  <a:pt x="877857" y="1326982"/>
+                  <a:pt x="870040" y="1321027"/>
+                  <a:pt x="862596" y="1314326"/>
+                </a:cubicBezTo>
+                <a:cubicBezTo>
+                  <a:pt x="863712" y="1312837"/>
+                  <a:pt x="865201" y="1311349"/>
+                  <a:pt x="866318" y="1309860"/>
+                </a:cubicBezTo>
+                <a:cubicBezTo>
+                  <a:pt x="881580" y="1320282"/>
+                  <a:pt x="896841" y="1330705"/>
+                  <a:pt x="912103" y="1341127"/>
+                </a:cubicBezTo>
+                <a:cubicBezTo>
+                  <a:pt x="903541" y="1338522"/>
+                  <a:pt x="894235" y="1335916"/>
+                  <a:pt x="885302" y="1333310"/>
+                </a:cubicBezTo>
+                <a:close/>
+                <a:moveTo>
+                  <a:pt x="1140280" y="787619"/>
+                </a:moveTo>
+                <a:cubicBezTo>
+                  <a:pt x="1231849" y="850154"/>
+                  <a:pt x="1323418" y="913061"/>
+                  <a:pt x="1414987" y="975596"/>
+                </a:cubicBezTo>
+                <a:cubicBezTo>
+                  <a:pt x="1413498" y="977085"/>
+                  <a:pt x="1412381" y="978574"/>
+                  <a:pt x="1410892" y="980063"/>
+                </a:cubicBezTo>
+                <a:cubicBezTo>
+                  <a:pt x="1310390" y="927206"/>
+                  <a:pt x="1215471" y="868394"/>
+                  <a:pt x="1140280" y="787619"/>
+                </a:cubicBezTo>
+                <a:close/>
+              </a:path>
+            </a:pathLst>
+          </a:custGeom>
+          <a:solidFill>
+            <a:schemeClr val="dk1">
+              <a:alpha val="88627"/>
+            </a:schemeClr>
+          </a:solidFill>
+          <a:ln>
+            <a:noFill/>
+          </a:ln>
+        </p:spPr>
+        <p:txBody>
+          <a:bodyPr anchorCtr="0" anchor="ctr" bIns="45700" lIns="91425" spcFirstLastPara="1" rIns="91425" wrap="square" tIns="45700">
+            <a:noAutofit/>
+          </a:bodyPr>
+          <a:lstStyle/>
+          <a:p>
+            <a:pPr indent="0" lvl="0" marL="0" marR="0" rtl="0" algn="l">
+              <a:spcBef>
+                <a:spcPts val="0"/>
+              </a:spcBef>
+              <a:spcAft>
+                <a:spcPts val="0"/>
+              </a:spcAft>
+              <a:buNone/>
+            </a:pPr>
+            <a:r>
+              <a:t/>
+            </a:r>
+            <a:endParaRPr sz="1800">
+              <a:solidFill>
+                <a:schemeClr val="lt1"/>
+              </a:solidFill>
+              <a:latin typeface="Century Gothic"/>
+              <a:ea typeface="Century Gothic"/>
+              <a:cs typeface="Century Gothic"/>
+              <a:sym typeface="Century Gothic"/>
+            </a:endParaRPr>
+          </a:p>
+        </p:txBody>
+      </p:sp>
+      <p:sp>
+        <p:nvSpPr>
+          <p:cNvPr id="119" name="Google Shape;119;p1"/>
+          <p:cNvSpPr txBox="1"/>
+          <p:nvPr>
+            <p:ph type="ctrTitle"/>
+          </p:nvPr>
+        </p:nvSpPr>
+        <p:spPr>
+          <a:xfrm>
+            <a:off x="3323949" y="979103"/>
+            <a:ext cx="5541054" cy="2213621"/>
+          </a:xfrm>
+          <a:prstGeom prst="rect">
+            <a:avLst/>
+          </a:prstGeom>
+          <a:noFill/>
+          <a:ln>
+            <a:noFill/>
+          </a:ln>
+        </p:spPr>
+        <p:txBody>
+          <a:bodyPr anchorCtr="0" anchor="b" bIns="45700" lIns="91425" spcFirstLastPara="1" rIns="91425" wrap="square" tIns="45700">
+            <a:normAutofit/>
+          </a:bodyPr>
+          <a:lstStyle/>
+          <a:p>
+            <a:pPr indent="0" lvl="0" marL="0" rtl="0" algn="ctr">
+              <a:lnSpc>
+                <a:spcPct val="90000"/>
+              </a:lnSpc>
+              <a:spcBef>
+                <a:spcPts val="0"/>
+              </a:spcBef>
+              <a:spcAft>
+                <a:spcPts val="0"/>
+              </a:spcAft>
+              <a:buClr>
+                <a:schemeClr val="lt1"/>
+              </a:buClr>
+              <a:buSzPts val="4800"/>
+              <a:buFont typeface="Abril Fatface"/>
+              <a:buNone/>
+            </a:pPr>
+            <a:r>
+              <a:rPr lang="en-US"/>
+              <a:t>Tutorial 6</a:t>
+            </a:r>
+            <a:endParaRPr/>
+          </a:p>
+        </p:txBody>
+      </p:sp>
+      <p:sp>
+        <p:nvSpPr>
+          <p:cNvPr id="120" name="Google Shape;120;p1"/>
+          <p:cNvSpPr txBox="1"/>
+          <p:nvPr>
+            <p:ph idx="1" type="subTitle"/>
+          </p:nvPr>
+        </p:nvSpPr>
+        <p:spPr>
+          <a:xfrm>
+            <a:off x="3880419" y="4300833"/>
+            <a:ext cx="4431162" cy="1191873"/>
+          </a:xfrm>
+          <a:prstGeom prst="rect">
+            <a:avLst/>
+          </a:prstGeom>
+          <a:noFill/>
+          <a:ln>
+            <a:noFill/>
+          </a:ln>
+        </p:spPr>
+        <p:txBody>
+          <a:bodyPr anchorCtr="0" anchor="t" bIns="45700" lIns="91425" spcFirstLastPara="1" rIns="91425" wrap="square" tIns="45700">
+            <a:normAutofit/>
+          </a:bodyPr>
+          <a:lstStyle/>
+          <a:p>
+            <a:pPr indent="0" lvl="0" marL="0" rtl="0" algn="ctr">
+              <a:lnSpc>
+                <a:spcPct val="100000"/>
+              </a:lnSpc>
+              <a:spcBef>
+                <a:spcPts val="0"/>
+              </a:spcBef>
+              <a:spcAft>
+                <a:spcPts val="0"/>
+              </a:spcAft>
+              <a:buClr>
+                <a:schemeClr val="lt1"/>
+              </a:buClr>
+              <a:buSzPts val="2400"/>
+              <a:buNone/>
+            </a:pPr>
+            <a:r>
+              <a:rPr lang="en-US"/>
+              <a:t>MORE DETAILS ABOUT API</a:t>
+            </a:r>
+            <a:r>
+              <a:rPr lang="en-US" sz="1800"/>
+              <a:t>S</a:t>
+            </a:r>
+            <a:endParaRPr/>
+          </a:p>
+        </p:txBody>
+      </p:sp>
+    </p:spTree>
+  </p:cSld>
+  <p:clrMapOvr>
+    <a:masterClrMapping/>
+  </p:clrMapOvr>
+</p:sld>
+</file>
+
+<file path=ppt/slides/slide3.xml><?xml version="1.0" encoding="utf-8"?>
+<p:sld xmlns:a="http://schemas.openxmlformats.org/drawingml/2006/main" xmlns:r="http://schemas.openxmlformats.org/officeDocument/2006/relationships" xmlns:mc="http://schemas.openxmlformats.org/markup-compatibility/2006" xmlns:mv="urn:schemas-microsoft-com:mac:vml" xmlns:p="http://schemas.openxmlformats.org/presentationml/2006/main" xmlns:c="http://schemas.openxmlformats.org/drawingml/2006/chart" xmlns:dgm="http://schemas.openxmlformats.org/drawingml/2006/diagram" xmlns:o="urn:schemas-microsoft-com:office:office" xmlns:v="urn:schemas-microsoft-com:vml" xmlns:pvml="urn:schemas-microsoft-com:office:powerpoint" xmlns:com="http://schemas.openxmlformats.org/drawingml/2006/compatibility" xmlns:p14="http://schemas.microsoft.com/office/powerpoint/2010/main" xmlns:p15="http://schemas.microsoft.com/office/powerpoint/2012/main" xmlns:ahyp="http://schemas.microsoft.com/office/drawing/2018/hyperlinkcolor">
+  <p:cSld>
+    <p:bg>
+      <p:bgPr>
+        <a:solidFill>
+          <a:schemeClr val="lt1"/>
+        </a:solidFill>
+      </p:bgPr>
+    </p:bg>
+    <p:spTree>
+      <p:nvGrpSpPr>
+        <p:cNvPr id="124" name="Shape 124"/>
+        <p:cNvGrpSpPr/>
+        <p:nvPr/>
+      </p:nvGrpSpPr>
+      <p:grpSpPr>
+        <a:xfrm>
+          <a:off x="0" y="0"/>
+          <a:ext cx="0" cy="0"/>
+          <a:chOff x="0" y="0"/>
+          <a:chExt cx="0" cy="0"/>
+        </a:xfrm>
+      </p:grpSpPr>
+      <p:sp>
+        <p:nvSpPr>
+          <p:cNvPr id="125" name="Google Shape;125;p2"/>
           <p:cNvSpPr/>
           <p:nvPr/>
         </p:nvSpPr>
@@ -23812,7 +24195,7 @@
       </p:sp>
       <p:sp>
         <p:nvSpPr>
-          <p:cNvPr id="120" name="Google Shape;120;p2"/>
+          <p:cNvPr id="126" name="Google Shape;126;p2"/>
           <p:cNvSpPr/>
           <p:nvPr/>
         </p:nvSpPr>
@@ -24104,7 +24487,7 @@
       </p:sp>
       <p:sp>
         <p:nvSpPr>
-          <p:cNvPr id="121" name="Google Shape;121;p2"/>
+          <p:cNvPr id="127" name="Google Shape;127;p2"/>
           <p:cNvSpPr txBox="1"/>
           <p:nvPr>
             <p:ph type="title"/>
@@ -24156,7 +24539,7 @@
       </p:sp>
       <p:sp>
         <p:nvSpPr>
-          <p:cNvPr id="122" name="Google Shape;122;p2"/>
+          <p:cNvPr id="128" name="Google Shape;128;p2"/>
           <p:cNvSpPr txBox="1"/>
           <p:nvPr>
             <p:ph idx="1" type="body"/>
@@ -24246,141 +24629,6 @@
             <a:r>
               <a:rPr lang="en-US" sz="2000"/>
               <a:t>When computers communicate with one another they must make sure that they are following the correct set of instructions(http protocol). </a:t>
-            </a:r>
-            <a:endParaRPr/>
-          </a:p>
-        </p:txBody>
-      </p:sp>
-    </p:spTree>
-  </p:cSld>
-  <p:clrMapOvr>
-    <a:masterClrMapping/>
-  </p:clrMapOvr>
-</p:sld>
-</file>
-
-<file path=ppt/slides/slide3.xml><?xml version="1.0" encoding="utf-8"?>
-<p:sld xmlns:a="http://schemas.openxmlformats.org/drawingml/2006/main" xmlns:r="http://schemas.openxmlformats.org/officeDocument/2006/relationships" xmlns:mc="http://schemas.openxmlformats.org/markup-compatibility/2006" xmlns:mv="urn:schemas-microsoft-com:mac:vml" xmlns:p="http://schemas.openxmlformats.org/presentationml/2006/main" xmlns:c="http://schemas.openxmlformats.org/drawingml/2006/chart" xmlns:dgm="http://schemas.openxmlformats.org/drawingml/2006/diagram" xmlns:o="urn:schemas-microsoft-com:office:office" xmlns:v="urn:schemas-microsoft-com:vml" xmlns:pvml="urn:schemas-microsoft-com:office:powerpoint" xmlns:com="http://schemas.openxmlformats.org/drawingml/2006/compatibility" xmlns:p14="http://schemas.microsoft.com/office/powerpoint/2010/main" xmlns:p15="http://schemas.microsoft.com/office/powerpoint/2012/main" xmlns:ahyp="http://schemas.microsoft.com/office/drawing/2018/hyperlinkcolor">
-  <p:cSld>
-    <p:spTree>
-      <p:nvGrpSpPr>
-        <p:cNvPr id="126" name="Shape 126"/>
-        <p:cNvGrpSpPr/>
-        <p:nvPr/>
-      </p:nvGrpSpPr>
-      <p:grpSpPr>
-        <a:xfrm>
-          <a:off x="0" y="0"/>
-          <a:ext cx="0" cy="0"/>
-          <a:chOff x="0" y="0"/>
-          <a:chExt cx="0" cy="0"/>
-        </a:xfrm>
-      </p:grpSpPr>
-      <p:sp>
-        <p:nvSpPr>
-          <p:cNvPr id="127" name="Google Shape;127;g7a3baecf54_0_10"/>
-          <p:cNvSpPr txBox="1"/>
-          <p:nvPr>
-            <p:ph type="title"/>
-          </p:nvPr>
-        </p:nvSpPr>
-        <p:spPr>
-          <a:xfrm>
-            <a:off x="838200" y="365125"/>
-            <a:ext cx="10515600" cy="1325700"/>
-          </a:xfrm>
-          <a:prstGeom prst="rect">
-            <a:avLst/>
-          </a:prstGeom>
-        </p:spPr>
-        <p:txBody>
-          <a:bodyPr anchorCtr="0" anchor="ctr" bIns="45700" lIns="91425" spcFirstLastPara="1" rIns="91425" wrap="square" tIns="45700">
-            <a:normAutofit/>
-          </a:bodyPr>
-          <a:lstStyle/>
-          <a:p>
-            <a:pPr indent="0" lvl="0" marL="0" rtl="0" algn="l">
-              <a:spcBef>
-                <a:spcPts val="0"/>
-              </a:spcBef>
-              <a:spcAft>
-                <a:spcPts val="0"/>
-              </a:spcAft>
-              <a:buNone/>
-            </a:pPr>
-            <a:r>
-              <a:rPr lang="en-US"/>
-              <a:t>Clients and Servers</a:t>
-            </a:r>
-            <a:endParaRPr/>
-          </a:p>
-        </p:txBody>
-      </p:sp>
-      <p:sp>
-        <p:nvSpPr>
-          <p:cNvPr id="128" name="Google Shape;128;g7a3baecf54_0_10"/>
-          <p:cNvSpPr txBox="1"/>
-          <p:nvPr>
-            <p:ph idx="1" type="body"/>
-          </p:nvPr>
-        </p:nvSpPr>
-        <p:spPr>
-          <a:xfrm>
-            <a:off x="838200" y="2011680"/>
-            <a:ext cx="10515600" cy="4160400"/>
-          </a:xfrm>
-          <a:prstGeom prst="rect">
-            <a:avLst/>
-          </a:prstGeom>
-        </p:spPr>
-        <p:txBody>
-          <a:bodyPr anchorCtr="0" anchor="t" bIns="45700" lIns="91425" spcFirstLastPara="1" rIns="91425" wrap="square" tIns="45700">
-            <a:normAutofit/>
-          </a:bodyPr>
-          <a:lstStyle/>
-          <a:p>
-            <a:pPr indent="-342900" lvl="0" marL="457200" rtl="0" algn="l">
-              <a:spcBef>
-                <a:spcPts val="1000"/>
-              </a:spcBef>
-              <a:spcAft>
-                <a:spcPts val="0"/>
-              </a:spcAft>
-              <a:buSzPts val="1800"/>
-              <a:buChar char="-"/>
-            </a:pPr>
-            <a:r>
-              <a:rPr lang="en-US"/>
-              <a:t>What is a client? Going back to our </a:t>
-            </a:r>
-            <a:r>
-              <a:rPr lang="en-US"/>
-              <a:t>restaurant</a:t>
-            </a:r>
-            <a:r>
-              <a:rPr lang="en-US"/>
-              <a:t> example, it is the customer! In other words, the client is the program that requests some information from an API. </a:t>
-            </a:r>
-            <a:endParaRPr/>
-          </a:p>
-          <a:p>
-            <a:pPr indent="-342900" lvl="0" marL="457200" rtl="0" algn="l">
-              <a:spcBef>
-                <a:spcPts val="0"/>
-              </a:spcBef>
-              <a:spcAft>
-                <a:spcPts val="0"/>
-              </a:spcAft>
-              <a:buSzPts val="1800"/>
-              <a:buChar char="-"/>
-            </a:pPr>
-            <a:r>
-              <a:rPr lang="en-US"/>
-              <a:t>What</a:t>
-            </a:r>
-            <a:r>
-              <a:rPr lang="en-US"/>
-              <a:t> is a server? A server is just a really big computer that “listens” for requests and sends out appropriate responses (or “serves” them). It contains the API, database and any other code needed. It really is just a big computer! </a:t>
             </a:r>
             <a:endParaRPr/>
           </a:p>
@@ -24413,7 +24661,142 @@
       </p:grpSpPr>
       <p:sp>
         <p:nvSpPr>
-          <p:cNvPr id="133" name="Google Shape;133;p3"/>
+          <p:cNvPr id="133" name="Google Shape;133;g7a3baecf54_0_10"/>
+          <p:cNvSpPr txBox="1"/>
+          <p:nvPr>
+            <p:ph type="title"/>
+          </p:nvPr>
+        </p:nvSpPr>
+        <p:spPr>
+          <a:xfrm>
+            <a:off x="838200" y="365125"/>
+            <a:ext cx="10515600" cy="1325700"/>
+          </a:xfrm>
+          <a:prstGeom prst="rect">
+            <a:avLst/>
+          </a:prstGeom>
+        </p:spPr>
+        <p:txBody>
+          <a:bodyPr anchorCtr="0" anchor="ctr" bIns="45700" lIns="91425" spcFirstLastPara="1" rIns="91425" wrap="square" tIns="45700">
+            <a:normAutofit/>
+          </a:bodyPr>
+          <a:lstStyle/>
+          <a:p>
+            <a:pPr indent="0" lvl="0" marL="0" rtl="0" algn="l">
+              <a:spcBef>
+                <a:spcPts val="0"/>
+              </a:spcBef>
+              <a:spcAft>
+                <a:spcPts val="0"/>
+              </a:spcAft>
+              <a:buNone/>
+            </a:pPr>
+            <a:r>
+              <a:rPr lang="en-US"/>
+              <a:t>Clients and Servers</a:t>
+            </a:r>
+            <a:endParaRPr/>
+          </a:p>
+        </p:txBody>
+      </p:sp>
+      <p:sp>
+        <p:nvSpPr>
+          <p:cNvPr id="134" name="Google Shape;134;g7a3baecf54_0_10"/>
+          <p:cNvSpPr txBox="1"/>
+          <p:nvPr>
+            <p:ph idx="1" type="body"/>
+          </p:nvPr>
+        </p:nvSpPr>
+        <p:spPr>
+          <a:xfrm>
+            <a:off x="838200" y="2011680"/>
+            <a:ext cx="10515600" cy="4160400"/>
+          </a:xfrm>
+          <a:prstGeom prst="rect">
+            <a:avLst/>
+          </a:prstGeom>
+        </p:spPr>
+        <p:txBody>
+          <a:bodyPr anchorCtr="0" anchor="t" bIns="45700" lIns="91425" spcFirstLastPara="1" rIns="91425" wrap="square" tIns="45700">
+            <a:normAutofit/>
+          </a:bodyPr>
+          <a:lstStyle/>
+          <a:p>
+            <a:pPr indent="-342900" lvl="0" marL="457200" rtl="0" algn="l">
+              <a:spcBef>
+                <a:spcPts val="1000"/>
+              </a:spcBef>
+              <a:spcAft>
+                <a:spcPts val="0"/>
+              </a:spcAft>
+              <a:buSzPts val="1800"/>
+              <a:buChar char="-"/>
+            </a:pPr>
+            <a:r>
+              <a:rPr lang="en-US"/>
+              <a:t>What is a client? Going back to our </a:t>
+            </a:r>
+            <a:r>
+              <a:rPr lang="en-US"/>
+              <a:t>restaurant</a:t>
+            </a:r>
+            <a:r>
+              <a:rPr lang="en-US"/>
+              <a:t> example, it is the customer! In other words, the client is the program that requests some information from an API. </a:t>
+            </a:r>
+            <a:endParaRPr/>
+          </a:p>
+          <a:p>
+            <a:pPr indent="-342900" lvl="0" marL="457200" rtl="0" algn="l">
+              <a:spcBef>
+                <a:spcPts val="0"/>
+              </a:spcBef>
+              <a:spcAft>
+                <a:spcPts val="0"/>
+              </a:spcAft>
+              <a:buSzPts val="1800"/>
+              <a:buChar char="-"/>
+            </a:pPr>
+            <a:r>
+              <a:rPr lang="en-US"/>
+              <a:t>What</a:t>
+            </a:r>
+            <a:r>
+              <a:rPr lang="en-US"/>
+              <a:t> is a server? A server is just a really big computer that “listens” for requests and sends out appropriate responses (or “serves” them). It contains the API, database and any other code needed. It really is just a big computer! </a:t>
+            </a:r>
+            <a:endParaRPr/>
+          </a:p>
+        </p:txBody>
+      </p:sp>
+    </p:spTree>
+  </p:cSld>
+  <p:clrMapOvr>
+    <a:masterClrMapping/>
+  </p:clrMapOvr>
+</p:sld>
+</file>
+
+<file path=ppt/slides/slide5.xml><?xml version="1.0" encoding="utf-8"?>
+<p:sld xmlns:a="http://schemas.openxmlformats.org/drawingml/2006/main" xmlns:r="http://schemas.openxmlformats.org/officeDocument/2006/relationships" xmlns:mc="http://schemas.openxmlformats.org/markup-compatibility/2006" xmlns:mv="urn:schemas-microsoft-com:mac:vml" xmlns:p="http://schemas.openxmlformats.org/presentationml/2006/main" xmlns:c="http://schemas.openxmlformats.org/drawingml/2006/chart" xmlns:dgm="http://schemas.openxmlformats.org/drawingml/2006/diagram" xmlns:o="urn:schemas-microsoft-com:office:office" xmlns:v="urn:schemas-microsoft-com:vml" xmlns:pvml="urn:schemas-microsoft-com:office:powerpoint" xmlns:com="http://schemas.openxmlformats.org/drawingml/2006/compatibility" xmlns:p14="http://schemas.microsoft.com/office/powerpoint/2010/main" xmlns:p15="http://schemas.microsoft.com/office/powerpoint/2012/main" xmlns:ahyp="http://schemas.microsoft.com/office/drawing/2018/hyperlinkcolor">
+  <p:cSld>
+    <p:spTree>
+      <p:nvGrpSpPr>
+        <p:cNvPr id="138" name="Shape 138"/>
+        <p:cNvGrpSpPr/>
+        <p:nvPr/>
+      </p:nvGrpSpPr>
+      <p:grpSpPr>
+        <a:xfrm>
+          <a:off x="0" y="0"/>
+          <a:ext cx="0" cy="0"/>
+          <a:chOff x="0" y="0"/>
+          <a:chExt cx="0" cy="0"/>
+        </a:xfrm>
+      </p:grpSpPr>
+      <p:sp>
+        <p:nvSpPr>
+          <p:cNvPr id="139" name="Google Shape;139;p3"/>
           <p:cNvSpPr txBox="1"/>
           <p:nvPr>
             <p:ph type="title"/>
@@ -24465,7 +24848,7 @@
       </p:sp>
       <p:sp>
         <p:nvSpPr>
-          <p:cNvPr id="134" name="Google Shape;134;p3"/>
+          <p:cNvPr id="140" name="Google Shape;140;p3"/>
           <p:cNvSpPr txBox="1"/>
           <p:nvPr>
             <p:ph idx="1" type="body"/>
@@ -24561,7 +24944,7 @@
       </p:sp>
       <p:pic>
         <p:nvPicPr>
-          <p:cNvPr descr="Working with APIs :: Learn Python by Nina Zakharenko" id="135" name="Google Shape;135;p3"/>
+          <p:cNvPr descr="Working with APIs :: Learn Python by Nina Zakharenko" id="141" name="Google Shape;141;p3"/>
           <p:cNvPicPr preferRelativeResize="0"/>
           <p:nvPr/>
         </p:nvPicPr>
@@ -24594,12 +24977,12 @@
 </p:sld>
 </file>
 
-<file path=ppt/slides/slide5.xml><?xml version="1.0" encoding="utf-8"?>
+<file path=ppt/slides/slide6.xml><?xml version="1.0" encoding="utf-8"?>
 <p:sld xmlns:a="http://schemas.openxmlformats.org/drawingml/2006/main" xmlns:r="http://schemas.openxmlformats.org/officeDocument/2006/relationships" xmlns:mc="http://schemas.openxmlformats.org/markup-compatibility/2006" xmlns:mv="urn:schemas-microsoft-com:mac:vml" xmlns:p="http://schemas.openxmlformats.org/presentationml/2006/main" xmlns:c="http://schemas.openxmlformats.org/drawingml/2006/chart" xmlns:dgm="http://schemas.openxmlformats.org/drawingml/2006/diagram" xmlns:o="urn:schemas-microsoft-com:office:office" xmlns:v="urn:schemas-microsoft-com:vml" xmlns:pvml="urn:schemas-microsoft-com:office:powerpoint" xmlns:com="http://schemas.openxmlformats.org/drawingml/2006/compatibility" xmlns:p14="http://schemas.microsoft.com/office/powerpoint/2010/main" xmlns:p15="http://schemas.microsoft.com/office/powerpoint/2012/main" xmlns:ahyp="http://schemas.microsoft.com/office/drawing/2018/hyperlinkcolor">
   <p:cSld>
     <p:spTree>
       <p:nvGrpSpPr>
-        <p:cNvPr id="139" name="Shape 139"/>
+        <p:cNvPr id="145" name="Shape 145"/>
         <p:cNvGrpSpPr/>
         <p:nvPr/>
       </p:nvGrpSpPr>
@@ -24613,7 +24996,7 @@
       </p:grpSpPr>
       <p:sp>
         <p:nvSpPr>
-          <p:cNvPr id="140" name="Google Shape;140;p4"/>
+          <p:cNvPr id="146" name="Google Shape;146;p4"/>
           <p:cNvSpPr txBox="1"/>
           <p:nvPr>
             <p:ph type="title"/>
@@ -24665,7 +25048,7 @@
       </p:sp>
       <p:sp>
         <p:nvSpPr>
-          <p:cNvPr id="141" name="Google Shape;141;p4"/>
+          <p:cNvPr id="147" name="Google Shape;147;p4"/>
           <p:cNvSpPr txBox="1"/>
           <p:nvPr>
             <p:ph idx="1" type="body"/>
@@ -24845,245 +25228,6 @@
             </a:pPr>
             <a:r>
               <a:t/>
-            </a:r>
-            <a:endParaRPr/>
-          </a:p>
-        </p:txBody>
-      </p:sp>
-    </p:spTree>
-  </p:cSld>
-  <p:clrMapOvr>
-    <a:masterClrMapping/>
-  </p:clrMapOvr>
-</p:sld>
-</file>
-
-<file path=ppt/slides/slide6.xml><?xml version="1.0" encoding="utf-8"?>
-<p:sld xmlns:a="http://schemas.openxmlformats.org/drawingml/2006/main" xmlns:r="http://schemas.openxmlformats.org/officeDocument/2006/relationships" xmlns:mc="http://schemas.openxmlformats.org/markup-compatibility/2006" xmlns:mv="urn:schemas-microsoft-com:mac:vml" xmlns:p="http://schemas.openxmlformats.org/presentationml/2006/main" xmlns:c="http://schemas.openxmlformats.org/drawingml/2006/chart" xmlns:dgm="http://schemas.openxmlformats.org/drawingml/2006/diagram" xmlns:o="urn:schemas-microsoft-com:office:office" xmlns:v="urn:schemas-microsoft-com:vml" xmlns:pvml="urn:schemas-microsoft-com:office:powerpoint" xmlns:com="http://schemas.openxmlformats.org/drawingml/2006/compatibility" xmlns:p14="http://schemas.microsoft.com/office/powerpoint/2010/main" xmlns:p15="http://schemas.microsoft.com/office/powerpoint/2012/main" xmlns:ahyp="http://schemas.microsoft.com/office/drawing/2018/hyperlinkcolor">
-  <p:cSld>
-    <p:spTree>
-      <p:nvGrpSpPr>
-        <p:cNvPr id="145" name="Shape 145"/>
-        <p:cNvGrpSpPr/>
-        <p:nvPr/>
-      </p:nvGrpSpPr>
-      <p:grpSpPr>
-        <a:xfrm>
-          <a:off x="0" y="0"/>
-          <a:ext cx="0" cy="0"/>
-          <a:chOff x="0" y="0"/>
-          <a:chExt cx="0" cy="0"/>
-        </a:xfrm>
-      </p:grpSpPr>
-      <p:sp>
-        <p:nvSpPr>
-          <p:cNvPr id="146" name="Google Shape;146;p5"/>
-          <p:cNvSpPr txBox="1"/>
-          <p:nvPr>
-            <p:ph type="title"/>
-          </p:nvPr>
-        </p:nvSpPr>
-        <p:spPr>
-          <a:xfrm>
-            <a:off x="838200" y="365125"/>
-            <a:ext cx="10515600" cy="1325563"/>
-          </a:xfrm>
-          <a:prstGeom prst="rect">
-            <a:avLst/>
-          </a:prstGeom>
-          <a:noFill/>
-          <a:ln>
-            <a:noFill/>
-          </a:ln>
-        </p:spPr>
-        <p:txBody>
-          <a:bodyPr anchorCtr="0" anchor="ctr" bIns="45700" lIns="91425" spcFirstLastPara="1" rIns="91425" wrap="square" tIns="45700">
-            <a:normAutofit/>
-          </a:bodyPr>
-          <a:lstStyle/>
-          <a:p>
-            <a:pPr indent="0" lvl="0" marL="0" rtl="0" algn="l">
-              <a:lnSpc>
-                <a:spcPct val="90000"/>
-              </a:lnSpc>
-              <a:spcBef>
-                <a:spcPts val="0"/>
-              </a:spcBef>
-              <a:spcAft>
-                <a:spcPts val="0"/>
-              </a:spcAft>
-              <a:buClr>
-                <a:schemeClr val="dk1"/>
-              </a:buClr>
-              <a:buSzPts val="4000"/>
-              <a:buFont typeface="Abril Fatface"/>
-              <a:buNone/>
-            </a:pPr>
-            <a:r>
-              <a:rPr lang="en-US"/>
-              <a:t>HTTP Request Methods</a:t>
-            </a:r>
-            <a:endParaRPr/>
-          </a:p>
-        </p:txBody>
-      </p:sp>
-      <p:sp>
-        <p:nvSpPr>
-          <p:cNvPr id="147" name="Google Shape;147;p5"/>
-          <p:cNvSpPr txBox="1"/>
-          <p:nvPr>
-            <p:ph idx="1" type="body"/>
-          </p:nvPr>
-        </p:nvSpPr>
-        <p:spPr>
-          <a:xfrm>
-            <a:off x="838200" y="2011680"/>
-            <a:ext cx="10515600" cy="4160520"/>
-          </a:xfrm>
-          <a:prstGeom prst="rect">
-            <a:avLst/>
-          </a:prstGeom>
-          <a:noFill/>
-          <a:ln>
-            <a:noFill/>
-          </a:ln>
-        </p:spPr>
-        <p:txBody>
-          <a:bodyPr anchorCtr="0" anchor="t" bIns="45700" lIns="91425" spcFirstLastPara="1" rIns="91425" wrap="square" tIns="45700">
-            <a:normAutofit/>
-          </a:bodyPr>
-          <a:lstStyle/>
-          <a:p>
-            <a:pPr indent="-228600" lvl="0" marL="228600" rtl="0" algn="l">
-              <a:lnSpc>
-                <a:spcPct val="100000"/>
-              </a:lnSpc>
-              <a:spcBef>
-                <a:spcPts val="0"/>
-              </a:spcBef>
-              <a:spcAft>
-                <a:spcPts val="0"/>
-              </a:spcAft>
-              <a:buClr>
-                <a:schemeClr val="dk1"/>
-              </a:buClr>
-              <a:buSzPts val="2800"/>
-              <a:buChar char="•"/>
-            </a:pPr>
-            <a:r>
-              <a:rPr lang="en-US"/>
-              <a:t>Get: asks the server to get the resource</a:t>
-            </a:r>
-            <a:endParaRPr/>
-          </a:p>
-          <a:p>
-            <a:pPr indent="-228600" lvl="0" marL="228600" rtl="0" algn="l">
-              <a:lnSpc>
-                <a:spcPct val="100000"/>
-              </a:lnSpc>
-              <a:spcBef>
-                <a:spcPts val="1000"/>
-              </a:spcBef>
-              <a:spcAft>
-                <a:spcPts val="0"/>
-              </a:spcAft>
-              <a:buClr>
-                <a:schemeClr val="dk1"/>
-              </a:buClr>
-              <a:buSzPts val="2800"/>
-              <a:buChar char="•"/>
-            </a:pPr>
-            <a:r>
-              <a:rPr lang="en-US"/>
-              <a:t>Post: asks server to create a new resource</a:t>
-            </a:r>
-            <a:endParaRPr/>
-          </a:p>
-          <a:p>
-            <a:pPr indent="-165100" lvl="0" marL="228600" rtl="0" algn="l">
-              <a:lnSpc>
-                <a:spcPct val="100000"/>
-              </a:lnSpc>
-              <a:spcBef>
-                <a:spcPts val="1000"/>
-              </a:spcBef>
-              <a:spcAft>
-                <a:spcPts val="0"/>
-              </a:spcAft>
-              <a:buSzPts val="1800"/>
-              <a:buChar char="•"/>
-            </a:pPr>
-            <a:r>
-              <a:rPr lang="en-US"/>
-              <a:t>PUT - Asks the server to edit/update an existing resource </a:t>
-            </a:r>
-            <a:endParaRPr/>
-          </a:p>
-          <a:p>
-            <a:pPr indent="-165100" lvl="0" marL="228600" rtl="0" algn="l">
-              <a:lnSpc>
-                <a:spcPct val="100000"/>
-              </a:lnSpc>
-              <a:spcBef>
-                <a:spcPts val="1000"/>
-              </a:spcBef>
-              <a:spcAft>
-                <a:spcPts val="0"/>
-              </a:spcAft>
-              <a:buSzPts val="1800"/>
-              <a:buChar char="•"/>
-            </a:pPr>
-            <a:r>
-              <a:rPr lang="en-US"/>
-              <a:t>DELETE - Asks the server to delete a resource </a:t>
-            </a:r>
-            <a:endParaRPr/>
-          </a:p>
-          <a:p>
-            <a:pPr indent="-228600" lvl="1" marL="685800" rtl="0" algn="l">
-              <a:lnSpc>
-                <a:spcPct val="100000"/>
-              </a:lnSpc>
-              <a:spcBef>
-                <a:spcPts val="1000"/>
-              </a:spcBef>
-              <a:spcAft>
-                <a:spcPts val="0"/>
-              </a:spcAft>
-              <a:buSzPts val="1800"/>
-              <a:buChar char="•"/>
-            </a:pPr>
-            <a:r>
-              <a:rPr lang="en-US"/>
-              <a:t>A resource refers to some sort of informatio on the server, such as a birthday, your favorit song, etc. </a:t>
-            </a:r>
-            <a:endParaRPr/>
-          </a:p>
-          <a:p>
-            <a:pPr indent="-228600" lvl="0" marL="228600" rtl="0" algn="l">
-              <a:lnSpc>
-                <a:spcPct val="100000"/>
-              </a:lnSpc>
-              <a:spcBef>
-                <a:spcPts val="1000"/>
-              </a:spcBef>
-              <a:spcAft>
-                <a:spcPts val="0"/>
-              </a:spcAft>
-              <a:buClr>
-                <a:schemeClr val="dk1"/>
-              </a:buClr>
-              <a:buSzPts val="2800"/>
-              <a:buChar char="•"/>
-            </a:pPr>
-            <a:r>
-              <a:rPr lang="en-US" u="sng">
-                <a:solidFill>
-                  <a:schemeClr val="hlink"/>
-                </a:solidFill>
-                <a:hlinkClick r:id="rId3"/>
-              </a:rPr>
-              <a:t>Example</a:t>
             </a:r>
             <a:endParaRPr/>
           </a:p>
@@ -25116,7 +25260,7 @@
       </p:grpSpPr>
       <p:sp>
         <p:nvSpPr>
-          <p:cNvPr id="152" name="Google Shape;152;p6"/>
+          <p:cNvPr id="152" name="Google Shape;152;p5"/>
           <p:cNvSpPr txBox="1"/>
           <p:nvPr>
             <p:ph type="title"/>
@@ -25160,31 +25304,24 @@
             </a:pPr>
             <a:r>
               <a:rPr lang="en-US"/>
-              <a:t>What does it look like?</a:t>
+              <a:t>HTTP Request Methods</a:t>
             </a:r>
             <a:endParaRPr/>
           </a:p>
         </p:txBody>
       </p:sp>
-      <p:pic>
-        <p:nvPicPr>
-          <p:cNvPr id="153" name="Google Shape;153;p6"/>
-          <p:cNvPicPr preferRelativeResize="0"/>
+      <p:sp>
+        <p:nvSpPr>
+          <p:cNvPr id="153" name="Google Shape;153;p5"/>
+          <p:cNvSpPr txBox="1"/>
           <p:nvPr>
             <p:ph idx="1" type="body"/>
           </p:nvPr>
-        </p:nvPicPr>
-        <p:blipFill rotWithShape="1">
-          <a:blip r:embed="rId3">
-            <a:alphaModFix/>
-          </a:blip>
-          <a:srcRect b="0" l="0" r="0" t="0"/>
-          <a:stretch/>
-        </p:blipFill>
+        </p:nvSpPr>
         <p:spPr>
           <a:xfrm>
-            <a:off x="838200" y="1407958"/>
-            <a:ext cx="9049610" cy="5207156"/>
+            <a:off x="838200" y="2011680"/>
+            <a:ext cx="10515600" cy="4160520"/>
           </a:xfrm>
           <a:prstGeom prst="rect">
             <a:avLst/>
@@ -25194,7 +25331,163 @@
             <a:noFill/>
           </a:ln>
         </p:spPr>
-      </p:pic>
+        <p:txBody>
+          <a:bodyPr anchorCtr="0" anchor="t" bIns="45700" lIns="91425" spcFirstLastPara="1" rIns="91425" wrap="square" tIns="45700">
+            <a:normAutofit/>
+          </a:bodyPr>
+          <a:lstStyle/>
+          <a:p>
+            <a:pPr indent="-228600" lvl="0" marL="228600" rtl="0" algn="l">
+              <a:lnSpc>
+                <a:spcPct val="100000"/>
+              </a:lnSpc>
+              <a:spcBef>
+                <a:spcPts val="0"/>
+              </a:spcBef>
+              <a:spcAft>
+                <a:spcPts val="0"/>
+              </a:spcAft>
+              <a:buClr>
+                <a:schemeClr val="dk1"/>
+              </a:buClr>
+              <a:buSzPts val="2800"/>
+              <a:buChar char="•"/>
+            </a:pPr>
+            <a:r>
+              <a:rPr lang="en-US"/>
+              <a:t>Get: asks the server to get the resource</a:t>
+            </a:r>
+            <a:endParaRPr/>
+          </a:p>
+          <a:p>
+            <a:pPr indent="-228600" lvl="0" marL="228600" rtl="0" algn="l">
+              <a:lnSpc>
+                <a:spcPct val="100000"/>
+              </a:lnSpc>
+              <a:spcBef>
+                <a:spcPts val="1000"/>
+              </a:spcBef>
+              <a:spcAft>
+                <a:spcPts val="0"/>
+              </a:spcAft>
+              <a:buClr>
+                <a:schemeClr val="dk1"/>
+              </a:buClr>
+              <a:buSzPts val="2800"/>
+              <a:buChar char="•"/>
+            </a:pPr>
+            <a:r>
+              <a:rPr lang="en-US"/>
+              <a:t>Post: asks server to create a new resource</a:t>
+            </a:r>
+            <a:endParaRPr/>
+          </a:p>
+          <a:p>
+            <a:pPr indent="-165100" lvl="0" marL="228600" rtl="0" algn="l">
+              <a:lnSpc>
+                <a:spcPct val="100000"/>
+              </a:lnSpc>
+              <a:spcBef>
+                <a:spcPts val="1000"/>
+              </a:spcBef>
+              <a:spcAft>
+                <a:spcPts val="0"/>
+              </a:spcAft>
+              <a:buSzPts val="1800"/>
+              <a:buChar char="•"/>
+            </a:pPr>
+            <a:r>
+              <a:rPr lang="en-US"/>
+              <a:t>PUT - Asks the server to edit/update an existing resource </a:t>
+            </a:r>
+            <a:endParaRPr/>
+          </a:p>
+          <a:p>
+            <a:pPr indent="-165100" lvl="0" marL="228600" rtl="0" algn="l">
+              <a:lnSpc>
+                <a:spcPct val="100000"/>
+              </a:lnSpc>
+              <a:spcBef>
+                <a:spcPts val="1000"/>
+              </a:spcBef>
+              <a:spcAft>
+                <a:spcPts val="0"/>
+              </a:spcAft>
+              <a:buSzPts val="1800"/>
+              <a:buChar char="•"/>
+            </a:pPr>
+            <a:r>
+              <a:rPr lang="en-US"/>
+              <a:t>DELETE - Asks the server to delete a resource </a:t>
+            </a:r>
+            <a:endParaRPr/>
+          </a:p>
+          <a:p>
+            <a:pPr indent="-228600" lvl="1" marL="685800" rtl="0" algn="l">
+              <a:lnSpc>
+                <a:spcPct val="100000"/>
+              </a:lnSpc>
+              <a:spcBef>
+                <a:spcPts val="1000"/>
+              </a:spcBef>
+              <a:spcAft>
+                <a:spcPts val="0"/>
+              </a:spcAft>
+              <a:buSzPts val="1800"/>
+              <a:buChar char="•"/>
+            </a:pPr>
+            <a:r>
+              <a:rPr lang="en-US"/>
+              <a:t>A resource refers to some sort of </a:t>
+            </a:r>
+            <a:r>
+              <a:rPr lang="en-US"/>
+              <a:t>information</a:t>
+            </a:r>
+            <a:r>
+              <a:rPr lang="en-US"/>
+              <a:t> on the server, such as a birthday, your </a:t>
+            </a:r>
+            <a:r>
+              <a:rPr lang="en-US"/>
+              <a:t>favorite</a:t>
+            </a:r>
+            <a:r>
+              <a:rPr lang="en-US"/>
+              <a:t> song, etc. </a:t>
+            </a:r>
+            <a:endParaRPr/>
+          </a:p>
+          <a:p>
+            <a:pPr indent="-228600" lvl="0" marL="228600" rtl="0" algn="l">
+              <a:lnSpc>
+                <a:spcPct val="100000"/>
+              </a:lnSpc>
+              <a:spcBef>
+                <a:spcPts val="1000"/>
+              </a:spcBef>
+              <a:spcAft>
+                <a:spcPts val="0"/>
+              </a:spcAft>
+              <a:buClr>
+                <a:schemeClr val="dk1"/>
+              </a:buClr>
+              <a:buSzPts val="2800"/>
+              <a:buChar char="•"/>
+            </a:pPr>
+            <a:r>
+              <a:rPr lang="en-US" u="sng">
+                <a:solidFill>
+                  <a:schemeClr val="hlink"/>
+                </a:solidFill>
+                <a:hlinkClick r:id="rId3"/>
+              </a:rPr>
+              <a:t>Example</a:t>
+            </a:r>
+            <a:endParaRPr/>
+          </a:p>
+        </p:txBody>
+      </p:sp>
     </p:spTree>
   </p:cSld>
   <p:clrMapOvr>
@@ -25222,7 +25515,7 @@
       </p:grpSpPr>
       <p:sp>
         <p:nvSpPr>
-          <p:cNvPr id="158" name="Google Shape;158;p7"/>
+          <p:cNvPr id="158" name="Google Shape;158;p6"/>
           <p:cNvSpPr txBox="1"/>
           <p:nvPr>
             <p:ph type="title"/>
@@ -25266,6 +25559,112 @@
             </a:pPr>
             <a:r>
               <a:rPr lang="en-US"/>
+              <a:t>What does it look like?</a:t>
+            </a:r>
+            <a:endParaRPr/>
+          </a:p>
+        </p:txBody>
+      </p:sp>
+      <p:pic>
+        <p:nvPicPr>
+          <p:cNvPr id="159" name="Google Shape;159;p6"/>
+          <p:cNvPicPr preferRelativeResize="0"/>
+          <p:nvPr>
+            <p:ph idx="1" type="body"/>
+          </p:nvPr>
+        </p:nvPicPr>
+        <p:blipFill rotWithShape="1">
+          <a:blip r:embed="rId3">
+            <a:alphaModFix/>
+          </a:blip>
+          <a:srcRect b="0" l="0" r="0" t="0"/>
+          <a:stretch/>
+        </p:blipFill>
+        <p:spPr>
+          <a:xfrm>
+            <a:off x="838200" y="1474933"/>
+            <a:ext cx="9049500" cy="5207100"/>
+          </a:xfrm>
+          <a:prstGeom prst="rect">
+            <a:avLst/>
+          </a:prstGeom>
+          <a:noFill/>
+          <a:ln>
+            <a:noFill/>
+          </a:ln>
+        </p:spPr>
+      </p:pic>
+    </p:spTree>
+  </p:cSld>
+  <p:clrMapOvr>
+    <a:masterClrMapping/>
+  </p:clrMapOvr>
+</p:sld>
+</file>
+
+<file path=ppt/slides/slide9.xml><?xml version="1.0" encoding="utf-8"?>
+<p:sld xmlns:a="http://schemas.openxmlformats.org/drawingml/2006/main" xmlns:r="http://schemas.openxmlformats.org/officeDocument/2006/relationships" xmlns:mc="http://schemas.openxmlformats.org/markup-compatibility/2006" xmlns:mv="urn:schemas-microsoft-com:mac:vml" xmlns:p="http://schemas.openxmlformats.org/presentationml/2006/main" xmlns:c="http://schemas.openxmlformats.org/drawingml/2006/chart" xmlns:dgm="http://schemas.openxmlformats.org/drawingml/2006/diagram" xmlns:o="urn:schemas-microsoft-com:office:office" xmlns:v="urn:schemas-microsoft-com:vml" xmlns:pvml="urn:schemas-microsoft-com:office:powerpoint" xmlns:com="http://schemas.openxmlformats.org/drawingml/2006/compatibility" xmlns:p14="http://schemas.microsoft.com/office/powerpoint/2010/main" xmlns:p15="http://schemas.microsoft.com/office/powerpoint/2012/main" xmlns:ahyp="http://schemas.microsoft.com/office/drawing/2018/hyperlinkcolor">
+  <p:cSld>
+    <p:spTree>
+      <p:nvGrpSpPr>
+        <p:cNvPr id="163" name="Shape 163"/>
+        <p:cNvGrpSpPr/>
+        <p:nvPr/>
+      </p:nvGrpSpPr>
+      <p:grpSpPr>
+        <a:xfrm>
+          <a:off x="0" y="0"/>
+          <a:ext cx="0" cy="0"/>
+          <a:chOff x="0" y="0"/>
+          <a:chExt cx="0" cy="0"/>
+        </a:xfrm>
+      </p:grpSpPr>
+      <p:sp>
+        <p:nvSpPr>
+          <p:cNvPr id="164" name="Google Shape;164;p7"/>
+          <p:cNvSpPr txBox="1"/>
+          <p:nvPr>
+            <p:ph type="title"/>
+          </p:nvPr>
+        </p:nvSpPr>
+        <p:spPr>
+          <a:xfrm>
+            <a:off x="838200" y="365125"/>
+            <a:ext cx="10515600" cy="1325563"/>
+          </a:xfrm>
+          <a:prstGeom prst="rect">
+            <a:avLst/>
+          </a:prstGeom>
+          <a:noFill/>
+          <a:ln>
+            <a:noFill/>
+          </a:ln>
+        </p:spPr>
+        <p:txBody>
+          <a:bodyPr anchorCtr="0" anchor="ctr" bIns="45700" lIns="91425" spcFirstLastPara="1" rIns="91425" wrap="square" tIns="45700">
+            <a:normAutofit/>
+          </a:bodyPr>
+          <a:lstStyle/>
+          <a:p>
+            <a:pPr indent="0" lvl="0" marL="0" rtl="0" algn="l">
+              <a:lnSpc>
+                <a:spcPct val="90000"/>
+              </a:lnSpc>
+              <a:spcBef>
+                <a:spcPts val="0"/>
+              </a:spcBef>
+              <a:spcAft>
+                <a:spcPts val="0"/>
+              </a:spcAft>
+              <a:buClr>
+                <a:schemeClr val="dk1"/>
+              </a:buClr>
+              <a:buSzPts val="4000"/>
+              <a:buFont typeface="Abril Fatface"/>
+              <a:buNone/>
+            </a:pPr>
+            <a:r>
+              <a:rPr lang="en-US"/>
               <a:t>API(Application Programming Interface)</a:t>
             </a:r>
             <a:endParaRPr/>
@@ -25274,7 +25673,7 @@
       </p:sp>
       <p:sp>
         <p:nvSpPr>
-          <p:cNvPr id="159" name="Google Shape;159;p7"/>
+          <p:cNvPr id="165" name="Google Shape;165;p7"/>
           <p:cNvSpPr txBox="1"/>
           <p:nvPr>
             <p:ph idx="1" type="body"/>
@@ -25370,7 +25769,7 @@
       </p:sp>
       <p:pic>
         <p:nvPicPr>
-          <p:cNvPr id="160" name="Google Shape;160;p7"/>
+          <p:cNvPr id="166" name="Google Shape;166;p7"/>
           <p:cNvPicPr preferRelativeResize="0"/>
           <p:nvPr/>
         </p:nvPicPr>
@@ -25403,188 +25802,10 @@
 </p:sld>
 </file>
 
-<file path=ppt/slides/slide9.xml><?xml version="1.0" encoding="utf-8"?>
-<p:sld xmlns:a="http://schemas.openxmlformats.org/drawingml/2006/main" xmlns:r="http://schemas.openxmlformats.org/officeDocument/2006/relationships" xmlns:mc="http://schemas.openxmlformats.org/markup-compatibility/2006" xmlns:mv="urn:schemas-microsoft-com:mac:vml" xmlns:p="http://schemas.openxmlformats.org/presentationml/2006/main" xmlns:c="http://schemas.openxmlformats.org/drawingml/2006/chart" xmlns:dgm="http://schemas.openxmlformats.org/drawingml/2006/diagram" xmlns:o="urn:schemas-microsoft-com:office:office" xmlns:v="urn:schemas-microsoft-com:vml" xmlns:pvml="urn:schemas-microsoft-com:office:powerpoint" xmlns:com="http://schemas.openxmlformats.org/drawingml/2006/compatibility" xmlns:p14="http://schemas.microsoft.com/office/powerpoint/2010/main" xmlns:p15="http://schemas.microsoft.com/office/powerpoint/2012/main" xmlns:ahyp="http://schemas.microsoft.com/office/drawing/2018/hyperlinkcolor">
-  <p:cSld>
-    <p:spTree>
-      <p:nvGrpSpPr>
-        <p:cNvPr id="164" name="Shape 164"/>
-        <p:cNvGrpSpPr/>
-        <p:nvPr/>
-      </p:nvGrpSpPr>
-      <p:grpSpPr>
-        <a:xfrm>
-          <a:off x="0" y="0"/>
-          <a:ext cx="0" cy="0"/>
-          <a:chOff x="0" y="0"/>
-          <a:chExt cx="0" cy="0"/>
-        </a:xfrm>
-      </p:grpSpPr>
-      <p:sp>
-        <p:nvSpPr>
-          <p:cNvPr id="165" name="Google Shape;165;p8"/>
-          <p:cNvSpPr txBox="1"/>
-          <p:nvPr>
-            <p:ph type="title"/>
-          </p:nvPr>
-        </p:nvSpPr>
-        <p:spPr>
-          <a:xfrm>
-            <a:off x="838200" y="365125"/>
-            <a:ext cx="10515600" cy="1325563"/>
-          </a:xfrm>
-          <a:prstGeom prst="rect">
-            <a:avLst/>
-          </a:prstGeom>
-          <a:noFill/>
-          <a:ln>
-            <a:noFill/>
-          </a:ln>
-        </p:spPr>
-        <p:txBody>
-          <a:bodyPr anchorCtr="0" anchor="ctr" bIns="45700" lIns="91425" spcFirstLastPara="1" rIns="91425" wrap="square" tIns="45700">
-            <a:normAutofit/>
-          </a:bodyPr>
-          <a:lstStyle/>
-          <a:p>
-            <a:pPr indent="0" lvl="0" marL="0" rtl="0" algn="l">
-              <a:lnSpc>
-                <a:spcPct val="90000"/>
-              </a:lnSpc>
-              <a:spcBef>
-                <a:spcPts val="0"/>
-              </a:spcBef>
-              <a:spcAft>
-                <a:spcPts val="0"/>
-              </a:spcAft>
-              <a:buClr>
-                <a:schemeClr val="dk1"/>
-              </a:buClr>
-              <a:buSzPts val="4000"/>
-              <a:buFont typeface="Abril Fatface"/>
-              <a:buNone/>
-            </a:pPr>
-            <a:r>
-              <a:rPr lang="en-US"/>
-              <a:t>HTTP Response(Using an API)</a:t>
-            </a:r>
-            <a:endParaRPr/>
-          </a:p>
-        </p:txBody>
-      </p:sp>
-      <p:sp>
-        <p:nvSpPr>
-          <p:cNvPr id="166" name="Google Shape;166;p8"/>
-          <p:cNvSpPr txBox="1"/>
-          <p:nvPr>
-            <p:ph idx="1" type="body"/>
-          </p:nvPr>
-        </p:nvSpPr>
-        <p:spPr>
-          <a:xfrm>
-            <a:off x="838200" y="2011680"/>
-            <a:ext cx="10515600" cy="4160520"/>
-          </a:xfrm>
-          <a:prstGeom prst="rect">
-            <a:avLst/>
-          </a:prstGeom>
-          <a:noFill/>
-          <a:ln>
-            <a:noFill/>
-          </a:ln>
-        </p:spPr>
-        <p:txBody>
-          <a:bodyPr anchorCtr="0" anchor="t" bIns="45700" lIns="91425" spcFirstLastPara="1" rIns="91425" wrap="square" tIns="45700">
-            <a:normAutofit/>
-          </a:bodyPr>
-          <a:lstStyle/>
-          <a:p>
-            <a:pPr indent="-228600" lvl="0" marL="228600" rtl="0" algn="l">
-              <a:lnSpc>
-                <a:spcPct val="100000"/>
-              </a:lnSpc>
-              <a:spcBef>
-                <a:spcPts val="0"/>
-              </a:spcBef>
-              <a:spcAft>
-                <a:spcPts val="0"/>
-              </a:spcAft>
-              <a:buClr>
-                <a:schemeClr val="dk1"/>
-              </a:buClr>
-              <a:buSzPts val="2800"/>
-              <a:buChar char="•"/>
-            </a:pPr>
-            <a:r>
-              <a:rPr lang="en-US"/>
-              <a:t>When a HTTP response is sent to the client, the data that comes in the response is formatted in a nice accessible format such as JSON</a:t>
-            </a:r>
-            <a:endParaRPr/>
-          </a:p>
-          <a:p>
-            <a:pPr indent="-228600" lvl="0" marL="228600" rtl="0" algn="l">
-              <a:lnSpc>
-                <a:spcPct val="100000"/>
-              </a:lnSpc>
-              <a:spcBef>
-                <a:spcPts val="1000"/>
-              </a:spcBef>
-              <a:spcAft>
-                <a:spcPts val="0"/>
-              </a:spcAft>
-              <a:buClr>
-                <a:schemeClr val="dk1"/>
-              </a:buClr>
-              <a:buSzPts val="2800"/>
-              <a:buChar char="•"/>
-            </a:pPr>
-            <a:r>
-              <a:rPr lang="en-US"/>
-              <a:t>Example:</a:t>
-            </a:r>
-            <a:endParaRPr/>
-          </a:p>
-        </p:txBody>
-      </p:sp>
-      <p:pic>
-        <p:nvPicPr>
-          <p:cNvPr id="167" name="Google Shape;167;p8"/>
-          <p:cNvPicPr preferRelativeResize="0"/>
-          <p:nvPr/>
-        </p:nvPicPr>
-        <p:blipFill rotWithShape="1">
-          <a:blip r:embed="rId3">
-            <a:alphaModFix/>
-          </a:blip>
-          <a:srcRect b="0" l="0" r="0" t="0"/>
-          <a:stretch/>
-        </p:blipFill>
-        <p:spPr>
-          <a:xfrm>
-            <a:off x="3078163" y="3432175"/>
-            <a:ext cx="7264400" cy="3060700"/>
-          </a:xfrm>
-          <a:prstGeom prst="rect">
-            <a:avLst/>
-          </a:prstGeom>
-          <a:noFill/>
-          <a:ln>
-            <a:noFill/>
-          </a:ln>
-        </p:spPr>
-      </p:pic>
-    </p:spTree>
-  </p:cSld>
-  <p:clrMapOvr>
-    <a:masterClrMapping/>
-  </p:clrMapOvr>
-</p:sld>
-</file>
-
 <file path=ppt/theme/theme1.xml><?xml version="1.0" encoding="utf-8"?>
-<a:theme xmlns:a="http://schemas.openxmlformats.org/drawingml/2006/main" xmlns:r="http://schemas.openxmlformats.org/officeDocument/2006/relationships" name="BrushVTI">
+<a:theme xmlns:a="http://schemas.openxmlformats.org/drawingml/2006/main" xmlns:r="http://schemas.openxmlformats.org/officeDocument/2006/relationships">
   <a:themeElements>
-    <a:clrScheme name="AnalogousFromLightSeedRightStep">
+    <a:clrScheme name="Default">
       <a:dk1>
         <a:srgbClr val="000000"/>
       </a:dk1>
@@ -25592,34 +25813,34 @@
         <a:srgbClr val="FFFFFF"/>
       </a:lt1>
       <a:dk2>
-        <a:srgbClr val="243541"/>
+        <a:srgbClr val="158158"/>
       </a:dk2>
       <a:lt2>
-        <a:srgbClr val="E8E4E2"/>
+        <a:srgbClr val="F3F3F3"/>
       </a:lt2>
       <a:accent1>
-        <a:srgbClr val="83A6BC"/>
+        <a:srgbClr val="058DC7"/>
       </a:accent1>
       <a:accent2>
-        <a:srgbClr val="7F8BBA"/>
+        <a:srgbClr val="50B432"/>
       </a:accent2>
       <a:accent3>
-        <a:srgbClr val="A196C6"/>
+        <a:srgbClr val="ED561B"/>
       </a:accent3>
       <a:accent4>
-        <a:srgbClr val="A47FBA"/>
+        <a:srgbClr val="EDEF00"/>
       </a:accent4>
       <a:accent5>
-        <a:srgbClr val="C492C2"/>
+        <a:srgbClr val="24CBE5"/>
       </a:accent5>
       <a:accent6>
-        <a:srgbClr val="BA7F9E"/>
+        <a:srgbClr val="64E572"/>
       </a:accent6>
       <a:hlink>
-        <a:srgbClr val="A6775A"/>
+        <a:srgbClr val="2200CC"/>
       </a:hlink>
       <a:folHlink>
-        <a:srgbClr val="7F7F7F"/>
+        <a:srgbClr val="551A8B"/>
       </a:folHlink>
     </a:clrScheme>
     <a:fontScheme name="Office">
@@ -25861,9 +26082,9 @@
 </file>
 
 <file path=ppt/theme/theme2.xml><?xml version="1.0" encoding="utf-8"?>
-<a:theme xmlns:a="http://schemas.openxmlformats.org/drawingml/2006/main" xmlns:r="http://schemas.openxmlformats.org/officeDocument/2006/relationships">
+<a:theme xmlns:a="http://schemas.openxmlformats.org/drawingml/2006/main" xmlns:r="http://schemas.openxmlformats.org/officeDocument/2006/relationships" name="BrushVTI">
   <a:themeElements>
-    <a:clrScheme name="Default">
+    <a:clrScheme name="AnalogousFromLightSeedRightStep">
       <a:dk1>
         <a:srgbClr val="000000"/>
       </a:dk1>
@@ -25871,34 +26092,34 @@
         <a:srgbClr val="FFFFFF"/>
       </a:lt1>
       <a:dk2>
-        <a:srgbClr val="158158"/>
+        <a:srgbClr val="243541"/>
       </a:dk2>
       <a:lt2>
-        <a:srgbClr val="F3F3F3"/>
+        <a:srgbClr val="E8E4E2"/>
       </a:lt2>
       <a:accent1>
-        <a:srgbClr val="058DC7"/>
+        <a:srgbClr val="83A6BC"/>
       </a:accent1>
       <a:accent2>
-        <a:srgbClr val="50B432"/>
+        <a:srgbClr val="7F8BBA"/>
       </a:accent2>
       <a:accent3>
-        <a:srgbClr val="ED561B"/>
+        <a:srgbClr val="A196C6"/>
       </a:accent3>
       <a:accent4>
-        <a:srgbClr val="EDEF00"/>
+        <a:srgbClr val="A47FBA"/>
       </a:accent4>
       <a:accent5>
-        <a:srgbClr val="24CBE5"/>
+        <a:srgbClr val="C492C2"/>
       </a:accent5>
       <a:accent6>
-        <a:srgbClr val="64E572"/>
+        <a:srgbClr val="BA7F9E"/>
       </a:accent6>
       <a:hlink>
-        <a:srgbClr val="2200CC"/>
+        <a:srgbClr val="A6775A"/>
       </a:hlink>
       <a:folHlink>
-        <a:srgbClr val="551A8B"/>
+        <a:srgbClr val="7F7F7F"/>
       </a:folHlink>
     </a:clrScheme>
     <a:fontScheme name="Office">
